--- a/Real Estate Presentation.pptx
+++ b/Real Estate Presentation.pptx
@@ -1,27 +1,27 @@
 
 <file path=ppt/presentation.xml><?xml version="1.0" encoding="utf-8"?>
-<p:presentation xmlns:a="http://schemas.openxmlformats.org/drawingml/2006/main" xmlns:r="http://schemas.openxmlformats.org/officeDocument/2006/relationships" xmlns:mc="http://schemas.openxmlformats.org/markup-compatibility/2006" xmlns:mv="urn:schemas-microsoft-com:mac:vml" xmlns:p="http://schemas.openxmlformats.org/presentationml/2006/main" xmlns:c="http://schemas.openxmlformats.org/drawingml/2006/chart" xmlns:dgm="http://schemas.openxmlformats.org/drawingml/2006/diagram" xmlns:o="urn:schemas-microsoft-com:office:office" xmlns:v="urn:schemas-microsoft-com:vml" xmlns:pvml="urn:schemas-microsoft-com:office:powerpoint" xmlns:com="http://schemas.openxmlformats.org/drawingml/2006/compatibility" xmlns:p14="http://schemas.microsoft.com/office/powerpoint/2010/main" xmlns:p15="http://schemas.microsoft.com/office/powerpoint/2012/main" xmlns:ahyp="http://schemas.microsoft.com/office/drawing/2018/hyperlinkcolor" autoCompressPictures="0" strictFirstAndLastChars="0" saveSubsetFonts="1">
+<p:presentation xmlns:a="http://schemas.openxmlformats.org/drawingml/2006/main" xmlns:r="http://schemas.openxmlformats.org/officeDocument/2006/relationships" xmlns:p="http://schemas.openxmlformats.org/presentationml/2006/main" strictFirstAndLastChars="0" saveSubsetFonts="1" autoCompressPictures="0">
   <p:sldMasterIdLst>
-    <p:sldMasterId id="2147483659" r:id="rId4"/>
+    <p:sldMasterId id="2147483659" r:id="rId1"/>
   </p:sldMasterIdLst>
   <p:notesMasterIdLst>
-    <p:notesMasterId r:id="rId5"/>
+    <p:notesMasterId r:id="rId11"/>
   </p:notesMasterIdLst>
   <p:sldIdLst>
-    <p:sldId id="256" r:id="rId6"/>
-    <p:sldId id="257" r:id="rId7"/>
-    <p:sldId id="258" r:id="rId8"/>
-    <p:sldId id="259" r:id="rId9"/>
-    <p:sldId id="260" r:id="rId10"/>
-    <p:sldId id="261" r:id="rId11"/>
-    <p:sldId id="262" r:id="rId12"/>
-    <p:sldId id="263" r:id="rId13"/>
-    <p:sldId id="264" r:id="rId14"/>
+    <p:sldId id="256" r:id="rId2"/>
+    <p:sldId id="257" r:id="rId3"/>
+    <p:sldId id="258" r:id="rId4"/>
+    <p:sldId id="259" r:id="rId5"/>
+    <p:sldId id="260" r:id="rId6"/>
+    <p:sldId id="261" r:id="rId7"/>
+    <p:sldId id="262" r:id="rId8"/>
+    <p:sldId id="263" r:id="rId9"/>
+    <p:sldId id="264" r:id="rId10"/>
   </p:sldIdLst>
-  <p:sldSz cy="5143500" cx="9144000"/>
+  <p:sldSz cx="9144000" cy="5143500" type="screen16x9"/>
   <p:notesSz cx="6858000" cy="9144000"/>
   <p:defaultTextStyle>
-    <a:defPPr lvl="0" marR="0" rtl="0" algn="l">
+    <a:defPPr marR="0" lvl="0" algn="l" rtl="0">
       <a:lnSpc>
         <a:spcPct val="100000"/>
       </a:lnSpc>
@@ -32,7 +32,7 @@
         <a:spcPts val="0"/>
       </a:spcAft>
     </a:defPPr>
-    <a:lvl1pPr lvl="0" marR="0" rtl="0" algn="l">
+    <a:lvl1pPr marR="0" lvl="0" algn="l" rtl="0">
       <a:lnSpc>
         <a:spcPct val="100000"/>
       </a:lnSpc>
@@ -46,7 +46,7 @@
         <a:srgbClr val="000000"/>
       </a:buClr>
       <a:buFont typeface="Arial"/>
-      <a:defRPr b="0" i="0" sz="1400" u="none" cap="none" strike="noStrike">
+      <a:defRPr sz="1400" b="0" i="0" u="none" strike="noStrike" cap="none">
         <a:solidFill>
           <a:srgbClr val="000000"/>
         </a:solidFill>
@@ -56,7 +56,7 @@
         <a:sym typeface="Arial"/>
       </a:defRPr>
     </a:lvl1pPr>
-    <a:lvl2pPr lvl="1" marR="0" rtl="0" algn="l">
+    <a:lvl2pPr marR="0" lvl="1" algn="l" rtl="0">
       <a:lnSpc>
         <a:spcPct val="100000"/>
       </a:lnSpc>
@@ -70,7 +70,7 @@
         <a:srgbClr val="000000"/>
       </a:buClr>
       <a:buFont typeface="Arial"/>
-      <a:defRPr b="0" i="0" sz="1400" u="none" cap="none" strike="noStrike">
+      <a:defRPr sz="1400" b="0" i="0" u="none" strike="noStrike" cap="none">
         <a:solidFill>
           <a:srgbClr val="000000"/>
         </a:solidFill>
@@ -80,7 +80,7 @@
         <a:sym typeface="Arial"/>
       </a:defRPr>
     </a:lvl2pPr>
-    <a:lvl3pPr lvl="2" marR="0" rtl="0" algn="l">
+    <a:lvl3pPr marR="0" lvl="2" algn="l" rtl="0">
       <a:lnSpc>
         <a:spcPct val="100000"/>
       </a:lnSpc>
@@ -94,7 +94,7 @@
         <a:srgbClr val="000000"/>
       </a:buClr>
       <a:buFont typeface="Arial"/>
-      <a:defRPr b="0" i="0" sz="1400" u="none" cap="none" strike="noStrike">
+      <a:defRPr sz="1400" b="0" i="0" u="none" strike="noStrike" cap="none">
         <a:solidFill>
           <a:srgbClr val="000000"/>
         </a:solidFill>
@@ -104,7 +104,7 @@
         <a:sym typeface="Arial"/>
       </a:defRPr>
     </a:lvl3pPr>
-    <a:lvl4pPr lvl="3" marR="0" rtl="0" algn="l">
+    <a:lvl4pPr marR="0" lvl="3" algn="l" rtl="0">
       <a:lnSpc>
         <a:spcPct val="100000"/>
       </a:lnSpc>
@@ -118,7 +118,7 @@
         <a:srgbClr val="000000"/>
       </a:buClr>
       <a:buFont typeface="Arial"/>
-      <a:defRPr b="0" i="0" sz="1400" u="none" cap="none" strike="noStrike">
+      <a:defRPr sz="1400" b="0" i="0" u="none" strike="noStrike" cap="none">
         <a:solidFill>
           <a:srgbClr val="000000"/>
         </a:solidFill>
@@ -128,7 +128,7 @@
         <a:sym typeface="Arial"/>
       </a:defRPr>
     </a:lvl4pPr>
-    <a:lvl5pPr lvl="4" marR="0" rtl="0" algn="l">
+    <a:lvl5pPr marR="0" lvl="4" algn="l" rtl="0">
       <a:lnSpc>
         <a:spcPct val="100000"/>
       </a:lnSpc>
@@ -142,7 +142,7 @@
         <a:srgbClr val="000000"/>
       </a:buClr>
       <a:buFont typeface="Arial"/>
-      <a:defRPr b="0" i="0" sz="1400" u="none" cap="none" strike="noStrike">
+      <a:defRPr sz="1400" b="0" i="0" u="none" strike="noStrike" cap="none">
         <a:solidFill>
           <a:srgbClr val="000000"/>
         </a:solidFill>
@@ -152,7 +152,7 @@
         <a:sym typeface="Arial"/>
       </a:defRPr>
     </a:lvl5pPr>
-    <a:lvl6pPr lvl="5" marR="0" rtl="0" algn="l">
+    <a:lvl6pPr marR="0" lvl="5" algn="l" rtl="0">
       <a:lnSpc>
         <a:spcPct val="100000"/>
       </a:lnSpc>
@@ -166,7 +166,7 @@
         <a:srgbClr val="000000"/>
       </a:buClr>
       <a:buFont typeface="Arial"/>
-      <a:defRPr b="0" i="0" sz="1400" u="none" cap="none" strike="noStrike">
+      <a:defRPr sz="1400" b="0" i="0" u="none" strike="noStrike" cap="none">
         <a:solidFill>
           <a:srgbClr val="000000"/>
         </a:solidFill>
@@ -176,7 +176,7 @@
         <a:sym typeface="Arial"/>
       </a:defRPr>
     </a:lvl6pPr>
-    <a:lvl7pPr lvl="6" marR="0" rtl="0" algn="l">
+    <a:lvl7pPr marR="0" lvl="6" algn="l" rtl="0">
       <a:lnSpc>
         <a:spcPct val="100000"/>
       </a:lnSpc>
@@ -190,7 +190,7 @@
         <a:srgbClr val="000000"/>
       </a:buClr>
       <a:buFont typeface="Arial"/>
-      <a:defRPr b="0" i="0" sz="1400" u="none" cap="none" strike="noStrike">
+      <a:defRPr sz="1400" b="0" i="0" u="none" strike="noStrike" cap="none">
         <a:solidFill>
           <a:srgbClr val="000000"/>
         </a:solidFill>
@@ -200,7 +200,7 @@
         <a:sym typeface="Arial"/>
       </a:defRPr>
     </a:lvl7pPr>
-    <a:lvl8pPr lvl="7" marR="0" rtl="0" algn="l">
+    <a:lvl8pPr marR="0" lvl="7" algn="l" rtl="0">
       <a:lnSpc>
         <a:spcPct val="100000"/>
       </a:lnSpc>
@@ -214,7 +214,7 @@
         <a:srgbClr val="000000"/>
       </a:buClr>
       <a:buFont typeface="Arial"/>
-      <a:defRPr b="0" i="0" sz="1400" u="none" cap="none" strike="noStrike">
+      <a:defRPr sz="1400" b="0" i="0" u="none" strike="noStrike" cap="none">
         <a:solidFill>
           <a:srgbClr val="000000"/>
         </a:solidFill>
@@ -224,7 +224,7 @@
         <a:sym typeface="Arial"/>
       </a:defRPr>
     </a:lvl8pPr>
-    <a:lvl9pPr lvl="8" marR="0" rtl="0" algn="l">
+    <a:lvl9pPr marR="0" lvl="8" algn="l" rtl="0">
       <a:lnSpc>
         <a:spcPct val="100000"/>
       </a:lnSpc>
@@ -238,7 +238,7 @@
         <a:srgbClr val="000000"/>
       </a:buClr>
       <a:buFont typeface="Arial"/>
-      <a:defRPr b="0" i="0" sz="1400" u="none" cap="none" strike="noStrike">
+      <a:defRPr sz="1400" b="0" i="0" u="none" strike="noStrike" cap="none">
         <a:solidFill>
           <a:srgbClr val="000000"/>
         </a:solidFill>
@@ -251,7 +251,7 @@
   </p:defaultTextStyle>
   <p:extLst>
     <p:ext uri="{EFAFB233-063F-42B5-8137-9DF3F51BA10A}">
-      <p15:sldGuideLst>
+      <p15:sldGuideLst xmlns:p15="http://schemas.microsoft.com/office/powerpoint/2012/main">
         <p15:guide id="1" orient="horz" pos="1620">
           <p15:clr>
             <a:srgbClr val="A4A3A4"/>
@@ -269,11 +269,16 @@
 </file>
 
 <file path=ppt/notesMasters/notesMaster1.xml><?xml version="1.0" encoding="utf-8"?>
-<p:notesMaster xmlns:a="http://schemas.openxmlformats.org/drawingml/2006/main" xmlns:r="http://schemas.openxmlformats.org/officeDocument/2006/relationships" xmlns:mc="http://schemas.openxmlformats.org/markup-compatibility/2006" xmlns:mv="urn:schemas-microsoft-com:mac:vml" xmlns:p="http://schemas.openxmlformats.org/presentationml/2006/main" xmlns:c="http://schemas.openxmlformats.org/drawingml/2006/chart" xmlns:dgm="http://schemas.openxmlformats.org/drawingml/2006/diagram" xmlns:o="urn:schemas-microsoft-com:office:office" xmlns:v="urn:schemas-microsoft-com:vml" xmlns:pvml="urn:schemas-microsoft-com:office:powerpoint" xmlns:com="http://schemas.openxmlformats.org/drawingml/2006/compatibility" xmlns:p14="http://schemas.microsoft.com/office/powerpoint/2010/main" xmlns:p15="http://schemas.microsoft.com/office/powerpoint/2012/main" xmlns:ahyp="http://schemas.microsoft.com/office/drawing/2018/hyperlinkcolor">
+<p:notesMaster xmlns:a="http://schemas.openxmlformats.org/drawingml/2006/main" xmlns:r="http://schemas.openxmlformats.org/officeDocument/2006/relationships" xmlns:p="http://schemas.openxmlformats.org/presentationml/2006/main">
   <p:cSld>
+    <p:bg>
+      <p:bgRef idx="1001">
+        <a:schemeClr val="bg1"/>
+      </p:bgRef>
+    </p:bg>
     <p:spTree>
       <p:nvGrpSpPr>
-        <p:cNvPr id="2" name="Shape 2"/>
+        <p:cNvPr id="1" name="Shape 2"/>
         <p:cNvGrpSpPr/>
         <p:nvPr/>
       </p:nvGrpSpPr>
@@ -288,9 +293,11 @@
       <p:sp>
         <p:nvSpPr>
           <p:cNvPr id="3" name="Google Shape;3;n"/>
-          <p:cNvSpPr/>
+          <p:cNvSpPr>
+            <a:spLocks noGrp="1" noRot="1" noChangeAspect="1"/>
+          </p:cNvSpPr>
           <p:nvPr>
-            <p:ph idx="2" type="sldImg"/>
+            <p:ph type="sldImg" idx="2"/>
           </p:nvPr>
         </p:nvSpPr>
         <p:spPr>
@@ -299,9 +306,13 @@
             <a:ext cx="6096075" cy="3429000"/>
           </a:xfrm>
           <a:custGeom>
-            <a:rect b="b" l="l" r="r" t="t"/>
+            <a:avLst/>
+            <a:gdLst/>
+            <a:ahLst/>
+            <a:cxnLst/>
+            <a:rect l="l" t="t" r="r" b="b"/>
             <a:pathLst>
-              <a:path extrusionOk="0" h="120000" w="120000">
+              <a:path w="120000" h="120000" extrusionOk="0">
                 <a:moveTo>
                   <a:pt x="0" y="0"/>
                 </a:moveTo>
@@ -319,23 +330,25 @@
             </a:pathLst>
           </a:custGeom>
           <a:noFill/>
-          <a:ln cap="flat" cmpd="sng" w="9525">
+          <a:ln w="9525" cap="flat" cmpd="sng">
             <a:solidFill>
               <a:srgbClr val="000000"/>
             </a:solidFill>
             <a:prstDash val="solid"/>
             <a:round/>
-            <a:headEnd len="sm" w="sm" type="none"/>
-            <a:tailEnd len="sm" w="sm" type="none"/>
+            <a:headEnd type="none" w="sm" len="sm"/>
+            <a:tailEnd type="none" w="sm" len="sm"/>
           </a:ln>
         </p:spPr>
       </p:sp>
       <p:sp>
         <p:nvSpPr>
           <p:cNvPr id="4" name="Google Shape;4;n"/>
-          <p:cNvSpPr txBox="1"/>
+          <p:cNvSpPr txBox="1">
+            <a:spLocks noGrp="1"/>
+          </p:cNvSpPr>
           <p:nvPr>
-            <p:ph idx="1" type="body"/>
+            <p:ph type="body" idx="1"/>
           </p:nvPr>
         </p:nvSpPr>
         <p:spPr>
@@ -352,11 +365,11 @@
           </a:ln>
         </p:spPr>
         <p:txBody>
-          <a:bodyPr anchorCtr="0" anchor="t" bIns="91425" lIns="91425" spcFirstLastPara="1" rIns="91425" wrap="square" tIns="91425">
+          <a:bodyPr spcFirstLastPara="1" wrap="square" lIns="91425" tIns="91425" rIns="91425" bIns="91425" anchor="t" anchorCtr="0">
             <a:noAutofit/>
           </a:bodyPr>
           <a:lstStyle>
-            <a:lvl1pPr indent="-298450" lvl="0" marL="457200">
+            <a:lvl1pPr marL="457200" lvl="0" indent="-298450">
               <a:spcBef>
                 <a:spcPts val="0"/>
               </a:spcBef>
@@ -367,7 +380,7 @@
               <a:buChar char="●"/>
               <a:defRPr sz="1100"/>
             </a:lvl1pPr>
-            <a:lvl2pPr indent="-298450" lvl="1" marL="914400">
+            <a:lvl2pPr marL="914400" lvl="1" indent="-298450">
               <a:spcBef>
                 <a:spcPts val="0"/>
               </a:spcBef>
@@ -378,7 +391,7 @@
               <a:buChar char="○"/>
               <a:defRPr sz="1100"/>
             </a:lvl2pPr>
-            <a:lvl3pPr indent="-298450" lvl="2" marL="1371600">
+            <a:lvl3pPr marL="1371600" lvl="2" indent="-298450">
               <a:spcBef>
                 <a:spcPts val="0"/>
               </a:spcBef>
@@ -389,7 +402,7 @@
               <a:buChar char="■"/>
               <a:defRPr sz="1100"/>
             </a:lvl3pPr>
-            <a:lvl4pPr indent="-298450" lvl="3" marL="1828800">
+            <a:lvl4pPr marL="1828800" lvl="3" indent="-298450">
               <a:spcBef>
                 <a:spcPts val="0"/>
               </a:spcBef>
@@ -400,7 +413,7 @@
               <a:buChar char="●"/>
               <a:defRPr sz="1100"/>
             </a:lvl4pPr>
-            <a:lvl5pPr indent="-298450" lvl="4" marL="2286000">
+            <a:lvl5pPr marL="2286000" lvl="4" indent="-298450">
               <a:spcBef>
                 <a:spcPts val="0"/>
               </a:spcBef>
@@ -411,7 +424,7 @@
               <a:buChar char="○"/>
               <a:defRPr sz="1100"/>
             </a:lvl5pPr>
-            <a:lvl6pPr indent="-298450" lvl="5" marL="2743200">
+            <a:lvl6pPr marL="2743200" lvl="5" indent="-298450">
               <a:spcBef>
                 <a:spcPts val="0"/>
               </a:spcBef>
@@ -422,7 +435,7 @@
               <a:buChar char="■"/>
               <a:defRPr sz="1100"/>
             </a:lvl6pPr>
-            <a:lvl7pPr indent="-298450" lvl="6" marL="3200400">
+            <a:lvl7pPr marL="3200400" lvl="6" indent="-298450">
               <a:spcBef>
                 <a:spcPts val="0"/>
               </a:spcBef>
@@ -433,7 +446,7 @@
               <a:buChar char="●"/>
               <a:defRPr sz="1100"/>
             </a:lvl7pPr>
-            <a:lvl8pPr indent="-298450" lvl="7" marL="3657600">
+            <a:lvl8pPr marL="3657600" lvl="7" indent="-298450">
               <a:spcBef>
                 <a:spcPts val="0"/>
               </a:spcBef>
@@ -444,7 +457,7 @@
               <a:buChar char="○"/>
               <a:defRPr sz="1100"/>
             </a:lvl8pPr>
-            <a:lvl9pPr indent="-298450" lvl="8" marL="4114800">
+            <a:lvl9pPr marL="4114800" lvl="8" indent="-298450">
               <a:spcBef>
                 <a:spcPts val="0"/>
               </a:spcBef>
@@ -456,14 +469,16 @@
               <a:defRPr sz="1100"/>
             </a:lvl9pPr>
           </a:lstStyle>
-          <a:p/>
+          <a:p>
+            <a:endParaRPr/>
+          </a:p>
         </p:txBody>
       </p:sp>
     </p:spTree>
   </p:cSld>
-  <p:clrMap accent1="accent1" accent2="accent2" accent3="accent3" accent4="accent4" accent5="accent5" accent6="accent6" bg1="lt1" bg2="dk2" tx1="dk1" tx2="lt2" folHlink="folHlink" hlink="hlink"/>
+  <p:clrMap bg1="lt1" tx1="dk1" bg2="dk2" tx2="lt2" accent1="accent1" accent2="accent2" accent3="accent3" accent4="accent4" accent5="accent5" accent6="accent6" hlink="hlink" folHlink="folHlink"/>
   <p:notesStyle>
-    <a:defPPr lvl="0" marR="0" rtl="0" algn="l">
+    <a:defPPr marR="0" lvl="0" algn="l" rtl="0">
       <a:lnSpc>
         <a:spcPct val="100000"/>
       </a:lnSpc>
@@ -474,7 +489,7 @@
         <a:spcPts val="0"/>
       </a:spcAft>
     </a:defPPr>
-    <a:lvl1pPr lvl="0" marR="0" rtl="0" algn="l">
+    <a:lvl1pPr marR="0" lvl="0" algn="l" rtl="0">
       <a:lnSpc>
         <a:spcPct val="100000"/>
       </a:lnSpc>
@@ -488,7 +503,7 @@
         <a:srgbClr val="000000"/>
       </a:buClr>
       <a:buFont typeface="Arial"/>
-      <a:defRPr b="0" i="0" sz="1400" u="none" cap="none" strike="noStrike">
+      <a:defRPr sz="1400" b="0" i="0" u="none" strike="noStrike" cap="none">
         <a:solidFill>
           <a:srgbClr val="000000"/>
         </a:solidFill>
@@ -498,7 +513,7 @@
         <a:sym typeface="Arial"/>
       </a:defRPr>
     </a:lvl1pPr>
-    <a:lvl2pPr lvl="1" marR="0" rtl="0" algn="l">
+    <a:lvl2pPr marR="0" lvl="1" algn="l" rtl="0">
       <a:lnSpc>
         <a:spcPct val="100000"/>
       </a:lnSpc>
@@ -512,7 +527,7 @@
         <a:srgbClr val="000000"/>
       </a:buClr>
       <a:buFont typeface="Arial"/>
-      <a:defRPr b="0" i="0" sz="1400" u="none" cap="none" strike="noStrike">
+      <a:defRPr sz="1400" b="0" i="0" u="none" strike="noStrike" cap="none">
         <a:solidFill>
           <a:srgbClr val="000000"/>
         </a:solidFill>
@@ -522,7 +537,7 @@
         <a:sym typeface="Arial"/>
       </a:defRPr>
     </a:lvl2pPr>
-    <a:lvl3pPr lvl="2" marR="0" rtl="0" algn="l">
+    <a:lvl3pPr marR="0" lvl="2" algn="l" rtl="0">
       <a:lnSpc>
         <a:spcPct val="100000"/>
       </a:lnSpc>
@@ -536,7 +551,7 @@
         <a:srgbClr val="000000"/>
       </a:buClr>
       <a:buFont typeface="Arial"/>
-      <a:defRPr b="0" i="0" sz="1400" u="none" cap="none" strike="noStrike">
+      <a:defRPr sz="1400" b="0" i="0" u="none" strike="noStrike" cap="none">
         <a:solidFill>
           <a:srgbClr val="000000"/>
         </a:solidFill>
@@ -546,7 +561,7 @@
         <a:sym typeface="Arial"/>
       </a:defRPr>
     </a:lvl3pPr>
-    <a:lvl4pPr lvl="3" marR="0" rtl="0" algn="l">
+    <a:lvl4pPr marR="0" lvl="3" algn="l" rtl="0">
       <a:lnSpc>
         <a:spcPct val="100000"/>
       </a:lnSpc>
@@ -560,7 +575,7 @@
         <a:srgbClr val="000000"/>
       </a:buClr>
       <a:buFont typeface="Arial"/>
-      <a:defRPr b="0" i="0" sz="1400" u="none" cap="none" strike="noStrike">
+      <a:defRPr sz="1400" b="0" i="0" u="none" strike="noStrike" cap="none">
         <a:solidFill>
           <a:srgbClr val="000000"/>
         </a:solidFill>
@@ -570,7 +585,7 @@
         <a:sym typeface="Arial"/>
       </a:defRPr>
     </a:lvl4pPr>
-    <a:lvl5pPr lvl="4" marR="0" rtl="0" algn="l">
+    <a:lvl5pPr marR="0" lvl="4" algn="l" rtl="0">
       <a:lnSpc>
         <a:spcPct val="100000"/>
       </a:lnSpc>
@@ -584,7 +599,7 @@
         <a:srgbClr val="000000"/>
       </a:buClr>
       <a:buFont typeface="Arial"/>
-      <a:defRPr b="0" i="0" sz="1400" u="none" cap="none" strike="noStrike">
+      <a:defRPr sz="1400" b="0" i="0" u="none" strike="noStrike" cap="none">
         <a:solidFill>
           <a:srgbClr val="000000"/>
         </a:solidFill>
@@ -594,7 +609,7 @@
         <a:sym typeface="Arial"/>
       </a:defRPr>
     </a:lvl5pPr>
-    <a:lvl6pPr lvl="5" marR="0" rtl="0" algn="l">
+    <a:lvl6pPr marR="0" lvl="5" algn="l" rtl="0">
       <a:lnSpc>
         <a:spcPct val="100000"/>
       </a:lnSpc>
@@ -608,7 +623,7 @@
         <a:srgbClr val="000000"/>
       </a:buClr>
       <a:buFont typeface="Arial"/>
-      <a:defRPr b="0" i="0" sz="1400" u="none" cap="none" strike="noStrike">
+      <a:defRPr sz="1400" b="0" i="0" u="none" strike="noStrike" cap="none">
         <a:solidFill>
           <a:srgbClr val="000000"/>
         </a:solidFill>
@@ -618,7 +633,7 @@
         <a:sym typeface="Arial"/>
       </a:defRPr>
     </a:lvl6pPr>
-    <a:lvl7pPr lvl="6" marR="0" rtl="0" algn="l">
+    <a:lvl7pPr marR="0" lvl="6" algn="l" rtl="0">
       <a:lnSpc>
         <a:spcPct val="100000"/>
       </a:lnSpc>
@@ -632,7 +647,7 @@
         <a:srgbClr val="000000"/>
       </a:buClr>
       <a:buFont typeface="Arial"/>
-      <a:defRPr b="0" i="0" sz="1400" u="none" cap="none" strike="noStrike">
+      <a:defRPr sz="1400" b="0" i="0" u="none" strike="noStrike" cap="none">
         <a:solidFill>
           <a:srgbClr val="000000"/>
         </a:solidFill>
@@ -642,7 +657,7 @@
         <a:sym typeface="Arial"/>
       </a:defRPr>
     </a:lvl7pPr>
-    <a:lvl8pPr lvl="7" marR="0" rtl="0" algn="l">
+    <a:lvl8pPr marR="0" lvl="7" algn="l" rtl="0">
       <a:lnSpc>
         <a:spcPct val="100000"/>
       </a:lnSpc>
@@ -656,7 +671,7 @@
         <a:srgbClr val="000000"/>
       </a:buClr>
       <a:buFont typeface="Arial"/>
-      <a:defRPr b="0" i="0" sz="1400" u="none" cap="none" strike="noStrike">
+      <a:defRPr sz="1400" b="0" i="0" u="none" strike="noStrike" cap="none">
         <a:solidFill>
           <a:srgbClr val="000000"/>
         </a:solidFill>
@@ -666,7 +681,7 @@
         <a:sym typeface="Arial"/>
       </a:defRPr>
     </a:lvl8pPr>
-    <a:lvl9pPr lvl="8" marR="0" rtl="0" algn="l">
+    <a:lvl9pPr marR="0" lvl="8" algn="l" rtl="0">
       <a:lnSpc>
         <a:spcPct val="100000"/>
       </a:lnSpc>
@@ -680,7 +695,7 @@
         <a:srgbClr val="000000"/>
       </a:buClr>
       <a:buFont typeface="Arial"/>
-      <a:defRPr b="0" i="0" sz="1400" u="none" cap="none" strike="noStrike">
+      <a:defRPr sz="1400" b="0" i="0" u="none" strike="noStrike" cap="none">
         <a:solidFill>
           <a:srgbClr val="000000"/>
         </a:solidFill>
@@ -695,11 +710,11 @@
 </file>
 
 <file path=ppt/notesSlides/notesSlide1.xml><?xml version="1.0" encoding="utf-8"?>
-<p:notes xmlns:a="http://schemas.openxmlformats.org/drawingml/2006/main" xmlns:r="http://schemas.openxmlformats.org/officeDocument/2006/relationships" xmlns:mc="http://schemas.openxmlformats.org/markup-compatibility/2006" xmlns:mv="urn:schemas-microsoft-com:mac:vml" xmlns:p="http://schemas.openxmlformats.org/presentationml/2006/main" xmlns:c="http://schemas.openxmlformats.org/drawingml/2006/chart" xmlns:dgm="http://schemas.openxmlformats.org/drawingml/2006/diagram" xmlns:o="urn:schemas-microsoft-com:office:office" xmlns:v="urn:schemas-microsoft-com:vml" xmlns:pvml="urn:schemas-microsoft-com:office:powerpoint" xmlns:com="http://schemas.openxmlformats.org/drawingml/2006/compatibility" xmlns:p14="http://schemas.microsoft.com/office/powerpoint/2010/main" xmlns:p15="http://schemas.microsoft.com/office/powerpoint/2012/main" xmlns:ahyp="http://schemas.microsoft.com/office/drawing/2018/hyperlinkcolor" showMasterPhAnim="0" showMasterSp="0">
+<p:notes xmlns:a="http://schemas.openxmlformats.org/drawingml/2006/main" xmlns:r="http://schemas.openxmlformats.org/officeDocument/2006/relationships" xmlns:p="http://schemas.openxmlformats.org/presentationml/2006/main" showMasterSp="0" showMasterPhAnim="0">
   <p:cSld>
     <p:spTree>
       <p:nvGrpSpPr>
-        <p:cNvPr id="55" name="Shape 55"/>
+        <p:cNvPr id="1" name="Shape 55"/>
         <p:cNvGrpSpPr/>
         <p:nvPr/>
       </p:nvGrpSpPr>
@@ -714,9 +729,11 @@
       <p:sp>
         <p:nvSpPr>
           <p:cNvPr id="56" name="Google Shape;56;p:notes"/>
-          <p:cNvSpPr/>
+          <p:cNvSpPr>
+            <a:spLocks noGrp="1" noRot="1" noChangeAspect="1"/>
+          </p:cNvSpPr>
           <p:nvPr>
-            <p:ph idx="2" type="sldImg"/>
+            <p:ph type="sldImg" idx="2"/>
           </p:nvPr>
         </p:nvSpPr>
         <p:spPr>
@@ -725,9 +742,13 @@
             <a:ext cx="6096075" cy="3429000"/>
           </a:xfrm>
           <a:custGeom>
-            <a:rect b="b" l="l" r="r" t="t"/>
+            <a:avLst/>
+            <a:gdLst/>
+            <a:ahLst/>
+            <a:cxnLst/>
+            <a:rect l="l" t="t" r="r" b="b"/>
             <a:pathLst>
-              <a:path extrusionOk="0" h="120000" w="120000">
+              <a:path w="120000" h="120000" extrusionOk="0">
                 <a:moveTo>
                   <a:pt x="0" y="0"/>
                 </a:moveTo>
@@ -749,9 +770,11 @@
       <p:sp>
         <p:nvSpPr>
           <p:cNvPr id="57" name="Google Shape;57;p:notes"/>
-          <p:cNvSpPr txBox="1"/>
+          <p:cNvSpPr txBox="1">
+            <a:spLocks noGrp="1"/>
+          </p:cNvSpPr>
           <p:nvPr>
-            <p:ph idx="1" type="body"/>
+            <p:ph type="body" idx="1"/>
           </p:nvPr>
         </p:nvSpPr>
         <p:spPr>
@@ -764,12 +787,12 @@
           </a:prstGeom>
         </p:spPr>
         <p:txBody>
-          <a:bodyPr anchorCtr="0" anchor="t" bIns="91425" lIns="91425" spcFirstLastPara="1" rIns="91425" wrap="square" tIns="91425">
+          <a:bodyPr spcFirstLastPara="1" wrap="square" lIns="91425" tIns="91425" rIns="91425" bIns="91425" anchor="t" anchorCtr="0">
             <a:noAutofit/>
           </a:bodyPr>
           <a:lstStyle/>
           <a:p>
-            <a:pPr indent="0" lvl="0" marL="0" rtl="0" algn="l">
+            <a:pPr marL="0" lvl="0" indent="0" algn="l" rtl="0">
               <a:spcBef>
                 <a:spcPts val="0"/>
               </a:spcBef>
@@ -778,9 +801,6 @@
               </a:spcAft>
               <a:buNone/>
             </a:pPr>
-            <a:r>
-              <a:t/>
-            </a:r>
             <a:endParaRPr/>
           </a:p>
         </p:txBody>
@@ -794,11 +814,11 @@
 </file>
 
 <file path=ppt/notesSlides/notesSlide2.xml><?xml version="1.0" encoding="utf-8"?>
-<p:notes xmlns:a="http://schemas.openxmlformats.org/drawingml/2006/main" xmlns:r="http://schemas.openxmlformats.org/officeDocument/2006/relationships" xmlns:mc="http://schemas.openxmlformats.org/markup-compatibility/2006" xmlns:mv="urn:schemas-microsoft-com:mac:vml" xmlns:p="http://schemas.openxmlformats.org/presentationml/2006/main" xmlns:c="http://schemas.openxmlformats.org/drawingml/2006/chart" xmlns:dgm="http://schemas.openxmlformats.org/drawingml/2006/diagram" xmlns:o="urn:schemas-microsoft-com:office:office" xmlns:v="urn:schemas-microsoft-com:vml" xmlns:pvml="urn:schemas-microsoft-com:office:powerpoint" xmlns:com="http://schemas.openxmlformats.org/drawingml/2006/compatibility" xmlns:p14="http://schemas.microsoft.com/office/powerpoint/2010/main" xmlns:p15="http://schemas.microsoft.com/office/powerpoint/2012/main" xmlns:ahyp="http://schemas.microsoft.com/office/drawing/2018/hyperlinkcolor" showMasterPhAnim="0" showMasterSp="0">
+<p:notes xmlns:a="http://schemas.openxmlformats.org/drawingml/2006/main" xmlns:r="http://schemas.openxmlformats.org/officeDocument/2006/relationships" xmlns:p="http://schemas.openxmlformats.org/presentationml/2006/main" showMasterSp="0" showMasterPhAnim="0">
   <p:cSld>
     <p:spTree>
       <p:nvGrpSpPr>
-        <p:cNvPr id="61" name="Shape 61"/>
+        <p:cNvPr id="1" name="Shape 61"/>
         <p:cNvGrpSpPr/>
         <p:nvPr/>
       </p:nvGrpSpPr>
@@ -813,9 +833,11 @@
       <p:sp>
         <p:nvSpPr>
           <p:cNvPr id="62" name="Google Shape;62;g104785eb18d_0_45:notes"/>
-          <p:cNvSpPr/>
+          <p:cNvSpPr>
+            <a:spLocks noGrp="1" noRot="1" noChangeAspect="1"/>
+          </p:cNvSpPr>
           <p:nvPr>
-            <p:ph idx="2" type="sldImg"/>
+            <p:ph type="sldImg" idx="2"/>
           </p:nvPr>
         </p:nvSpPr>
         <p:spPr>
@@ -824,9 +846,13 @@
             <a:ext cx="6096000" cy="3429000"/>
           </a:xfrm>
           <a:custGeom>
-            <a:rect b="b" l="l" r="r" t="t"/>
+            <a:avLst/>
+            <a:gdLst/>
+            <a:ahLst/>
+            <a:cxnLst/>
+            <a:rect l="l" t="t" r="r" b="b"/>
             <a:pathLst>
-              <a:path extrusionOk="0" h="120000" w="120000">
+              <a:path w="120000" h="120000" extrusionOk="0">
                 <a:moveTo>
                   <a:pt x="0" y="0"/>
                 </a:moveTo>
@@ -848,9 +874,11 @@
       <p:sp>
         <p:nvSpPr>
           <p:cNvPr id="63" name="Google Shape;63;g104785eb18d_0_45:notes"/>
-          <p:cNvSpPr txBox="1"/>
+          <p:cNvSpPr txBox="1">
+            <a:spLocks noGrp="1"/>
+          </p:cNvSpPr>
           <p:nvPr>
-            <p:ph idx="1" type="body"/>
+            <p:ph type="body" idx="1"/>
           </p:nvPr>
         </p:nvSpPr>
         <p:spPr>
@@ -863,12 +891,12 @@
           </a:prstGeom>
         </p:spPr>
         <p:txBody>
-          <a:bodyPr anchorCtr="0" anchor="t" bIns="91425" lIns="91425" spcFirstLastPara="1" rIns="91425" wrap="square" tIns="91425">
+          <a:bodyPr spcFirstLastPara="1" wrap="square" lIns="91425" tIns="91425" rIns="91425" bIns="91425" anchor="t" anchorCtr="0">
             <a:noAutofit/>
           </a:bodyPr>
           <a:lstStyle/>
           <a:p>
-            <a:pPr indent="0" lvl="0" marL="0" rtl="0" algn="l">
+            <a:pPr marL="0" lvl="0" indent="0" algn="l" rtl="0">
               <a:spcBef>
                 <a:spcPts val="0"/>
               </a:spcBef>
@@ -877,9 +905,6 @@
               </a:spcAft>
               <a:buNone/>
             </a:pPr>
-            <a:r>
-              <a:t/>
-            </a:r>
             <a:endParaRPr/>
           </a:p>
         </p:txBody>
@@ -893,11 +918,11 @@
 </file>
 
 <file path=ppt/notesSlides/notesSlide3.xml><?xml version="1.0" encoding="utf-8"?>
-<p:notes xmlns:a="http://schemas.openxmlformats.org/drawingml/2006/main" xmlns:r="http://schemas.openxmlformats.org/officeDocument/2006/relationships" xmlns:mc="http://schemas.openxmlformats.org/markup-compatibility/2006" xmlns:mv="urn:schemas-microsoft-com:mac:vml" xmlns:p="http://schemas.openxmlformats.org/presentationml/2006/main" xmlns:c="http://schemas.openxmlformats.org/drawingml/2006/chart" xmlns:dgm="http://schemas.openxmlformats.org/drawingml/2006/diagram" xmlns:o="urn:schemas-microsoft-com:office:office" xmlns:v="urn:schemas-microsoft-com:vml" xmlns:pvml="urn:schemas-microsoft-com:office:powerpoint" xmlns:com="http://schemas.openxmlformats.org/drawingml/2006/compatibility" xmlns:p14="http://schemas.microsoft.com/office/powerpoint/2010/main" xmlns:p15="http://schemas.microsoft.com/office/powerpoint/2012/main" xmlns:ahyp="http://schemas.microsoft.com/office/drawing/2018/hyperlinkcolor" showMasterPhAnim="0" showMasterSp="0">
+<p:notes xmlns:a="http://schemas.openxmlformats.org/drawingml/2006/main" xmlns:r="http://schemas.openxmlformats.org/officeDocument/2006/relationships" xmlns:p="http://schemas.openxmlformats.org/presentationml/2006/main" showMasterSp="0" showMasterPhAnim="0">
   <p:cSld>
     <p:spTree>
       <p:nvGrpSpPr>
-        <p:cNvPr id="67" name="Shape 67"/>
+        <p:cNvPr id="1" name="Shape 67"/>
         <p:cNvGrpSpPr/>
         <p:nvPr/>
       </p:nvGrpSpPr>
@@ -912,20 +937,26 @@
       <p:sp>
         <p:nvSpPr>
           <p:cNvPr id="68" name="Google Shape;68;g104ad371029_0_9:notes"/>
-          <p:cNvSpPr/>
+          <p:cNvSpPr>
+            <a:spLocks noGrp="1" noRot="1" noChangeAspect="1"/>
+          </p:cNvSpPr>
           <p:nvPr>
-            <p:ph idx="2" type="sldImg"/>
+            <p:ph type="sldImg" idx="2"/>
           </p:nvPr>
         </p:nvSpPr>
         <p:spPr>
           <a:xfrm>
-            <a:off x="381300" y="685800"/>
+            <a:off x="381000" y="685800"/>
             <a:ext cx="6096000" cy="3429000"/>
           </a:xfrm>
           <a:custGeom>
-            <a:rect b="b" l="l" r="r" t="t"/>
+            <a:avLst/>
+            <a:gdLst/>
+            <a:ahLst/>
+            <a:cxnLst/>
+            <a:rect l="l" t="t" r="r" b="b"/>
             <a:pathLst>
-              <a:path extrusionOk="0" h="120000" w="120000">
+              <a:path w="120000" h="120000" extrusionOk="0">
                 <a:moveTo>
                   <a:pt x="0" y="0"/>
                 </a:moveTo>
@@ -947,9 +978,11 @@
       <p:sp>
         <p:nvSpPr>
           <p:cNvPr id="69" name="Google Shape;69;g104ad371029_0_9:notes"/>
-          <p:cNvSpPr txBox="1"/>
+          <p:cNvSpPr txBox="1">
+            <a:spLocks noGrp="1"/>
+          </p:cNvSpPr>
           <p:nvPr>
-            <p:ph idx="1" type="body"/>
+            <p:ph type="body" idx="1"/>
           </p:nvPr>
         </p:nvSpPr>
         <p:spPr>
@@ -962,12 +995,12 @@
           </a:prstGeom>
         </p:spPr>
         <p:txBody>
-          <a:bodyPr anchorCtr="0" anchor="t" bIns="91425" lIns="91425" spcFirstLastPara="1" rIns="91425" wrap="square" tIns="91425">
+          <a:bodyPr spcFirstLastPara="1" wrap="square" lIns="91425" tIns="91425" rIns="91425" bIns="91425" anchor="t" anchorCtr="0">
             <a:noAutofit/>
           </a:bodyPr>
           <a:lstStyle/>
           <a:p>
-            <a:pPr indent="0" lvl="0" marL="0" rtl="0" algn="l">
+            <a:pPr marL="0" lvl="0" indent="0" algn="l" rtl="0">
               <a:spcBef>
                 <a:spcPts val="0"/>
               </a:spcBef>
@@ -976,9 +1009,6 @@
               </a:spcAft>
               <a:buNone/>
             </a:pPr>
-            <a:r>
-              <a:t/>
-            </a:r>
             <a:endParaRPr/>
           </a:p>
         </p:txBody>
@@ -992,11 +1022,11 @@
 </file>
 
 <file path=ppt/notesSlides/notesSlide4.xml><?xml version="1.0" encoding="utf-8"?>
-<p:notes xmlns:a="http://schemas.openxmlformats.org/drawingml/2006/main" xmlns:r="http://schemas.openxmlformats.org/officeDocument/2006/relationships" xmlns:mc="http://schemas.openxmlformats.org/markup-compatibility/2006" xmlns:mv="urn:schemas-microsoft-com:mac:vml" xmlns:p="http://schemas.openxmlformats.org/presentationml/2006/main" xmlns:c="http://schemas.openxmlformats.org/drawingml/2006/chart" xmlns:dgm="http://schemas.openxmlformats.org/drawingml/2006/diagram" xmlns:o="urn:schemas-microsoft-com:office:office" xmlns:v="urn:schemas-microsoft-com:vml" xmlns:pvml="urn:schemas-microsoft-com:office:powerpoint" xmlns:com="http://schemas.openxmlformats.org/drawingml/2006/compatibility" xmlns:p14="http://schemas.microsoft.com/office/powerpoint/2010/main" xmlns:p15="http://schemas.microsoft.com/office/powerpoint/2012/main" xmlns:ahyp="http://schemas.microsoft.com/office/drawing/2018/hyperlinkcolor" showMasterPhAnim="0" showMasterSp="0">
+<p:notes xmlns:a="http://schemas.openxmlformats.org/drawingml/2006/main" xmlns:r="http://schemas.openxmlformats.org/officeDocument/2006/relationships" xmlns:p="http://schemas.openxmlformats.org/presentationml/2006/main" showMasterSp="0" showMasterPhAnim="0">
   <p:cSld>
     <p:spTree>
       <p:nvGrpSpPr>
-        <p:cNvPr id="73" name="Shape 73"/>
+        <p:cNvPr id="1" name="Shape 73"/>
         <p:cNvGrpSpPr/>
         <p:nvPr/>
       </p:nvGrpSpPr>
@@ -1011,9 +1041,11 @@
       <p:sp>
         <p:nvSpPr>
           <p:cNvPr id="74" name="Google Shape;74;g104ad371029_0_4:notes"/>
-          <p:cNvSpPr/>
+          <p:cNvSpPr>
+            <a:spLocks noGrp="1" noRot="1" noChangeAspect="1"/>
+          </p:cNvSpPr>
           <p:nvPr>
-            <p:ph idx="2" type="sldImg"/>
+            <p:ph type="sldImg" idx="2"/>
           </p:nvPr>
         </p:nvSpPr>
         <p:spPr>
@@ -1022,9 +1054,13 @@
             <a:ext cx="6096000" cy="3429000"/>
           </a:xfrm>
           <a:custGeom>
-            <a:rect b="b" l="l" r="r" t="t"/>
+            <a:avLst/>
+            <a:gdLst/>
+            <a:ahLst/>
+            <a:cxnLst/>
+            <a:rect l="l" t="t" r="r" b="b"/>
             <a:pathLst>
-              <a:path extrusionOk="0" h="120000" w="120000">
+              <a:path w="120000" h="120000" extrusionOk="0">
                 <a:moveTo>
                   <a:pt x="0" y="0"/>
                 </a:moveTo>
@@ -1046,9 +1082,11 @@
       <p:sp>
         <p:nvSpPr>
           <p:cNvPr id="75" name="Google Shape;75;g104ad371029_0_4:notes"/>
-          <p:cNvSpPr txBox="1"/>
+          <p:cNvSpPr txBox="1">
+            <a:spLocks noGrp="1"/>
+          </p:cNvSpPr>
           <p:nvPr>
-            <p:ph idx="1" type="body"/>
+            <p:ph type="body" idx="1"/>
           </p:nvPr>
         </p:nvSpPr>
         <p:spPr>
@@ -1061,12 +1099,12 @@
           </a:prstGeom>
         </p:spPr>
         <p:txBody>
-          <a:bodyPr anchorCtr="0" anchor="t" bIns="91425" lIns="91425" spcFirstLastPara="1" rIns="91425" wrap="square" tIns="91425">
+          <a:bodyPr spcFirstLastPara="1" wrap="square" lIns="91425" tIns="91425" rIns="91425" bIns="91425" anchor="t" anchorCtr="0">
             <a:noAutofit/>
           </a:bodyPr>
           <a:lstStyle/>
           <a:p>
-            <a:pPr indent="0" lvl="0" marL="0" rtl="0" algn="l">
+            <a:pPr marL="0" lvl="0" indent="0" algn="l" rtl="0">
               <a:spcBef>
                 <a:spcPts val="0"/>
               </a:spcBef>
@@ -1075,9 +1113,6 @@
               </a:spcAft>
               <a:buNone/>
             </a:pPr>
-            <a:r>
-              <a:t/>
-            </a:r>
             <a:endParaRPr/>
           </a:p>
         </p:txBody>
@@ -1091,11 +1126,11 @@
 </file>
 
 <file path=ppt/notesSlides/notesSlide5.xml><?xml version="1.0" encoding="utf-8"?>
-<p:notes xmlns:a="http://schemas.openxmlformats.org/drawingml/2006/main" xmlns:r="http://schemas.openxmlformats.org/officeDocument/2006/relationships" xmlns:mc="http://schemas.openxmlformats.org/markup-compatibility/2006" xmlns:mv="urn:schemas-microsoft-com:mac:vml" xmlns:p="http://schemas.openxmlformats.org/presentationml/2006/main" xmlns:c="http://schemas.openxmlformats.org/drawingml/2006/chart" xmlns:dgm="http://schemas.openxmlformats.org/drawingml/2006/diagram" xmlns:o="urn:schemas-microsoft-com:office:office" xmlns:v="urn:schemas-microsoft-com:vml" xmlns:pvml="urn:schemas-microsoft-com:office:powerpoint" xmlns:com="http://schemas.openxmlformats.org/drawingml/2006/compatibility" xmlns:p14="http://schemas.microsoft.com/office/powerpoint/2010/main" xmlns:p15="http://schemas.microsoft.com/office/powerpoint/2012/main" xmlns:ahyp="http://schemas.microsoft.com/office/drawing/2018/hyperlinkcolor" showMasterPhAnim="0" showMasterSp="0">
+<p:notes xmlns:a="http://schemas.openxmlformats.org/drawingml/2006/main" xmlns:r="http://schemas.openxmlformats.org/officeDocument/2006/relationships" xmlns:p="http://schemas.openxmlformats.org/presentationml/2006/main" showMasterSp="0" showMasterPhAnim="0">
   <p:cSld>
     <p:spTree>
       <p:nvGrpSpPr>
-        <p:cNvPr id="79" name="Shape 79"/>
+        <p:cNvPr id="1" name="Shape 79"/>
         <p:cNvGrpSpPr/>
         <p:nvPr/>
       </p:nvGrpSpPr>
@@ -1110,9 +1145,11 @@
       <p:sp>
         <p:nvSpPr>
           <p:cNvPr id="80" name="Google Shape;80;g104ad371029_0_14:notes"/>
-          <p:cNvSpPr/>
+          <p:cNvSpPr>
+            <a:spLocks noGrp="1" noRot="1" noChangeAspect="1"/>
+          </p:cNvSpPr>
           <p:nvPr>
-            <p:ph idx="2" type="sldImg"/>
+            <p:ph type="sldImg" idx="2"/>
           </p:nvPr>
         </p:nvSpPr>
         <p:spPr>
@@ -1121,9 +1158,13 @@
             <a:ext cx="6096000" cy="3429000"/>
           </a:xfrm>
           <a:custGeom>
-            <a:rect b="b" l="l" r="r" t="t"/>
+            <a:avLst/>
+            <a:gdLst/>
+            <a:ahLst/>
+            <a:cxnLst/>
+            <a:rect l="l" t="t" r="r" b="b"/>
             <a:pathLst>
-              <a:path extrusionOk="0" h="120000" w="120000">
+              <a:path w="120000" h="120000" extrusionOk="0">
                 <a:moveTo>
                   <a:pt x="0" y="0"/>
                 </a:moveTo>
@@ -1145,9 +1186,11 @@
       <p:sp>
         <p:nvSpPr>
           <p:cNvPr id="81" name="Google Shape;81;g104ad371029_0_14:notes"/>
-          <p:cNvSpPr txBox="1"/>
+          <p:cNvSpPr txBox="1">
+            <a:spLocks noGrp="1"/>
+          </p:cNvSpPr>
           <p:nvPr>
-            <p:ph idx="1" type="body"/>
+            <p:ph type="body" idx="1"/>
           </p:nvPr>
         </p:nvSpPr>
         <p:spPr>
@@ -1160,12 +1203,12 @@
           </a:prstGeom>
         </p:spPr>
         <p:txBody>
-          <a:bodyPr anchorCtr="0" anchor="t" bIns="91425" lIns="91425" spcFirstLastPara="1" rIns="91425" wrap="square" tIns="91425">
+          <a:bodyPr spcFirstLastPara="1" wrap="square" lIns="91425" tIns="91425" rIns="91425" bIns="91425" anchor="t" anchorCtr="0">
             <a:noAutofit/>
           </a:bodyPr>
           <a:lstStyle/>
           <a:p>
-            <a:pPr indent="0" lvl="0" marL="0" rtl="0" algn="l">
+            <a:pPr marL="0" lvl="0" indent="0" algn="l" rtl="0">
               <a:spcBef>
                 <a:spcPts val="0"/>
               </a:spcBef>
@@ -1174,9 +1217,6 @@
               </a:spcAft>
               <a:buNone/>
             </a:pPr>
-            <a:r>
-              <a:t/>
-            </a:r>
             <a:endParaRPr/>
           </a:p>
         </p:txBody>
@@ -1190,11 +1230,11 @@
 </file>
 
 <file path=ppt/notesSlides/notesSlide6.xml><?xml version="1.0" encoding="utf-8"?>
-<p:notes xmlns:a="http://schemas.openxmlformats.org/drawingml/2006/main" xmlns:r="http://schemas.openxmlformats.org/officeDocument/2006/relationships" xmlns:mc="http://schemas.openxmlformats.org/markup-compatibility/2006" xmlns:mv="urn:schemas-microsoft-com:mac:vml" xmlns:p="http://schemas.openxmlformats.org/presentationml/2006/main" xmlns:c="http://schemas.openxmlformats.org/drawingml/2006/chart" xmlns:dgm="http://schemas.openxmlformats.org/drawingml/2006/diagram" xmlns:o="urn:schemas-microsoft-com:office:office" xmlns:v="urn:schemas-microsoft-com:vml" xmlns:pvml="urn:schemas-microsoft-com:office:powerpoint" xmlns:com="http://schemas.openxmlformats.org/drawingml/2006/compatibility" xmlns:p14="http://schemas.microsoft.com/office/powerpoint/2010/main" xmlns:p15="http://schemas.microsoft.com/office/powerpoint/2012/main" xmlns:ahyp="http://schemas.microsoft.com/office/drawing/2018/hyperlinkcolor" showMasterPhAnim="0" showMasterSp="0">
+<p:notes xmlns:a="http://schemas.openxmlformats.org/drawingml/2006/main" xmlns:r="http://schemas.openxmlformats.org/officeDocument/2006/relationships" xmlns:p="http://schemas.openxmlformats.org/presentationml/2006/main" showMasterSp="0" showMasterPhAnim="0">
   <p:cSld>
     <p:spTree>
       <p:nvGrpSpPr>
-        <p:cNvPr id="87" name="Shape 87"/>
+        <p:cNvPr id="1" name="Shape 87"/>
         <p:cNvGrpSpPr/>
         <p:nvPr/>
       </p:nvGrpSpPr>
@@ -1209,9 +1249,11 @@
       <p:sp>
         <p:nvSpPr>
           <p:cNvPr id="88" name="Google Shape;88;g104ad371029_0_22:notes"/>
-          <p:cNvSpPr/>
+          <p:cNvSpPr>
+            <a:spLocks noGrp="1" noRot="1" noChangeAspect="1"/>
+          </p:cNvSpPr>
           <p:nvPr>
-            <p:ph idx="2" type="sldImg"/>
+            <p:ph type="sldImg" idx="2"/>
           </p:nvPr>
         </p:nvSpPr>
         <p:spPr>
@@ -1220,9 +1262,13 @@
             <a:ext cx="6096000" cy="3429000"/>
           </a:xfrm>
           <a:custGeom>
-            <a:rect b="b" l="l" r="r" t="t"/>
+            <a:avLst/>
+            <a:gdLst/>
+            <a:ahLst/>
+            <a:cxnLst/>
+            <a:rect l="l" t="t" r="r" b="b"/>
             <a:pathLst>
-              <a:path extrusionOk="0" h="120000" w="120000">
+              <a:path w="120000" h="120000" extrusionOk="0">
                 <a:moveTo>
                   <a:pt x="0" y="0"/>
                 </a:moveTo>
@@ -1244,9 +1290,11 @@
       <p:sp>
         <p:nvSpPr>
           <p:cNvPr id="89" name="Google Shape;89;g104ad371029_0_22:notes"/>
-          <p:cNvSpPr txBox="1"/>
+          <p:cNvSpPr txBox="1">
+            <a:spLocks noGrp="1"/>
+          </p:cNvSpPr>
           <p:nvPr>
-            <p:ph idx="1" type="body"/>
+            <p:ph type="body" idx="1"/>
           </p:nvPr>
         </p:nvSpPr>
         <p:spPr>
@@ -1259,12 +1307,12 @@
           </a:prstGeom>
         </p:spPr>
         <p:txBody>
-          <a:bodyPr anchorCtr="0" anchor="t" bIns="91425" lIns="91425" spcFirstLastPara="1" rIns="91425" wrap="square" tIns="91425">
+          <a:bodyPr spcFirstLastPara="1" wrap="square" lIns="91425" tIns="91425" rIns="91425" bIns="91425" anchor="t" anchorCtr="0">
             <a:noAutofit/>
           </a:bodyPr>
           <a:lstStyle/>
           <a:p>
-            <a:pPr indent="0" lvl="0" marL="0" rtl="0" algn="l">
+            <a:pPr marL="0" lvl="0" indent="0" algn="l" rtl="0">
               <a:spcBef>
                 <a:spcPts val="0"/>
               </a:spcBef>
@@ -1273,9 +1321,6 @@
               </a:spcAft>
               <a:buNone/>
             </a:pPr>
-            <a:r>
-              <a:t/>
-            </a:r>
             <a:endParaRPr/>
           </a:p>
         </p:txBody>
@@ -1289,11 +1334,11 @@
 </file>
 
 <file path=ppt/notesSlides/notesSlide7.xml><?xml version="1.0" encoding="utf-8"?>
-<p:notes xmlns:a="http://schemas.openxmlformats.org/drawingml/2006/main" xmlns:r="http://schemas.openxmlformats.org/officeDocument/2006/relationships" xmlns:mc="http://schemas.openxmlformats.org/markup-compatibility/2006" xmlns:mv="urn:schemas-microsoft-com:mac:vml" xmlns:p="http://schemas.openxmlformats.org/presentationml/2006/main" xmlns:c="http://schemas.openxmlformats.org/drawingml/2006/chart" xmlns:dgm="http://schemas.openxmlformats.org/drawingml/2006/diagram" xmlns:o="urn:schemas-microsoft-com:office:office" xmlns:v="urn:schemas-microsoft-com:vml" xmlns:pvml="urn:schemas-microsoft-com:office:powerpoint" xmlns:com="http://schemas.openxmlformats.org/drawingml/2006/compatibility" xmlns:p14="http://schemas.microsoft.com/office/powerpoint/2010/main" xmlns:p15="http://schemas.microsoft.com/office/powerpoint/2012/main" xmlns:ahyp="http://schemas.microsoft.com/office/drawing/2018/hyperlinkcolor" showMasterPhAnim="0" showMasterSp="0">
+<p:notes xmlns:a="http://schemas.openxmlformats.org/drawingml/2006/main" xmlns:r="http://schemas.openxmlformats.org/officeDocument/2006/relationships" xmlns:p="http://schemas.openxmlformats.org/presentationml/2006/main" showMasterSp="0" showMasterPhAnim="0">
   <p:cSld>
     <p:spTree>
       <p:nvGrpSpPr>
-        <p:cNvPr id="95" name="Shape 95"/>
+        <p:cNvPr id="1" name="Shape 95"/>
         <p:cNvGrpSpPr/>
         <p:nvPr/>
       </p:nvGrpSpPr>
@@ -1308,9 +1353,11 @@
       <p:sp>
         <p:nvSpPr>
           <p:cNvPr id="96" name="Google Shape;96;g104785eb18d_0_50:notes"/>
-          <p:cNvSpPr/>
+          <p:cNvSpPr>
+            <a:spLocks noGrp="1" noRot="1" noChangeAspect="1"/>
+          </p:cNvSpPr>
           <p:nvPr>
-            <p:ph idx="2" type="sldImg"/>
+            <p:ph type="sldImg" idx="2"/>
           </p:nvPr>
         </p:nvSpPr>
         <p:spPr>
@@ -1319,9 +1366,13 @@
             <a:ext cx="6096000" cy="3429000"/>
           </a:xfrm>
           <a:custGeom>
-            <a:rect b="b" l="l" r="r" t="t"/>
+            <a:avLst/>
+            <a:gdLst/>
+            <a:ahLst/>
+            <a:cxnLst/>
+            <a:rect l="l" t="t" r="r" b="b"/>
             <a:pathLst>
-              <a:path extrusionOk="0" h="120000" w="120000">
+              <a:path w="120000" h="120000" extrusionOk="0">
                 <a:moveTo>
                   <a:pt x="0" y="0"/>
                 </a:moveTo>
@@ -1343,9 +1394,11 @@
       <p:sp>
         <p:nvSpPr>
           <p:cNvPr id="97" name="Google Shape;97;g104785eb18d_0_50:notes"/>
-          <p:cNvSpPr txBox="1"/>
+          <p:cNvSpPr txBox="1">
+            <a:spLocks noGrp="1"/>
+          </p:cNvSpPr>
           <p:nvPr>
-            <p:ph idx="1" type="body"/>
+            <p:ph type="body" idx="1"/>
           </p:nvPr>
         </p:nvSpPr>
         <p:spPr>
@@ -1358,12 +1411,12 @@
           </a:prstGeom>
         </p:spPr>
         <p:txBody>
-          <a:bodyPr anchorCtr="0" anchor="t" bIns="91425" lIns="91425" spcFirstLastPara="1" rIns="91425" wrap="square" tIns="91425">
+          <a:bodyPr spcFirstLastPara="1" wrap="square" lIns="91425" tIns="91425" rIns="91425" bIns="91425" anchor="t" anchorCtr="0">
             <a:noAutofit/>
           </a:bodyPr>
           <a:lstStyle/>
           <a:p>
-            <a:pPr indent="0" lvl="0" marL="0" rtl="0" algn="l">
+            <a:pPr marL="0" lvl="0" indent="0" algn="l" rtl="0">
               <a:spcBef>
                 <a:spcPts val="0"/>
               </a:spcBef>
@@ -1372,9 +1425,6 @@
               </a:spcAft>
               <a:buNone/>
             </a:pPr>
-            <a:r>
-              <a:t/>
-            </a:r>
             <a:endParaRPr/>
           </a:p>
         </p:txBody>
@@ -1388,11 +1438,11 @@
 </file>
 
 <file path=ppt/notesSlides/notesSlide8.xml><?xml version="1.0" encoding="utf-8"?>
-<p:notes xmlns:a="http://schemas.openxmlformats.org/drawingml/2006/main" xmlns:r="http://schemas.openxmlformats.org/officeDocument/2006/relationships" xmlns:mc="http://schemas.openxmlformats.org/markup-compatibility/2006" xmlns:mv="urn:schemas-microsoft-com:mac:vml" xmlns:p="http://schemas.openxmlformats.org/presentationml/2006/main" xmlns:c="http://schemas.openxmlformats.org/drawingml/2006/chart" xmlns:dgm="http://schemas.openxmlformats.org/drawingml/2006/diagram" xmlns:o="urn:schemas-microsoft-com:office:office" xmlns:v="urn:schemas-microsoft-com:vml" xmlns:pvml="urn:schemas-microsoft-com:office:powerpoint" xmlns:com="http://schemas.openxmlformats.org/drawingml/2006/compatibility" xmlns:p14="http://schemas.microsoft.com/office/powerpoint/2010/main" xmlns:p15="http://schemas.microsoft.com/office/powerpoint/2012/main" xmlns:ahyp="http://schemas.microsoft.com/office/drawing/2018/hyperlinkcolor" showMasterPhAnim="0" showMasterSp="0">
+<p:notes xmlns:a="http://schemas.openxmlformats.org/drawingml/2006/main" xmlns:r="http://schemas.openxmlformats.org/officeDocument/2006/relationships" xmlns:p="http://schemas.openxmlformats.org/presentationml/2006/main" showMasterSp="0" showMasterPhAnim="0">
   <p:cSld>
     <p:spTree>
       <p:nvGrpSpPr>
-        <p:cNvPr id="101" name="Shape 101"/>
+        <p:cNvPr id="1" name="Shape 101"/>
         <p:cNvGrpSpPr/>
         <p:nvPr/>
       </p:nvGrpSpPr>
@@ -1407,9 +1457,11 @@
       <p:sp>
         <p:nvSpPr>
           <p:cNvPr id="102" name="Google Shape;102;g104785eb18d_0_55:notes"/>
-          <p:cNvSpPr/>
+          <p:cNvSpPr>
+            <a:spLocks noGrp="1" noRot="1" noChangeAspect="1"/>
+          </p:cNvSpPr>
           <p:nvPr>
-            <p:ph idx="2" type="sldImg"/>
+            <p:ph type="sldImg" idx="2"/>
           </p:nvPr>
         </p:nvSpPr>
         <p:spPr>
@@ -1418,9 +1470,13 @@
             <a:ext cx="6096000" cy="3429000"/>
           </a:xfrm>
           <a:custGeom>
-            <a:rect b="b" l="l" r="r" t="t"/>
+            <a:avLst/>
+            <a:gdLst/>
+            <a:ahLst/>
+            <a:cxnLst/>
+            <a:rect l="l" t="t" r="r" b="b"/>
             <a:pathLst>
-              <a:path extrusionOk="0" h="120000" w="120000">
+              <a:path w="120000" h="120000" extrusionOk="0">
                 <a:moveTo>
                   <a:pt x="0" y="0"/>
                 </a:moveTo>
@@ -1442,9 +1498,11 @@
       <p:sp>
         <p:nvSpPr>
           <p:cNvPr id="103" name="Google Shape;103;g104785eb18d_0_55:notes"/>
-          <p:cNvSpPr txBox="1"/>
+          <p:cNvSpPr txBox="1">
+            <a:spLocks noGrp="1"/>
+          </p:cNvSpPr>
           <p:nvPr>
-            <p:ph idx="1" type="body"/>
+            <p:ph type="body" idx="1"/>
           </p:nvPr>
         </p:nvSpPr>
         <p:spPr>
@@ -1457,12 +1515,12 @@
           </a:prstGeom>
         </p:spPr>
         <p:txBody>
-          <a:bodyPr anchorCtr="0" anchor="t" bIns="91425" lIns="91425" spcFirstLastPara="1" rIns="91425" wrap="square" tIns="91425">
+          <a:bodyPr spcFirstLastPara="1" wrap="square" lIns="91425" tIns="91425" rIns="91425" bIns="91425" anchor="t" anchorCtr="0">
             <a:noAutofit/>
           </a:bodyPr>
           <a:lstStyle/>
           <a:p>
-            <a:pPr indent="0" lvl="0" marL="0" rtl="0" algn="l">
+            <a:pPr marL="0" lvl="0" indent="0" algn="l" rtl="0">
               <a:spcBef>
                 <a:spcPts val="0"/>
               </a:spcBef>
@@ -1471,9 +1529,6 @@
               </a:spcAft>
               <a:buNone/>
             </a:pPr>
-            <a:r>
-              <a:t/>
-            </a:r>
             <a:endParaRPr/>
           </a:p>
         </p:txBody>
@@ -1487,11 +1542,11 @@
 </file>
 
 <file path=ppt/notesSlides/notesSlide9.xml><?xml version="1.0" encoding="utf-8"?>
-<p:notes xmlns:a="http://schemas.openxmlformats.org/drawingml/2006/main" xmlns:r="http://schemas.openxmlformats.org/officeDocument/2006/relationships" xmlns:mc="http://schemas.openxmlformats.org/markup-compatibility/2006" xmlns:mv="urn:schemas-microsoft-com:mac:vml" xmlns:p="http://schemas.openxmlformats.org/presentationml/2006/main" xmlns:c="http://schemas.openxmlformats.org/drawingml/2006/chart" xmlns:dgm="http://schemas.openxmlformats.org/drawingml/2006/diagram" xmlns:o="urn:schemas-microsoft-com:office:office" xmlns:v="urn:schemas-microsoft-com:vml" xmlns:pvml="urn:schemas-microsoft-com:office:powerpoint" xmlns:com="http://schemas.openxmlformats.org/drawingml/2006/compatibility" xmlns:p14="http://schemas.microsoft.com/office/powerpoint/2010/main" xmlns:p15="http://schemas.microsoft.com/office/powerpoint/2012/main" xmlns:ahyp="http://schemas.microsoft.com/office/drawing/2018/hyperlinkcolor" showMasterPhAnim="0" showMasterSp="0">
+<p:notes xmlns:a="http://schemas.openxmlformats.org/drawingml/2006/main" xmlns:r="http://schemas.openxmlformats.org/officeDocument/2006/relationships" xmlns:p="http://schemas.openxmlformats.org/presentationml/2006/main" showMasterSp="0" showMasterPhAnim="0">
   <p:cSld>
     <p:spTree>
       <p:nvGrpSpPr>
-        <p:cNvPr id="107" name="Shape 107"/>
+        <p:cNvPr id="1" name="Shape 107"/>
         <p:cNvGrpSpPr/>
         <p:nvPr/>
       </p:nvGrpSpPr>
@@ -1506,9 +1561,11 @@
       <p:sp>
         <p:nvSpPr>
           <p:cNvPr id="108" name="Google Shape;108;g104785eb18d_0_60:notes"/>
-          <p:cNvSpPr/>
+          <p:cNvSpPr>
+            <a:spLocks noGrp="1" noRot="1" noChangeAspect="1"/>
+          </p:cNvSpPr>
           <p:nvPr>
-            <p:ph idx="2" type="sldImg"/>
+            <p:ph type="sldImg" idx="2"/>
           </p:nvPr>
         </p:nvSpPr>
         <p:spPr>
@@ -1517,9 +1574,13 @@
             <a:ext cx="6096000" cy="3429000"/>
           </a:xfrm>
           <a:custGeom>
-            <a:rect b="b" l="l" r="r" t="t"/>
+            <a:avLst/>
+            <a:gdLst/>
+            <a:ahLst/>
+            <a:cxnLst/>
+            <a:rect l="l" t="t" r="r" b="b"/>
             <a:pathLst>
-              <a:path extrusionOk="0" h="120000" w="120000">
+              <a:path w="120000" h="120000" extrusionOk="0">
                 <a:moveTo>
                   <a:pt x="0" y="0"/>
                 </a:moveTo>
@@ -1541,9 +1602,11 @@
       <p:sp>
         <p:nvSpPr>
           <p:cNvPr id="109" name="Google Shape;109;g104785eb18d_0_60:notes"/>
-          <p:cNvSpPr txBox="1"/>
+          <p:cNvSpPr txBox="1">
+            <a:spLocks noGrp="1"/>
+          </p:cNvSpPr>
           <p:nvPr>
-            <p:ph idx="1" type="body"/>
+            <p:ph type="body" idx="1"/>
           </p:nvPr>
         </p:nvSpPr>
         <p:spPr>
@@ -1556,12 +1619,12 @@
           </a:prstGeom>
         </p:spPr>
         <p:txBody>
-          <a:bodyPr anchorCtr="0" anchor="t" bIns="91425" lIns="91425" spcFirstLastPara="1" rIns="91425" wrap="square" tIns="91425">
+          <a:bodyPr spcFirstLastPara="1" wrap="square" lIns="91425" tIns="91425" rIns="91425" bIns="91425" anchor="t" anchorCtr="0">
             <a:noAutofit/>
           </a:bodyPr>
           <a:lstStyle/>
           <a:p>
-            <a:pPr indent="0" lvl="0" marL="0" rtl="0" algn="l">
+            <a:pPr marL="0" lvl="0" indent="0" algn="l" rtl="0">
               <a:spcBef>
                 <a:spcPts val="0"/>
               </a:spcBef>
@@ -1570,9 +1633,6 @@
               </a:spcAft>
               <a:buNone/>
             </a:pPr>
-            <a:r>
-              <a:t/>
-            </a:r>
             <a:endParaRPr/>
           </a:p>
         </p:txBody>
@@ -1586,11 +1646,11 @@
 </file>
 
 <file path=ppt/slideLayouts/slideLayout1.xml><?xml version="1.0" encoding="utf-8"?>
-<p:sldLayout xmlns:a="http://schemas.openxmlformats.org/drawingml/2006/main" xmlns:r="http://schemas.openxmlformats.org/officeDocument/2006/relationships" xmlns:mc="http://schemas.openxmlformats.org/markup-compatibility/2006" xmlns:mv="urn:schemas-microsoft-com:mac:vml" xmlns:p="http://schemas.openxmlformats.org/presentationml/2006/main" xmlns:c="http://schemas.openxmlformats.org/drawingml/2006/chart" xmlns:dgm="http://schemas.openxmlformats.org/drawingml/2006/diagram" xmlns:o="urn:schemas-microsoft-com:office:office" xmlns:v="urn:schemas-microsoft-com:vml" xmlns:pvml="urn:schemas-microsoft-com:office:powerpoint" xmlns:com="http://schemas.openxmlformats.org/drawingml/2006/compatibility" xmlns:p14="http://schemas.microsoft.com/office/powerpoint/2010/main" xmlns:p15="http://schemas.microsoft.com/office/powerpoint/2012/main" xmlns:ahyp="http://schemas.microsoft.com/office/drawing/2018/hyperlinkcolor" matchingName="Title slide" type="title">
+<p:sldLayout xmlns:a="http://schemas.openxmlformats.org/drawingml/2006/main" xmlns:r="http://schemas.openxmlformats.org/officeDocument/2006/relationships" xmlns:p="http://schemas.openxmlformats.org/presentationml/2006/main" matchingName="Title slide" type="title">
   <p:cSld name="TITLE">
     <p:spTree>
       <p:nvGrpSpPr>
-        <p:cNvPr id="9" name="Shape 9"/>
+        <p:cNvPr id="1" name="Shape 9"/>
         <p:cNvGrpSpPr/>
         <p:nvPr/>
       </p:nvGrpSpPr>
@@ -1638,12 +1698,12 @@
             </a:ln>
           </p:spPr>
           <p:txBody>
-            <a:bodyPr anchorCtr="0" anchor="ctr" bIns="91425" lIns="91425" spcFirstLastPara="1" rIns="91425" wrap="square" tIns="91425">
+            <a:bodyPr spcFirstLastPara="1" wrap="square" lIns="91425" tIns="91425" rIns="91425" bIns="91425" anchor="ctr" anchorCtr="0">
               <a:noAutofit/>
             </a:bodyPr>
             <a:lstStyle/>
             <a:p>
-              <a:pPr indent="0" lvl="0" marL="0" rtl="0" algn="l">
+              <a:pPr marL="0" lvl="0" indent="0" algn="l" rtl="0">
                 <a:spcBef>
                   <a:spcPts val="0"/>
                 </a:spcBef>
@@ -1652,9 +1712,6 @@
                 </a:spcAft>
                 <a:buNone/>
               </a:pPr>
-              <a:r>
-                <a:t/>
-              </a:r>
               <a:endParaRPr/>
             </a:p>
           </p:txBody>
@@ -1681,12 +1738,12 @@
             </a:ln>
           </p:spPr>
           <p:txBody>
-            <a:bodyPr anchorCtr="0" anchor="ctr" bIns="91425" lIns="91425" spcFirstLastPara="1" rIns="91425" wrap="square" tIns="91425">
+            <a:bodyPr spcFirstLastPara="1" wrap="square" lIns="91425" tIns="91425" rIns="91425" bIns="91425" anchor="ctr" anchorCtr="0">
               <a:noAutofit/>
             </a:bodyPr>
             <a:lstStyle/>
             <a:p>
-              <a:pPr indent="0" lvl="0" marL="0" rtl="0" algn="l">
+              <a:pPr marL="0" lvl="0" indent="0" algn="l" rtl="0">
                 <a:spcBef>
                   <a:spcPts val="0"/>
                 </a:spcBef>
@@ -1695,9 +1752,6 @@
                 </a:spcAft>
                 <a:buNone/>
               </a:pPr>
-              <a:r>
-                <a:t/>
-              </a:r>
               <a:endParaRPr/>
             </a:p>
           </p:txBody>
@@ -1724,12 +1778,12 @@
             </a:ln>
           </p:spPr>
           <p:txBody>
-            <a:bodyPr anchorCtr="0" anchor="ctr" bIns="91425" lIns="91425" spcFirstLastPara="1" rIns="91425" wrap="square" tIns="91425">
+            <a:bodyPr spcFirstLastPara="1" wrap="square" lIns="91425" tIns="91425" rIns="91425" bIns="91425" anchor="ctr" anchorCtr="0">
               <a:noAutofit/>
             </a:bodyPr>
             <a:lstStyle/>
             <a:p>
-              <a:pPr indent="0" lvl="0" marL="0" rtl="0" algn="l">
+              <a:pPr marL="0" lvl="0" indent="0" algn="l" rtl="0">
                 <a:spcBef>
                   <a:spcPts val="0"/>
                 </a:spcBef>
@@ -1738,9 +1792,6 @@
                 </a:spcAft>
                 <a:buNone/>
               </a:pPr>
-              <a:r>
-                <a:t/>
-              </a:r>
               <a:endParaRPr/>
             </a:p>
           </p:txBody>
@@ -1749,7 +1800,9 @@
       <p:sp>
         <p:nvSpPr>
           <p:cNvPr id="14" name="Google Shape;14;p2"/>
-          <p:cNvSpPr txBox="1"/>
+          <p:cNvSpPr txBox="1">
+            <a:spLocks noGrp="1"/>
+          </p:cNvSpPr>
           <p:nvPr>
             <p:ph type="ctrTitle"/>
           </p:nvPr>
@@ -1764,7 +1817,7 @@
           </a:prstGeom>
         </p:spPr>
         <p:txBody>
-          <a:bodyPr anchorCtr="0" anchor="b" bIns="91425" lIns="91425" spcFirstLastPara="1" rIns="91425" wrap="square" tIns="91425">
+          <a:bodyPr spcFirstLastPara="1" wrap="square" lIns="91425" tIns="91425" rIns="91425" bIns="91425" anchor="b" anchorCtr="0">
             <a:normAutofit/>
           </a:bodyPr>
           <a:lstStyle>
@@ -1868,15 +1921,19 @@
               <a:defRPr sz="4800"/>
             </a:lvl9pPr>
           </a:lstStyle>
-          <a:p/>
+          <a:p>
+            <a:endParaRPr/>
+          </a:p>
         </p:txBody>
       </p:sp>
       <p:sp>
         <p:nvSpPr>
           <p:cNvPr id="15" name="Google Shape;15;p2"/>
-          <p:cNvSpPr txBox="1"/>
+          <p:cNvSpPr txBox="1">
+            <a:spLocks noGrp="1"/>
+          </p:cNvSpPr>
           <p:nvPr>
-            <p:ph idx="1" type="subTitle"/>
+            <p:ph type="subTitle" idx="1"/>
           </p:nvPr>
         </p:nvSpPr>
         <p:spPr>
@@ -1889,7 +1946,7 @@
           </a:prstGeom>
         </p:spPr>
         <p:txBody>
-          <a:bodyPr anchorCtr="0" anchor="t" bIns="91425" lIns="91425" spcFirstLastPara="1" rIns="91425" wrap="square" tIns="91425">
+          <a:bodyPr spcFirstLastPara="1" wrap="square" lIns="91425" tIns="91425" rIns="91425" bIns="91425" anchor="t" anchorCtr="0">
             <a:normAutofit/>
           </a:bodyPr>
           <a:lstStyle>
@@ -2020,15 +2077,19 @@
               <a:defRPr sz="2100"/>
             </a:lvl9pPr>
           </a:lstStyle>
-          <a:p/>
+          <a:p>
+            <a:endParaRPr/>
+          </a:p>
         </p:txBody>
       </p:sp>
       <p:sp>
         <p:nvSpPr>
           <p:cNvPr id="16" name="Google Shape;16;p2"/>
-          <p:cNvSpPr txBox="1"/>
+          <p:cNvSpPr txBox="1">
+            <a:spLocks noGrp="1"/>
+          </p:cNvSpPr>
           <p:nvPr>
-            <p:ph idx="12" type="sldNum"/>
+            <p:ph type="sldNum" idx="12"/>
           </p:nvPr>
         </p:nvSpPr>
         <p:spPr>
@@ -2041,7 +2102,7 @@
           </a:prstGeom>
         </p:spPr>
         <p:txBody>
-          <a:bodyPr anchorCtr="0" anchor="ctr" bIns="91425" lIns="91425" spcFirstLastPara="1" rIns="91425" wrap="square" tIns="91425">
+          <a:bodyPr spcFirstLastPara="1" wrap="square" lIns="91425" tIns="91425" rIns="91425" bIns="91425" anchor="ctr" anchorCtr="0">
             <a:normAutofit/>
           </a:bodyPr>
           <a:lstStyle>
@@ -2083,7 +2144,7 @@
             </a:lvl9pPr>
           </a:lstStyle>
           <a:p>
-            <a:pPr indent="0" lvl="0" marL="0" rtl="0" algn="r">
+            <a:pPr marL="0" lvl="0" indent="0" algn="r" rtl="0">
               <a:spcBef>
                 <a:spcPts val="0"/>
               </a:spcBef>
@@ -2109,11 +2170,11 @@
 </file>
 
 <file path=ppt/slideLayouts/slideLayout10.xml><?xml version="1.0" encoding="utf-8"?>
-<p:sldLayout xmlns:a="http://schemas.openxmlformats.org/drawingml/2006/main" xmlns:r="http://schemas.openxmlformats.org/officeDocument/2006/relationships" xmlns:mc="http://schemas.openxmlformats.org/markup-compatibility/2006" xmlns:mv="urn:schemas-microsoft-com:mac:vml" xmlns:p="http://schemas.openxmlformats.org/presentationml/2006/main" xmlns:c="http://schemas.openxmlformats.org/drawingml/2006/chart" xmlns:dgm="http://schemas.openxmlformats.org/drawingml/2006/diagram" xmlns:o="urn:schemas-microsoft-com:office:office" xmlns:v="urn:schemas-microsoft-com:vml" xmlns:pvml="urn:schemas-microsoft-com:office:powerpoint" xmlns:com="http://schemas.openxmlformats.org/drawingml/2006/compatibility" xmlns:p14="http://schemas.microsoft.com/office/powerpoint/2010/main" xmlns:p15="http://schemas.microsoft.com/office/powerpoint/2012/main" xmlns:ahyp="http://schemas.microsoft.com/office/drawing/2018/hyperlinkcolor" matchingName="Big number">
+<p:sldLayout xmlns:a="http://schemas.openxmlformats.org/drawingml/2006/main" xmlns:r="http://schemas.openxmlformats.org/officeDocument/2006/relationships" xmlns:p="http://schemas.openxmlformats.org/presentationml/2006/main" matchingName="Big number">
   <p:cSld name="BIG_NUMBER">
     <p:spTree>
       <p:nvGrpSpPr>
-        <p:cNvPr id="49" name="Shape 49"/>
+        <p:cNvPr id="1" name="Shape 49"/>
         <p:cNvGrpSpPr/>
         <p:nvPr/>
       </p:nvGrpSpPr>
@@ -2128,9 +2189,11 @@
       <p:sp>
         <p:nvSpPr>
           <p:cNvPr id="50" name="Google Shape;50;p11"/>
-          <p:cNvSpPr txBox="1"/>
+          <p:cNvSpPr txBox="1">
+            <a:spLocks noGrp="1"/>
+          </p:cNvSpPr>
           <p:nvPr>
-            <p:ph hasCustomPrompt="1" type="title"/>
+            <p:ph type="title" hasCustomPrompt="1"/>
           </p:nvPr>
         </p:nvSpPr>
         <p:spPr>
@@ -2143,7 +2206,7 @@
           </a:prstGeom>
         </p:spPr>
         <p:txBody>
-          <a:bodyPr anchorCtr="0" anchor="b" bIns="91425" lIns="91425" spcFirstLastPara="1" rIns="91425" wrap="square" tIns="91425">
+          <a:bodyPr spcFirstLastPara="1" wrap="square" lIns="91425" tIns="91425" rIns="91425" bIns="91425" anchor="b" anchorCtr="0">
             <a:normAutofit/>
           </a:bodyPr>
           <a:lstStyle>
@@ -2257,9 +2320,11 @@
       <p:sp>
         <p:nvSpPr>
           <p:cNvPr id="51" name="Google Shape;51;p11"/>
-          <p:cNvSpPr txBox="1"/>
+          <p:cNvSpPr txBox="1">
+            <a:spLocks noGrp="1"/>
+          </p:cNvSpPr>
           <p:nvPr>
-            <p:ph idx="1" type="body"/>
+            <p:ph type="body" idx="1"/>
           </p:nvPr>
         </p:nvSpPr>
         <p:spPr>
@@ -2272,11 +2337,11 @@
           </a:prstGeom>
         </p:spPr>
         <p:txBody>
-          <a:bodyPr anchorCtr="0" anchor="t" bIns="91425" lIns="91425" spcFirstLastPara="1" rIns="91425" wrap="square" tIns="91425">
+          <a:bodyPr spcFirstLastPara="1" wrap="square" lIns="91425" tIns="91425" rIns="91425" bIns="91425" anchor="t" anchorCtr="0">
             <a:normAutofit/>
           </a:bodyPr>
           <a:lstStyle>
-            <a:lvl1pPr indent="-342900" lvl="0" marL="457200" algn="ctr">
+            <a:lvl1pPr marL="457200" lvl="0" indent="-342900" algn="ctr">
               <a:spcBef>
                 <a:spcPts val="0"/>
               </a:spcBef>
@@ -2287,7 +2352,7 @@
               <a:buChar char="●"/>
               <a:defRPr/>
             </a:lvl1pPr>
-            <a:lvl2pPr indent="-317500" lvl="1" marL="914400" algn="ctr">
+            <a:lvl2pPr marL="914400" lvl="1" indent="-317500" algn="ctr">
               <a:spcBef>
                 <a:spcPts val="0"/>
               </a:spcBef>
@@ -2298,7 +2363,7 @@
               <a:buChar char="○"/>
               <a:defRPr/>
             </a:lvl2pPr>
-            <a:lvl3pPr indent="-317500" lvl="2" marL="1371600" algn="ctr">
+            <a:lvl3pPr marL="1371600" lvl="2" indent="-317500" algn="ctr">
               <a:spcBef>
                 <a:spcPts val="0"/>
               </a:spcBef>
@@ -2309,7 +2374,7 @@
               <a:buChar char="■"/>
               <a:defRPr/>
             </a:lvl3pPr>
-            <a:lvl4pPr indent="-317500" lvl="3" marL="1828800" algn="ctr">
+            <a:lvl4pPr marL="1828800" lvl="3" indent="-317500" algn="ctr">
               <a:spcBef>
                 <a:spcPts val="0"/>
               </a:spcBef>
@@ -2320,7 +2385,7 @@
               <a:buChar char="●"/>
               <a:defRPr/>
             </a:lvl4pPr>
-            <a:lvl5pPr indent="-317500" lvl="4" marL="2286000" algn="ctr">
+            <a:lvl5pPr marL="2286000" lvl="4" indent="-317500" algn="ctr">
               <a:spcBef>
                 <a:spcPts val="0"/>
               </a:spcBef>
@@ -2331,7 +2396,7 @@
               <a:buChar char="○"/>
               <a:defRPr/>
             </a:lvl5pPr>
-            <a:lvl6pPr indent="-317500" lvl="5" marL="2743200" algn="ctr">
+            <a:lvl6pPr marL="2743200" lvl="5" indent="-317500" algn="ctr">
               <a:spcBef>
                 <a:spcPts val="0"/>
               </a:spcBef>
@@ -2342,7 +2407,7 @@
               <a:buChar char="■"/>
               <a:defRPr/>
             </a:lvl6pPr>
-            <a:lvl7pPr indent="-317500" lvl="6" marL="3200400" algn="ctr">
+            <a:lvl7pPr marL="3200400" lvl="6" indent="-317500" algn="ctr">
               <a:spcBef>
                 <a:spcPts val="0"/>
               </a:spcBef>
@@ -2353,7 +2418,7 @@
               <a:buChar char="●"/>
               <a:defRPr/>
             </a:lvl7pPr>
-            <a:lvl8pPr indent="-317500" lvl="7" marL="3657600" algn="ctr">
+            <a:lvl8pPr marL="3657600" lvl="7" indent="-317500" algn="ctr">
               <a:spcBef>
                 <a:spcPts val="0"/>
               </a:spcBef>
@@ -2364,7 +2429,7 @@
               <a:buChar char="○"/>
               <a:defRPr/>
             </a:lvl8pPr>
-            <a:lvl9pPr indent="-317500" lvl="8" marL="4114800" algn="ctr">
+            <a:lvl9pPr marL="4114800" lvl="8" indent="-317500" algn="ctr">
               <a:spcBef>
                 <a:spcPts val="0"/>
               </a:spcBef>
@@ -2376,15 +2441,19 @@
               <a:defRPr/>
             </a:lvl9pPr>
           </a:lstStyle>
-          <a:p/>
+          <a:p>
+            <a:endParaRPr/>
+          </a:p>
         </p:txBody>
       </p:sp>
       <p:sp>
         <p:nvSpPr>
           <p:cNvPr id="52" name="Google Shape;52;p11"/>
-          <p:cNvSpPr txBox="1"/>
+          <p:cNvSpPr txBox="1">
+            <a:spLocks noGrp="1"/>
+          </p:cNvSpPr>
           <p:nvPr>
-            <p:ph idx="12" type="sldNum"/>
+            <p:ph type="sldNum" idx="12"/>
           </p:nvPr>
         </p:nvSpPr>
         <p:spPr>
@@ -2397,7 +2466,7 @@
           </a:prstGeom>
         </p:spPr>
         <p:txBody>
-          <a:bodyPr anchorCtr="0" anchor="ctr" bIns="91425" lIns="91425" spcFirstLastPara="1" rIns="91425" wrap="square" tIns="91425">
+          <a:bodyPr spcFirstLastPara="1" wrap="square" lIns="91425" tIns="91425" rIns="91425" bIns="91425" anchor="ctr" anchorCtr="0">
             <a:normAutofit/>
           </a:bodyPr>
           <a:lstStyle>
@@ -2439,7 +2508,7 @@
             </a:lvl9pPr>
           </a:lstStyle>
           <a:p>
-            <a:pPr indent="0" lvl="0" marL="0" rtl="0" algn="r">
+            <a:pPr marL="0" lvl="0" indent="0" algn="r" rtl="0">
               <a:spcBef>
                 <a:spcPts val="0"/>
               </a:spcBef>
@@ -2465,11 +2534,11 @@
 </file>
 
 <file path=ppt/slideLayouts/slideLayout11.xml><?xml version="1.0" encoding="utf-8"?>
-<p:sldLayout xmlns:a="http://schemas.openxmlformats.org/drawingml/2006/main" xmlns:r="http://schemas.openxmlformats.org/officeDocument/2006/relationships" xmlns:mc="http://schemas.openxmlformats.org/markup-compatibility/2006" xmlns:mv="urn:schemas-microsoft-com:mac:vml" xmlns:p="http://schemas.openxmlformats.org/presentationml/2006/main" xmlns:c="http://schemas.openxmlformats.org/drawingml/2006/chart" xmlns:dgm="http://schemas.openxmlformats.org/drawingml/2006/diagram" xmlns:o="urn:schemas-microsoft-com:office:office" xmlns:v="urn:schemas-microsoft-com:vml" xmlns:pvml="urn:schemas-microsoft-com:office:powerpoint" xmlns:com="http://schemas.openxmlformats.org/drawingml/2006/compatibility" xmlns:p14="http://schemas.microsoft.com/office/powerpoint/2010/main" xmlns:p15="http://schemas.microsoft.com/office/powerpoint/2012/main" xmlns:ahyp="http://schemas.microsoft.com/office/drawing/2018/hyperlinkcolor" matchingName="Blank" type="blank">
+<p:sldLayout xmlns:a="http://schemas.openxmlformats.org/drawingml/2006/main" xmlns:r="http://schemas.openxmlformats.org/officeDocument/2006/relationships" xmlns:p="http://schemas.openxmlformats.org/presentationml/2006/main" matchingName="Blank" type="blank">
   <p:cSld name="BLANK">
     <p:spTree>
       <p:nvGrpSpPr>
-        <p:cNvPr id="53" name="Shape 53"/>
+        <p:cNvPr id="1" name="Shape 53"/>
         <p:cNvGrpSpPr/>
         <p:nvPr/>
       </p:nvGrpSpPr>
@@ -2484,9 +2553,11 @@
       <p:sp>
         <p:nvSpPr>
           <p:cNvPr id="54" name="Google Shape;54;p12"/>
-          <p:cNvSpPr txBox="1"/>
+          <p:cNvSpPr txBox="1">
+            <a:spLocks noGrp="1"/>
+          </p:cNvSpPr>
           <p:nvPr>
-            <p:ph idx="12" type="sldNum"/>
+            <p:ph type="sldNum" idx="12"/>
           </p:nvPr>
         </p:nvSpPr>
         <p:spPr>
@@ -2499,7 +2570,7 @@
           </a:prstGeom>
         </p:spPr>
         <p:txBody>
-          <a:bodyPr anchorCtr="0" anchor="ctr" bIns="91425" lIns="91425" spcFirstLastPara="1" rIns="91425" wrap="square" tIns="91425">
+          <a:bodyPr spcFirstLastPara="1" wrap="square" lIns="91425" tIns="91425" rIns="91425" bIns="91425" anchor="ctr" anchorCtr="0">
             <a:normAutofit/>
           </a:bodyPr>
           <a:lstStyle>
@@ -2541,7 +2612,7 @@
             </a:lvl9pPr>
           </a:lstStyle>
           <a:p>
-            <a:pPr indent="0" lvl="0" marL="0" rtl="0" algn="r">
+            <a:pPr marL="0" lvl="0" indent="0" algn="r" rtl="0">
               <a:spcBef>
                 <a:spcPts val="0"/>
               </a:spcBef>
@@ -2567,11 +2638,11 @@
 </file>
 
 <file path=ppt/slideLayouts/slideLayout2.xml><?xml version="1.0" encoding="utf-8"?>
-<p:sldLayout xmlns:a="http://schemas.openxmlformats.org/drawingml/2006/main" xmlns:r="http://schemas.openxmlformats.org/officeDocument/2006/relationships" xmlns:mc="http://schemas.openxmlformats.org/markup-compatibility/2006" xmlns:mv="urn:schemas-microsoft-com:mac:vml" xmlns:p="http://schemas.openxmlformats.org/presentationml/2006/main" xmlns:c="http://schemas.openxmlformats.org/drawingml/2006/chart" xmlns:dgm="http://schemas.openxmlformats.org/drawingml/2006/diagram" xmlns:o="urn:schemas-microsoft-com:office:office" xmlns:v="urn:schemas-microsoft-com:vml" xmlns:pvml="urn:schemas-microsoft-com:office:powerpoint" xmlns:com="http://schemas.openxmlformats.org/drawingml/2006/compatibility" xmlns:p14="http://schemas.microsoft.com/office/powerpoint/2010/main" xmlns:p15="http://schemas.microsoft.com/office/powerpoint/2012/main" xmlns:ahyp="http://schemas.microsoft.com/office/drawing/2018/hyperlinkcolor" matchingName="Section header" type="secHead">
+<p:sldLayout xmlns:a="http://schemas.openxmlformats.org/drawingml/2006/main" xmlns:r="http://schemas.openxmlformats.org/officeDocument/2006/relationships" xmlns:p="http://schemas.openxmlformats.org/presentationml/2006/main" matchingName="Section header" type="secHead">
   <p:cSld name="SECTION_HEADER">
     <p:spTree>
       <p:nvGrpSpPr>
-        <p:cNvPr id="17" name="Shape 17"/>
+        <p:cNvPr id="1" name="Shape 17"/>
         <p:cNvGrpSpPr/>
         <p:nvPr/>
       </p:nvGrpSpPr>
@@ -2586,7 +2657,9 @@
       <p:sp>
         <p:nvSpPr>
           <p:cNvPr id="18" name="Google Shape;18;p3"/>
-          <p:cNvSpPr txBox="1"/>
+          <p:cNvSpPr txBox="1">
+            <a:spLocks noGrp="1"/>
+          </p:cNvSpPr>
           <p:nvPr>
             <p:ph type="title"/>
           </p:nvPr>
@@ -2601,7 +2674,7 @@
           </a:prstGeom>
         </p:spPr>
         <p:txBody>
-          <a:bodyPr anchorCtr="0" anchor="ctr" bIns="91425" lIns="91425" spcFirstLastPara="1" rIns="91425" wrap="square" tIns="91425">
+          <a:bodyPr spcFirstLastPara="1" wrap="square" lIns="91425" tIns="91425" rIns="91425" bIns="91425" anchor="ctr" anchorCtr="0">
             <a:normAutofit/>
           </a:bodyPr>
           <a:lstStyle>
@@ -2705,15 +2778,19 @@
               <a:defRPr sz="3600"/>
             </a:lvl9pPr>
           </a:lstStyle>
-          <a:p/>
+          <a:p>
+            <a:endParaRPr/>
+          </a:p>
         </p:txBody>
       </p:sp>
       <p:sp>
         <p:nvSpPr>
           <p:cNvPr id="19" name="Google Shape;19;p3"/>
-          <p:cNvSpPr txBox="1"/>
+          <p:cNvSpPr txBox="1">
+            <a:spLocks noGrp="1"/>
+          </p:cNvSpPr>
           <p:nvPr>
-            <p:ph idx="12" type="sldNum"/>
+            <p:ph type="sldNum" idx="12"/>
           </p:nvPr>
         </p:nvSpPr>
         <p:spPr>
@@ -2726,7 +2803,7 @@
           </a:prstGeom>
         </p:spPr>
         <p:txBody>
-          <a:bodyPr anchorCtr="0" anchor="ctr" bIns="91425" lIns="91425" spcFirstLastPara="1" rIns="91425" wrap="square" tIns="91425">
+          <a:bodyPr spcFirstLastPara="1" wrap="square" lIns="91425" tIns="91425" rIns="91425" bIns="91425" anchor="ctr" anchorCtr="0">
             <a:normAutofit/>
           </a:bodyPr>
           <a:lstStyle>
@@ -2768,7 +2845,7 @@
             </a:lvl9pPr>
           </a:lstStyle>
           <a:p>
-            <a:pPr indent="0" lvl="0" marL="0" rtl="0" algn="r">
+            <a:pPr marL="0" lvl="0" indent="0" algn="r" rtl="0">
               <a:spcBef>
                 <a:spcPts val="0"/>
               </a:spcBef>
@@ -2794,11 +2871,11 @@
 </file>
 
 <file path=ppt/slideLayouts/slideLayout3.xml><?xml version="1.0" encoding="utf-8"?>
-<p:sldLayout xmlns:a="http://schemas.openxmlformats.org/drawingml/2006/main" xmlns:r="http://schemas.openxmlformats.org/officeDocument/2006/relationships" xmlns:mc="http://schemas.openxmlformats.org/markup-compatibility/2006" xmlns:mv="urn:schemas-microsoft-com:mac:vml" xmlns:p="http://schemas.openxmlformats.org/presentationml/2006/main" xmlns:c="http://schemas.openxmlformats.org/drawingml/2006/chart" xmlns:dgm="http://schemas.openxmlformats.org/drawingml/2006/diagram" xmlns:o="urn:schemas-microsoft-com:office:office" xmlns:v="urn:schemas-microsoft-com:vml" xmlns:pvml="urn:schemas-microsoft-com:office:powerpoint" xmlns:com="http://schemas.openxmlformats.org/drawingml/2006/compatibility" xmlns:p14="http://schemas.microsoft.com/office/powerpoint/2010/main" xmlns:p15="http://schemas.microsoft.com/office/powerpoint/2012/main" xmlns:ahyp="http://schemas.microsoft.com/office/drawing/2018/hyperlinkcolor" matchingName="Title and body" type="tx">
+<p:sldLayout xmlns:a="http://schemas.openxmlformats.org/drawingml/2006/main" xmlns:r="http://schemas.openxmlformats.org/officeDocument/2006/relationships" xmlns:p="http://schemas.openxmlformats.org/presentationml/2006/main" matchingName="Title and body" type="tx">
   <p:cSld name="TITLE_AND_BODY">
     <p:spTree>
       <p:nvGrpSpPr>
-        <p:cNvPr id="20" name="Shape 20"/>
+        <p:cNvPr id="1" name="Shape 20"/>
         <p:cNvGrpSpPr/>
         <p:nvPr/>
       </p:nvGrpSpPr>
@@ -2813,7 +2890,9 @@
       <p:sp>
         <p:nvSpPr>
           <p:cNvPr id="21" name="Google Shape;21;p4"/>
-          <p:cNvSpPr txBox="1"/>
+          <p:cNvSpPr txBox="1">
+            <a:spLocks noGrp="1"/>
+          </p:cNvSpPr>
           <p:nvPr>
             <p:ph type="title"/>
           </p:nvPr>
@@ -2828,7 +2907,7 @@
           </a:prstGeom>
         </p:spPr>
         <p:txBody>
-          <a:bodyPr anchorCtr="0" anchor="t" bIns="91425" lIns="91425" spcFirstLastPara="1" rIns="91425" wrap="square" tIns="91425">
+          <a:bodyPr spcFirstLastPara="1" wrap="square" lIns="91425" tIns="91425" rIns="91425" bIns="91425" anchor="t" anchorCtr="0">
             <a:normAutofit/>
           </a:bodyPr>
           <a:lstStyle>
@@ -2932,15 +3011,19 @@
               <a:defRPr/>
             </a:lvl9pPr>
           </a:lstStyle>
-          <a:p/>
+          <a:p>
+            <a:endParaRPr/>
+          </a:p>
         </p:txBody>
       </p:sp>
       <p:sp>
         <p:nvSpPr>
           <p:cNvPr id="22" name="Google Shape;22;p4"/>
-          <p:cNvSpPr txBox="1"/>
+          <p:cNvSpPr txBox="1">
+            <a:spLocks noGrp="1"/>
+          </p:cNvSpPr>
           <p:nvPr>
-            <p:ph idx="1" type="body"/>
+            <p:ph type="body" idx="1"/>
           </p:nvPr>
         </p:nvSpPr>
         <p:spPr>
@@ -2953,11 +3036,11 @@
           </a:prstGeom>
         </p:spPr>
         <p:txBody>
-          <a:bodyPr anchorCtr="0" anchor="t" bIns="91425" lIns="91425" spcFirstLastPara="1" rIns="91425" wrap="square" tIns="91425">
+          <a:bodyPr spcFirstLastPara="1" wrap="square" lIns="91425" tIns="91425" rIns="91425" bIns="91425" anchor="t" anchorCtr="0">
             <a:normAutofit/>
           </a:bodyPr>
           <a:lstStyle>
-            <a:lvl1pPr indent="-342900" lvl="0" marL="457200">
+            <a:lvl1pPr marL="457200" lvl="0" indent="-342900">
               <a:spcBef>
                 <a:spcPts val="0"/>
               </a:spcBef>
@@ -2968,7 +3051,7 @@
               <a:buChar char="●"/>
               <a:defRPr/>
             </a:lvl1pPr>
-            <a:lvl2pPr indent="-317500" lvl="1" marL="914400">
+            <a:lvl2pPr marL="914400" lvl="1" indent="-317500">
               <a:spcBef>
                 <a:spcPts val="0"/>
               </a:spcBef>
@@ -2979,7 +3062,7 @@
               <a:buChar char="○"/>
               <a:defRPr/>
             </a:lvl2pPr>
-            <a:lvl3pPr indent="-317500" lvl="2" marL="1371600">
+            <a:lvl3pPr marL="1371600" lvl="2" indent="-317500">
               <a:spcBef>
                 <a:spcPts val="0"/>
               </a:spcBef>
@@ -2990,7 +3073,7 @@
               <a:buChar char="■"/>
               <a:defRPr/>
             </a:lvl3pPr>
-            <a:lvl4pPr indent="-317500" lvl="3" marL="1828800">
+            <a:lvl4pPr marL="1828800" lvl="3" indent="-317500">
               <a:spcBef>
                 <a:spcPts val="0"/>
               </a:spcBef>
@@ -3001,7 +3084,7 @@
               <a:buChar char="●"/>
               <a:defRPr/>
             </a:lvl4pPr>
-            <a:lvl5pPr indent="-317500" lvl="4" marL="2286000">
+            <a:lvl5pPr marL="2286000" lvl="4" indent="-317500">
               <a:spcBef>
                 <a:spcPts val="0"/>
               </a:spcBef>
@@ -3012,7 +3095,7 @@
               <a:buChar char="○"/>
               <a:defRPr/>
             </a:lvl5pPr>
-            <a:lvl6pPr indent="-317500" lvl="5" marL="2743200">
+            <a:lvl6pPr marL="2743200" lvl="5" indent="-317500">
               <a:spcBef>
                 <a:spcPts val="0"/>
               </a:spcBef>
@@ -3023,7 +3106,7 @@
               <a:buChar char="■"/>
               <a:defRPr/>
             </a:lvl6pPr>
-            <a:lvl7pPr indent="-317500" lvl="6" marL="3200400">
+            <a:lvl7pPr marL="3200400" lvl="6" indent="-317500">
               <a:spcBef>
                 <a:spcPts val="0"/>
               </a:spcBef>
@@ -3034,7 +3117,7 @@
               <a:buChar char="●"/>
               <a:defRPr/>
             </a:lvl7pPr>
-            <a:lvl8pPr indent="-317500" lvl="7" marL="3657600">
+            <a:lvl8pPr marL="3657600" lvl="7" indent="-317500">
               <a:spcBef>
                 <a:spcPts val="0"/>
               </a:spcBef>
@@ -3045,7 +3128,7 @@
               <a:buChar char="○"/>
               <a:defRPr/>
             </a:lvl8pPr>
-            <a:lvl9pPr indent="-317500" lvl="8" marL="4114800">
+            <a:lvl9pPr marL="4114800" lvl="8" indent="-317500">
               <a:spcBef>
                 <a:spcPts val="0"/>
               </a:spcBef>
@@ -3057,15 +3140,19 @@
               <a:defRPr/>
             </a:lvl9pPr>
           </a:lstStyle>
-          <a:p/>
+          <a:p>
+            <a:endParaRPr/>
+          </a:p>
         </p:txBody>
       </p:sp>
       <p:sp>
         <p:nvSpPr>
           <p:cNvPr id="23" name="Google Shape;23;p4"/>
-          <p:cNvSpPr txBox="1"/>
+          <p:cNvSpPr txBox="1">
+            <a:spLocks noGrp="1"/>
+          </p:cNvSpPr>
           <p:nvPr>
-            <p:ph idx="12" type="sldNum"/>
+            <p:ph type="sldNum" idx="12"/>
           </p:nvPr>
         </p:nvSpPr>
         <p:spPr>
@@ -3078,7 +3165,7 @@
           </a:prstGeom>
         </p:spPr>
         <p:txBody>
-          <a:bodyPr anchorCtr="0" anchor="ctr" bIns="91425" lIns="91425" spcFirstLastPara="1" rIns="91425" wrap="square" tIns="91425">
+          <a:bodyPr spcFirstLastPara="1" wrap="square" lIns="91425" tIns="91425" rIns="91425" bIns="91425" anchor="ctr" anchorCtr="0">
             <a:normAutofit/>
           </a:bodyPr>
           <a:lstStyle>
@@ -3120,7 +3207,7 @@
             </a:lvl9pPr>
           </a:lstStyle>
           <a:p>
-            <a:pPr indent="0" lvl="0" marL="0" rtl="0" algn="r">
+            <a:pPr marL="0" lvl="0" indent="0" algn="r" rtl="0">
               <a:spcBef>
                 <a:spcPts val="0"/>
               </a:spcBef>
@@ -3146,11 +3233,11 @@
 </file>
 
 <file path=ppt/slideLayouts/slideLayout4.xml><?xml version="1.0" encoding="utf-8"?>
-<p:sldLayout xmlns:a="http://schemas.openxmlformats.org/drawingml/2006/main" xmlns:r="http://schemas.openxmlformats.org/officeDocument/2006/relationships" xmlns:mc="http://schemas.openxmlformats.org/markup-compatibility/2006" xmlns:mv="urn:schemas-microsoft-com:mac:vml" xmlns:p="http://schemas.openxmlformats.org/presentationml/2006/main" xmlns:c="http://schemas.openxmlformats.org/drawingml/2006/chart" xmlns:dgm="http://schemas.openxmlformats.org/drawingml/2006/diagram" xmlns:o="urn:schemas-microsoft-com:office:office" xmlns:v="urn:schemas-microsoft-com:vml" xmlns:pvml="urn:schemas-microsoft-com:office:powerpoint" xmlns:com="http://schemas.openxmlformats.org/drawingml/2006/compatibility" xmlns:p14="http://schemas.microsoft.com/office/powerpoint/2010/main" xmlns:p15="http://schemas.microsoft.com/office/powerpoint/2012/main" xmlns:ahyp="http://schemas.microsoft.com/office/drawing/2018/hyperlinkcolor" matchingName="Title and two columns" type="twoColTx">
+<p:sldLayout xmlns:a="http://schemas.openxmlformats.org/drawingml/2006/main" xmlns:r="http://schemas.openxmlformats.org/officeDocument/2006/relationships" xmlns:p="http://schemas.openxmlformats.org/presentationml/2006/main" matchingName="Title and two columns" type="twoColTx">
   <p:cSld name="TITLE_AND_TWO_COLUMNS">
     <p:spTree>
       <p:nvGrpSpPr>
-        <p:cNvPr id="24" name="Shape 24"/>
+        <p:cNvPr id="1" name="Shape 24"/>
         <p:cNvGrpSpPr/>
         <p:nvPr/>
       </p:nvGrpSpPr>
@@ -3165,7 +3252,9 @@
       <p:sp>
         <p:nvSpPr>
           <p:cNvPr id="25" name="Google Shape;25;p5"/>
-          <p:cNvSpPr txBox="1"/>
+          <p:cNvSpPr txBox="1">
+            <a:spLocks noGrp="1"/>
+          </p:cNvSpPr>
           <p:nvPr>
             <p:ph type="title"/>
           </p:nvPr>
@@ -3180,7 +3269,7 @@
           </a:prstGeom>
         </p:spPr>
         <p:txBody>
-          <a:bodyPr anchorCtr="0" anchor="t" bIns="91425" lIns="91425" spcFirstLastPara="1" rIns="91425" wrap="square" tIns="91425">
+          <a:bodyPr spcFirstLastPara="1" wrap="square" lIns="91425" tIns="91425" rIns="91425" bIns="91425" anchor="t" anchorCtr="0">
             <a:normAutofit/>
           </a:bodyPr>
           <a:lstStyle>
@@ -3284,15 +3373,19 @@
               <a:defRPr/>
             </a:lvl9pPr>
           </a:lstStyle>
-          <a:p/>
+          <a:p>
+            <a:endParaRPr/>
+          </a:p>
         </p:txBody>
       </p:sp>
       <p:sp>
         <p:nvSpPr>
           <p:cNvPr id="26" name="Google Shape;26;p5"/>
-          <p:cNvSpPr txBox="1"/>
+          <p:cNvSpPr txBox="1">
+            <a:spLocks noGrp="1"/>
+          </p:cNvSpPr>
           <p:nvPr>
-            <p:ph idx="1" type="body"/>
+            <p:ph type="body" idx="1"/>
           </p:nvPr>
         </p:nvSpPr>
         <p:spPr>
@@ -3305,11 +3398,11 @@
           </a:prstGeom>
         </p:spPr>
         <p:txBody>
-          <a:bodyPr anchorCtr="0" anchor="t" bIns="91425" lIns="91425" spcFirstLastPara="1" rIns="91425" wrap="square" tIns="91425">
+          <a:bodyPr spcFirstLastPara="1" wrap="square" lIns="91425" tIns="91425" rIns="91425" bIns="91425" anchor="t" anchorCtr="0">
             <a:normAutofit/>
           </a:bodyPr>
           <a:lstStyle>
-            <a:lvl1pPr indent="-317500" lvl="0" marL="457200">
+            <a:lvl1pPr marL="457200" lvl="0" indent="-317500">
               <a:spcBef>
                 <a:spcPts val="0"/>
               </a:spcBef>
@@ -3320,7 +3413,7 @@
               <a:buChar char="●"/>
               <a:defRPr sz="1400"/>
             </a:lvl1pPr>
-            <a:lvl2pPr indent="-304800" lvl="1" marL="914400">
+            <a:lvl2pPr marL="914400" lvl="1" indent="-304800">
               <a:spcBef>
                 <a:spcPts val="0"/>
               </a:spcBef>
@@ -3331,7 +3424,7 @@
               <a:buChar char="○"/>
               <a:defRPr sz="1200"/>
             </a:lvl2pPr>
-            <a:lvl3pPr indent="-304800" lvl="2" marL="1371600">
+            <a:lvl3pPr marL="1371600" lvl="2" indent="-304800">
               <a:spcBef>
                 <a:spcPts val="0"/>
               </a:spcBef>
@@ -3342,7 +3435,7 @@
               <a:buChar char="■"/>
               <a:defRPr sz="1200"/>
             </a:lvl3pPr>
-            <a:lvl4pPr indent="-304800" lvl="3" marL="1828800">
+            <a:lvl4pPr marL="1828800" lvl="3" indent="-304800">
               <a:spcBef>
                 <a:spcPts val="0"/>
               </a:spcBef>
@@ -3353,7 +3446,7 @@
               <a:buChar char="●"/>
               <a:defRPr sz="1200"/>
             </a:lvl4pPr>
-            <a:lvl5pPr indent="-304800" lvl="4" marL="2286000">
+            <a:lvl5pPr marL="2286000" lvl="4" indent="-304800">
               <a:spcBef>
                 <a:spcPts val="0"/>
               </a:spcBef>
@@ -3364,7 +3457,7 @@
               <a:buChar char="○"/>
               <a:defRPr sz="1200"/>
             </a:lvl5pPr>
-            <a:lvl6pPr indent="-304800" lvl="5" marL="2743200">
+            <a:lvl6pPr marL="2743200" lvl="5" indent="-304800">
               <a:spcBef>
                 <a:spcPts val="0"/>
               </a:spcBef>
@@ -3375,7 +3468,7 @@
               <a:buChar char="■"/>
               <a:defRPr sz="1200"/>
             </a:lvl6pPr>
-            <a:lvl7pPr indent="-304800" lvl="6" marL="3200400">
+            <a:lvl7pPr marL="3200400" lvl="6" indent="-304800">
               <a:spcBef>
                 <a:spcPts val="0"/>
               </a:spcBef>
@@ -3386,7 +3479,7 @@
               <a:buChar char="●"/>
               <a:defRPr sz="1200"/>
             </a:lvl7pPr>
-            <a:lvl8pPr indent="-304800" lvl="7" marL="3657600">
+            <a:lvl8pPr marL="3657600" lvl="7" indent="-304800">
               <a:spcBef>
                 <a:spcPts val="0"/>
               </a:spcBef>
@@ -3397,7 +3490,7 @@
               <a:buChar char="○"/>
               <a:defRPr sz="1200"/>
             </a:lvl8pPr>
-            <a:lvl9pPr indent="-304800" lvl="8" marL="4114800">
+            <a:lvl9pPr marL="4114800" lvl="8" indent="-304800">
               <a:spcBef>
                 <a:spcPts val="0"/>
               </a:spcBef>
@@ -3409,15 +3502,19 @@
               <a:defRPr sz="1200"/>
             </a:lvl9pPr>
           </a:lstStyle>
-          <a:p/>
+          <a:p>
+            <a:endParaRPr/>
+          </a:p>
         </p:txBody>
       </p:sp>
       <p:sp>
         <p:nvSpPr>
           <p:cNvPr id="27" name="Google Shape;27;p5"/>
-          <p:cNvSpPr txBox="1"/>
+          <p:cNvSpPr txBox="1">
+            <a:spLocks noGrp="1"/>
+          </p:cNvSpPr>
           <p:nvPr>
-            <p:ph idx="2" type="body"/>
+            <p:ph type="body" idx="2"/>
           </p:nvPr>
         </p:nvSpPr>
         <p:spPr>
@@ -3430,11 +3527,11 @@
           </a:prstGeom>
         </p:spPr>
         <p:txBody>
-          <a:bodyPr anchorCtr="0" anchor="t" bIns="91425" lIns="91425" spcFirstLastPara="1" rIns="91425" wrap="square" tIns="91425">
+          <a:bodyPr spcFirstLastPara="1" wrap="square" lIns="91425" tIns="91425" rIns="91425" bIns="91425" anchor="t" anchorCtr="0">
             <a:normAutofit/>
           </a:bodyPr>
           <a:lstStyle>
-            <a:lvl1pPr indent="-317500" lvl="0" marL="457200">
+            <a:lvl1pPr marL="457200" lvl="0" indent="-317500">
               <a:spcBef>
                 <a:spcPts val="0"/>
               </a:spcBef>
@@ -3445,7 +3542,7 @@
               <a:buChar char="●"/>
               <a:defRPr sz="1400"/>
             </a:lvl1pPr>
-            <a:lvl2pPr indent="-304800" lvl="1" marL="914400">
+            <a:lvl2pPr marL="914400" lvl="1" indent="-304800">
               <a:spcBef>
                 <a:spcPts val="0"/>
               </a:spcBef>
@@ -3456,7 +3553,7 @@
               <a:buChar char="○"/>
               <a:defRPr sz="1200"/>
             </a:lvl2pPr>
-            <a:lvl3pPr indent="-304800" lvl="2" marL="1371600">
+            <a:lvl3pPr marL="1371600" lvl="2" indent="-304800">
               <a:spcBef>
                 <a:spcPts val="0"/>
               </a:spcBef>
@@ -3467,7 +3564,7 @@
               <a:buChar char="■"/>
               <a:defRPr sz="1200"/>
             </a:lvl3pPr>
-            <a:lvl4pPr indent="-304800" lvl="3" marL="1828800">
+            <a:lvl4pPr marL="1828800" lvl="3" indent="-304800">
               <a:spcBef>
                 <a:spcPts val="0"/>
               </a:spcBef>
@@ -3478,7 +3575,7 @@
               <a:buChar char="●"/>
               <a:defRPr sz="1200"/>
             </a:lvl4pPr>
-            <a:lvl5pPr indent="-304800" lvl="4" marL="2286000">
+            <a:lvl5pPr marL="2286000" lvl="4" indent="-304800">
               <a:spcBef>
                 <a:spcPts val="0"/>
               </a:spcBef>
@@ -3489,7 +3586,7 @@
               <a:buChar char="○"/>
               <a:defRPr sz="1200"/>
             </a:lvl5pPr>
-            <a:lvl6pPr indent="-304800" lvl="5" marL="2743200">
+            <a:lvl6pPr marL="2743200" lvl="5" indent="-304800">
               <a:spcBef>
                 <a:spcPts val="0"/>
               </a:spcBef>
@@ -3500,7 +3597,7 @@
               <a:buChar char="■"/>
               <a:defRPr sz="1200"/>
             </a:lvl6pPr>
-            <a:lvl7pPr indent="-304800" lvl="6" marL="3200400">
+            <a:lvl7pPr marL="3200400" lvl="6" indent="-304800">
               <a:spcBef>
                 <a:spcPts val="0"/>
               </a:spcBef>
@@ -3511,7 +3608,7 @@
               <a:buChar char="●"/>
               <a:defRPr sz="1200"/>
             </a:lvl7pPr>
-            <a:lvl8pPr indent="-304800" lvl="7" marL="3657600">
+            <a:lvl8pPr marL="3657600" lvl="7" indent="-304800">
               <a:spcBef>
                 <a:spcPts val="0"/>
               </a:spcBef>
@@ -3522,7 +3619,7 @@
               <a:buChar char="○"/>
               <a:defRPr sz="1200"/>
             </a:lvl8pPr>
-            <a:lvl9pPr indent="-304800" lvl="8" marL="4114800">
+            <a:lvl9pPr marL="4114800" lvl="8" indent="-304800">
               <a:spcBef>
                 <a:spcPts val="0"/>
               </a:spcBef>
@@ -3534,15 +3631,19 @@
               <a:defRPr sz="1200"/>
             </a:lvl9pPr>
           </a:lstStyle>
-          <a:p/>
+          <a:p>
+            <a:endParaRPr/>
+          </a:p>
         </p:txBody>
       </p:sp>
       <p:sp>
         <p:nvSpPr>
           <p:cNvPr id="28" name="Google Shape;28;p5"/>
-          <p:cNvSpPr txBox="1"/>
+          <p:cNvSpPr txBox="1">
+            <a:spLocks noGrp="1"/>
+          </p:cNvSpPr>
           <p:nvPr>
-            <p:ph idx="12" type="sldNum"/>
+            <p:ph type="sldNum" idx="12"/>
           </p:nvPr>
         </p:nvSpPr>
         <p:spPr>
@@ -3555,7 +3656,7 @@
           </a:prstGeom>
         </p:spPr>
         <p:txBody>
-          <a:bodyPr anchorCtr="0" anchor="ctr" bIns="91425" lIns="91425" spcFirstLastPara="1" rIns="91425" wrap="square" tIns="91425">
+          <a:bodyPr spcFirstLastPara="1" wrap="square" lIns="91425" tIns="91425" rIns="91425" bIns="91425" anchor="ctr" anchorCtr="0">
             <a:normAutofit/>
           </a:bodyPr>
           <a:lstStyle>
@@ -3597,7 +3698,7 @@
             </a:lvl9pPr>
           </a:lstStyle>
           <a:p>
-            <a:pPr indent="0" lvl="0" marL="0" rtl="0" algn="r">
+            <a:pPr marL="0" lvl="0" indent="0" algn="r" rtl="0">
               <a:spcBef>
                 <a:spcPts val="0"/>
               </a:spcBef>
@@ -3623,11 +3724,11 @@
 </file>
 
 <file path=ppt/slideLayouts/slideLayout5.xml><?xml version="1.0" encoding="utf-8"?>
-<p:sldLayout xmlns:a="http://schemas.openxmlformats.org/drawingml/2006/main" xmlns:r="http://schemas.openxmlformats.org/officeDocument/2006/relationships" xmlns:mc="http://schemas.openxmlformats.org/markup-compatibility/2006" xmlns:mv="urn:schemas-microsoft-com:mac:vml" xmlns:p="http://schemas.openxmlformats.org/presentationml/2006/main" xmlns:c="http://schemas.openxmlformats.org/drawingml/2006/chart" xmlns:dgm="http://schemas.openxmlformats.org/drawingml/2006/diagram" xmlns:o="urn:schemas-microsoft-com:office:office" xmlns:v="urn:schemas-microsoft-com:vml" xmlns:pvml="urn:schemas-microsoft-com:office:powerpoint" xmlns:com="http://schemas.openxmlformats.org/drawingml/2006/compatibility" xmlns:p14="http://schemas.microsoft.com/office/powerpoint/2010/main" xmlns:p15="http://schemas.microsoft.com/office/powerpoint/2012/main" xmlns:ahyp="http://schemas.microsoft.com/office/drawing/2018/hyperlinkcolor" matchingName="Title only" type="titleOnly">
+<p:sldLayout xmlns:a="http://schemas.openxmlformats.org/drawingml/2006/main" xmlns:r="http://schemas.openxmlformats.org/officeDocument/2006/relationships" xmlns:p="http://schemas.openxmlformats.org/presentationml/2006/main" matchingName="Title only" type="titleOnly">
   <p:cSld name="TITLE_ONLY">
     <p:spTree>
       <p:nvGrpSpPr>
-        <p:cNvPr id="29" name="Shape 29"/>
+        <p:cNvPr id="1" name="Shape 29"/>
         <p:cNvGrpSpPr/>
         <p:nvPr/>
       </p:nvGrpSpPr>
@@ -3642,7 +3743,9 @@
       <p:sp>
         <p:nvSpPr>
           <p:cNvPr id="30" name="Google Shape;30;p6"/>
-          <p:cNvSpPr txBox="1"/>
+          <p:cNvSpPr txBox="1">
+            <a:spLocks noGrp="1"/>
+          </p:cNvSpPr>
           <p:nvPr>
             <p:ph type="title"/>
           </p:nvPr>
@@ -3657,7 +3760,7 @@
           </a:prstGeom>
         </p:spPr>
         <p:txBody>
-          <a:bodyPr anchorCtr="0" anchor="t" bIns="91425" lIns="91425" spcFirstLastPara="1" rIns="91425" wrap="square" tIns="91425">
+          <a:bodyPr spcFirstLastPara="1" wrap="square" lIns="91425" tIns="91425" rIns="91425" bIns="91425" anchor="t" anchorCtr="0">
             <a:normAutofit/>
           </a:bodyPr>
           <a:lstStyle>
@@ -3761,15 +3864,19 @@
               <a:defRPr/>
             </a:lvl9pPr>
           </a:lstStyle>
-          <a:p/>
+          <a:p>
+            <a:endParaRPr/>
+          </a:p>
         </p:txBody>
       </p:sp>
       <p:sp>
         <p:nvSpPr>
           <p:cNvPr id="31" name="Google Shape;31;p6"/>
-          <p:cNvSpPr txBox="1"/>
+          <p:cNvSpPr txBox="1">
+            <a:spLocks noGrp="1"/>
+          </p:cNvSpPr>
           <p:nvPr>
-            <p:ph idx="12" type="sldNum"/>
+            <p:ph type="sldNum" idx="12"/>
           </p:nvPr>
         </p:nvSpPr>
         <p:spPr>
@@ -3782,7 +3889,7 @@
           </a:prstGeom>
         </p:spPr>
         <p:txBody>
-          <a:bodyPr anchorCtr="0" anchor="ctr" bIns="91425" lIns="91425" spcFirstLastPara="1" rIns="91425" wrap="square" tIns="91425">
+          <a:bodyPr spcFirstLastPara="1" wrap="square" lIns="91425" tIns="91425" rIns="91425" bIns="91425" anchor="ctr" anchorCtr="0">
             <a:normAutofit/>
           </a:bodyPr>
           <a:lstStyle>
@@ -3824,7 +3931,7 @@
             </a:lvl9pPr>
           </a:lstStyle>
           <a:p>
-            <a:pPr indent="0" lvl="0" marL="0" rtl="0" algn="r">
+            <a:pPr marL="0" lvl="0" indent="0" algn="r" rtl="0">
               <a:spcBef>
                 <a:spcPts val="0"/>
               </a:spcBef>
@@ -3850,11 +3957,11 @@
 </file>
 
 <file path=ppt/slideLayouts/slideLayout6.xml><?xml version="1.0" encoding="utf-8"?>
-<p:sldLayout xmlns:a="http://schemas.openxmlformats.org/drawingml/2006/main" xmlns:r="http://schemas.openxmlformats.org/officeDocument/2006/relationships" xmlns:mc="http://schemas.openxmlformats.org/markup-compatibility/2006" xmlns:mv="urn:schemas-microsoft-com:mac:vml" xmlns:p="http://schemas.openxmlformats.org/presentationml/2006/main" xmlns:c="http://schemas.openxmlformats.org/drawingml/2006/chart" xmlns:dgm="http://schemas.openxmlformats.org/drawingml/2006/diagram" xmlns:o="urn:schemas-microsoft-com:office:office" xmlns:v="urn:schemas-microsoft-com:vml" xmlns:pvml="urn:schemas-microsoft-com:office:powerpoint" xmlns:com="http://schemas.openxmlformats.org/drawingml/2006/compatibility" xmlns:p14="http://schemas.microsoft.com/office/powerpoint/2010/main" xmlns:p15="http://schemas.microsoft.com/office/powerpoint/2012/main" xmlns:ahyp="http://schemas.microsoft.com/office/drawing/2018/hyperlinkcolor" matchingName="One column text">
+<p:sldLayout xmlns:a="http://schemas.openxmlformats.org/drawingml/2006/main" xmlns:r="http://schemas.openxmlformats.org/officeDocument/2006/relationships" xmlns:p="http://schemas.openxmlformats.org/presentationml/2006/main" matchingName="One column text">
   <p:cSld name="ONE_COLUMN_TEXT">
     <p:spTree>
       <p:nvGrpSpPr>
-        <p:cNvPr id="32" name="Shape 32"/>
+        <p:cNvPr id="1" name="Shape 32"/>
         <p:cNvGrpSpPr/>
         <p:nvPr/>
       </p:nvGrpSpPr>
@@ -3869,7 +3976,9 @@
       <p:sp>
         <p:nvSpPr>
           <p:cNvPr id="33" name="Google Shape;33;p7"/>
-          <p:cNvSpPr txBox="1"/>
+          <p:cNvSpPr txBox="1">
+            <a:spLocks noGrp="1"/>
+          </p:cNvSpPr>
           <p:nvPr>
             <p:ph type="title"/>
           </p:nvPr>
@@ -3884,7 +3993,7 @@
           </a:prstGeom>
         </p:spPr>
         <p:txBody>
-          <a:bodyPr anchorCtr="0" anchor="b" bIns="91425" lIns="91425" spcFirstLastPara="1" rIns="91425" wrap="square" tIns="91425">
+          <a:bodyPr spcFirstLastPara="1" wrap="square" lIns="91425" tIns="91425" rIns="91425" bIns="91425" anchor="b" anchorCtr="0">
             <a:normAutofit/>
           </a:bodyPr>
           <a:lstStyle>
@@ -3988,15 +4097,19 @@
               <a:defRPr sz="2400"/>
             </a:lvl9pPr>
           </a:lstStyle>
-          <a:p/>
+          <a:p>
+            <a:endParaRPr/>
+          </a:p>
         </p:txBody>
       </p:sp>
       <p:sp>
         <p:nvSpPr>
           <p:cNvPr id="34" name="Google Shape;34;p7"/>
-          <p:cNvSpPr txBox="1"/>
+          <p:cNvSpPr txBox="1">
+            <a:spLocks noGrp="1"/>
+          </p:cNvSpPr>
           <p:nvPr>
-            <p:ph idx="1" type="body"/>
+            <p:ph type="body" idx="1"/>
           </p:nvPr>
         </p:nvSpPr>
         <p:spPr>
@@ -4009,11 +4122,11 @@
           </a:prstGeom>
         </p:spPr>
         <p:txBody>
-          <a:bodyPr anchorCtr="0" anchor="t" bIns="91425" lIns="91425" spcFirstLastPara="1" rIns="91425" wrap="square" tIns="91425">
+          <a:bodyPr spcFirstLastPara="1" wrap="square" lIns="91425" tIns="91425" rIns="91425" bIns="91425" anchor="t" anchorCtr="0">
             <a:normAutofit/>
           </a:bodyPr>
           <a:lstStyle>
-            <a:lvl1pPr indent="-304800" lvl="0" marL="457200">
+            <a:lvl1pPr marL="457200" lvl="0" indent="-304800">
               <a:spcBef>
                 <a:spcPts val="0"/>
               </a:spcBef>
@@ -4024,7 +4137,7 @@
               <a:buChar char="●"/>
               <a:defRPr sz="1200"/>
             </a:lvl1pPr>
-            <a:lvl2pPr indent="-304800" lvl="1" marL="914400">
+            <a:lvl2pPr marL="914400" lvl="1" indent="-304800">
               <a:spcBef>
                 <a:spcPts val="0"/>
               </a:spcBef>
@@ -4035,7 +4148,7 @@
               <a:buChar char="○"/>
               <a:defRPr sz="1200"/>
             </a:lvl2pPr>
-            <a:lvl3pPr indent="-304800" lvl="2" marL="1371600">
+            <a:lvl3pPr marL="1371600" lvl="2" indent="-304800">
               <a:spcBef>
                 <a:spcPts val="0"/>
               </a:spcBef>
@@ -4046,7 +4159,7 @@
               <a:buChar char="■"/>
               <a:defRPr sz="1200"/>
             </a:lvl3pPr>
-            <a:lvl4pPr indent="-304800" lvl="3" marL="1828800">
+            <a:lvl4pPr marL="1828800" lvl="3" indent="-304800">
               <a:spcBef>
                 <a:spcPts val="0"/>
               </a:spcBef>
@@ -4057,7 +4170,7 @@
               <a:buChar char="●"/>
               <a:defRPr sz="1200"/>
             </a:lvl4pPr>
-            <a:lvl5pPr indent="-304800" lvl="4" marL="2286000">
+            <a:lvl5pPr marL="2286000" lvl="4" indent="-304800">
               <a:spcBef>
                 <a:spcPts val="0"/>
               </a:spcBef>
@@ -4068,7 +4181,7 @@
               <a:buChar char="○"/>
               <a:defRPr sz="1200"/>
             </a:lvl5pPr>
-            <a:lvl6pPr indent="-304800" lvl="5" marL="2743200">
+            <a:lvl6pPr marL="2743200" lvl="5" indent="-304800">
               <a:spcBef>
                 <a:spcPts val="0"/>
               </a:spcBef>
@@ -4079,7 +4192,7 @@
               <a:buChar char="■"/>
               <a:defRPr sz="1200"/>
             </a:lvl6pPr>
-            <a:lvl7pPr indent="-304800" lvl="6" marL="3200400">
+            <a:lvl7pPr marL="3200400" lvl="6" indent="-304800">
               <a:spcBef>
                 <a:spcPts val="0"/>
               </a:spcBef>
@@ -4090,7 +4203,7 @@
               <a:buChar char="●"/>
               <a:defRPr sz="1200"/>
             </a:lvl7pPr>
-            <a:lvl8pPr indent="-304800" lvl="7" marL="3657600">
+            <a:lvl8pPr marL="3657600" lvl="7" indent="-304800">
               <a:spcBef>
                 <a:spcPts val="0"/>
               </a:spcBef>
@@ -4101,7 +4214,7 @@
               <a:buChar char="○"/>
               <a:defRPr sz="1200"/>
             </a:lvl8pPr>
-            <a:lvl9pPr indent="-304800" lvl="8" marL="4114800">
+            <a:lvl9pPr marL="4114800" lvl="8" indent="-304800">
               <a:spcBef>
                 <a:spcPts val="0"/>
               </a:spcBef>
@@ -4113,15 +4226,19 @@
               <a:defRPr sz="1200"/>
             </a:lvl9pPr>
           </a:lstStyle>
-          <a:p/>
+          <a:p>
+            <a:endParaRPr/>
+          </a:p>
         </p:txBody>
       </p:sp>
       <p:sp>
         <p:nvSpPr>
           <p:cNvPr id="35" name="Google Shape;35;p7"/>
-          <p:cNvSpPr txBox="1"/>
+          <p:cNvSpPr txBox="1">
+            <a:spLocks noGrp="1"/>
+          </p:cNvSpPr>
           <p:nvPr>
-            <p:ph idx="12" type="sldNum"/>
+            <p:ph type="sldNum" idx="12"/>
           </p:nvPr>
         </p:nvSpPr>
         <p:spPr>
@@ -4134,7 +4251,7 @@
           </a:prstGeom>
         </p:spPr>
         <p:txBody>
-          <a:bodyPr anchorCtr="0" anchor="ctr" bIns="91425" lIns="91425" spcFirstLastPara="1" rIns="91425" wrap="square" tIns="91425">
+          <a:bodyPr spcFirstLastPara="1" wrap="square" lIns="91425" tIns="91425" rIns="91425" bIns="91425" anchor="ctr" anchorCtr="0">
             <a:normAutofit/>
           </a:bodyPr>
           <a:lstStyle>
@@ -4176,7 +4293,7 @@
             </a:lvl9pPr>
           </a:lstStyle>
           <a:p>
-            <a:pPr indent="0" lvl="0" marL="0" rtl="0" algn="r">
+            <a:pPr marL="0" lvl="0" indent="0" algn="r" rtl="0">
               <a:spcBef>
                 <a:spcPts val="0"/>
               </a:spcBef>
@@ -4202,18 +4319,19 @@
 </file>
 
 <file path=ppt/slideLayouts/slideLayout7.xml><?xml version="1.0" encoding="utf-8"?>
-<p:sldLayout xmlns:a="http://schemas.openxmlformats.org/drawingml/2006/main" xmlns:r="http://schemas.openxmlformats.org/officeDocument/2006/relationships" xmlns:mc="http://schemas.openxmlformats.org/markup-compatibility/2006" xmlns:mv="urn:schemas-microsoft-com:mac:vml" xmlns:p="http://schemas.openxmlformats.org/presentationml/2006/main" xmlns:c="http://schemas.openxmlformats.org/drawingml/2006/chart" xmlns:dgm="http://schemas.openxmlformats.org/drawingml/2006/diagram" xmlns:o="urn:schemas-microsoft-com:office:office" xmlns:v="urn:schemas-microsoft-com:vml" xmlns:pvml="urn:schemas-microsoft-com:office:powerpoint" xmlns:com="http://schemas.openxmlformats.org/drawingml/2006/compatibility" xmlns:p14="http://schemas.microsoft.com/office/powerpoint/2010/main" xmlns:p15="http://schemas.microsoft.com/office/powerpoint/2012/main" xmlns:ahyp="http://schemas.microsoft.com/office/drawing/2018/hyperlinkcolor" matchingName="Main point">
+<p:sldLayout xmlns:a="http://schemas.openxmlformats.org/drawingml/2006/main" xmlns:r="http://schemas.openxmlformats.org/officeDocument/2006/relationships" xmlns:p="http://schemas.openxmlformats.org/presentationml/2006/main" matchingName="Main point">
   <p:cSld name="MAIN_POINT">
     <p:bg>
       <p:bgPr>
         <a:solidFill>
           <a:schemeClr val="lt2"/>
         </a:solidFill>
+        <a:effectLst/>
       </p:bgPr>
     </p:bg>
     <p:spTree>
       <p:nvGrpSpPr>
-        <p:cNvPr id="36" name="Shape 36"/>
+        <p:cNvPr id="1" name="Shape 36"/>
         <p:cNvGrpSpPr/>
         <p:nvPr/>
       </p:nvGrpSpPr>
@@ -4228,7 +4346,9 @@
       <p:sp>
         <p:nvSpPr>
           <p:cNvPr id="37" name="Google Shape;37;p8"/>
-          <p:cNvSpPr txBox="1"/>
+          <p:cNvSpPr txBox="1">
+            <a:spLocks noGrp="1"/>
+          </p:cNvSpPr>
           <p:nvPr>
             <p:ph type="title"/>
           </p:nvPr>
@@ -4243,7 +4363,7 @@
           </a:prstGeom>
         </p:spPr>
         <p:txBody>
-          <a:bodyPr anchorCtr="0" anchor="ctr" bIns="91425" lIns="91425" spcFirstLastPara="1" rIns="91425" wrap="square" tIns="91425">
+          <a:bodyPr spcFirstLastPara="1" wrap="square" lIns="91425" tIns="91425" rIns="91425" bIns="91425" anchor="ctr" anchorCtr="0">
             <a:normAutofit/>
           </a:bodyPr>
           <a:lstStyle>
@@ -4410,15 +4530,19 @@
               </a:defRPr>
             </a:lvl9pPr>
           </a:lstStyle>
-          <a:p/>
+          <a:p>
+            <a:endParaRPr/>
+          </a:p>
         </p:txBody>
       </p:sp>
       <p:sp>
         <p:nvSpPr>
           <p:cNvPr id="38" name="Google Shape;38;p8"/>
-          <p:cNvSpPr txBox="1"/>
+          <p:cNvSpPr txBox="1">
+            <a:spLocks noGrp="1"/>
+          </p:cNvSpPr>
           <p:nvPr>
-            <p:ph idx="12" type="sldNum"/>
+            <p:ph type="sldNum" idx="12"/>
           </p:nvPr>
         </p:nvSpPr>
         <p:spPr>
@@ -4431,7 +4555,7 @@
           </a:prstGeom>
         </p:spPr>
         <p:txBody>
-          <a:bodyPr anchorCtr="0" anchor="ctr" bIns="91425" lIns="91425" spcFirstLastPara="1" rIns="91425" wrap="square" tIns="91425">
+          <a:bodyPr spcFirstLastPara="1" wrap="square" lIns="91425" tIns="91425" rIns="91425" bIns="91425" anchor="ctr" anchorCtr="0">
             <a:normAutofit/>
           </a:bodyPr>
           <a:lstStyle>
@@ -4509,7 +4633,7 @@
             </a:lvl9pPr>
           </a:lstStyle>
           <a:p>
-            <a:pPr indent="0" lvl="0" marL="0" rtl="0" algn="r">
+            <a:pPr marL="0" lvl="0" indent="0" algn="r" rtl="0">
               <a:spcBef>
                 <a:spcPts val="0"/>
               </a:spcBef>
@@ -4535,11 +4659,11 @@
 </file>
 
 <file path=ppt/slideLayouts/slideLayout8.xml><?xml version="1.0" encoding="utf-8"?>
-<p:sldLayout xmlns:a="http://schemas.openxmlformats.org/drawingml/2006/main" xmlns:r="http://schemas.openxmlformats.org/officeDocument/2006/relationships" xmlns:mc="http://schemas.openxmlformats.org/markup-compatibility/2006" xmlns:mv="urn:schemas-microsoft-com:mac:vml" xmlns:p="http://schemas.openxmlformats.org/presentationml/2006/main" xmlns:c="http://schemas.openxmlformats.org/drawingml/2006/chart" xmlns:dgm="http://schemas.openxmlformats.org/drawingml/2006/diagram" xmlns:o="urn:schemas-microsoft-com:office:office" xmlns:v="urn:schemas-microsoft-com:vml" xmlns:pvml="urn:schemas-microsoft-com:office:powerpoint" xmlns:com="http://schemas.openxmlformats.org/drawingml/2006/compatibility" xmlns:p14="http://schemas.microsoft.com/office/powerpoint/2010/main" xmlns:p15="http://schemas.microsoft.com/office/powerpoint/2012/main" xmlns:ahyp="http://schemas.microsoft.com/office/drawing/2018/hyperlinkcolor" matchingName="Section title and description">
+<p:sldLayout xmlns:a="http://schemas.openxmlformats.org/drawingml/2006/main" xmlns:r="http://schemas.openxmlformats.org/officeDocument/2006/relationships" xmlns:p="http://schemas.openxmlformats.org/presentationml/2006/main" matchingName="Section title and description">
   <p:cSld name="SECTION_TITLE_AND_DESCRIPTION">
     <p:spTree>
       <p:nvGrpSpPr>
-        <p:cNvPr id="39" name="Shape 39"/>
+        <p:cNvPr id="1" name="Shape 39"/>
         <p:cNvGrpSpPr/>
         <p:nvPr/>
       </p:nvGrpSpPr>
@@ -4573,12 +4697,12 @@
           </a:ln>
         </p:spPr>
         <p:txBody>
-          <a:bodyPr anchorCtr="0" anchor="ctr" bIns="91425" lIns="91425" spcFirstLastPara="1" rIns="91425" wrap="square" tIns="91425">
+          <a:bodyPr spcFirstLastPara="1" wrap="square" lIns="91425" tIns="91425" rIns="91425" bIns="91425" anchor="ctr" anchorCtr="0">
             <a:noAutofit/>
           </a:bodyPr>
           <a:lstStyle/>
           <a:p>
-            <a:pPr indent="0" lvl="0" marL="0" rtl="0" algn="l">
+            <a:pPr marL="0" lvl="0" indent="0" algn="l" rtl="0">
               <a:spcBef>
                 <a:spcPts val="0"/>
               </a:spcBef>
@@ -4587,9 +4711,6 @@
               </a:spcAft>
               <a:buNone/>
             </a:pPr>
-            <a:r>
-              <a:t/>
-            </a:r>
             <a:endParaRPr/>
           </a:p>
         </p:txBody>
@@ -4609,21 +4730,23 @@
             <a:avLst/>
           </a:prstGeom>
           <a:noFill/>
-          <a:ln cap="flat" cmpd="sng" w="19050">
+          <a:ln w="19050" cap="flat" cmpd="sng">
             <a:solidFill>
               <a:schemeClr val="lt1"/>
             </a:solidFill>
             <a:prstDash val="solid"/>
             <a:round/>
-            <a:headEnd len="sm" w="sm" type="none"/>
-            <a:tailEnd len="sm" w="sm" type="none"/>
+            <a:headEnd type="none" w="sm" len="sm"/>
+            <a:tailEnd type="none" w="sm" len="sm"/>
           </a:ln>
         </p:spPr>
       </p:cxnSp>
       <p:sp>
         <p:nvSpPr>
           <p:cNvPr id="42" name="Google Shape;42;p9"/>
-          <p:cNvSpPr txBox="1"/>
+          <p:cNvSpPr txBox="1">
+            <a:spLocks noGrp="1"/>
+          </p:cNvSpPr>
           <p:nvPr>
             <p:ph type="title"/>
           </p:nvPr>
@@ -4638,7 +4761,7 @@
           </a:prstGeom>
         </p:spPr>
         <p:txBody>
-          <a:bodyPr anchorCtr="0" anchor="b" bIns="91425" lIns="91425" spcFirstLastPara="1" rIns="91425" wrap="square" tIns="91425">
+          <a:bodyPr spcFirstLastPara="1" wrap="square" lIns="91425" tIns="91425" rIns="91425" bIns="91425" anchor="b" anchorCtr="0">
             <a:normAutofit/>
           </a:bodyPr>
           <a:lstStyle>
@@ -4742,15 +4865,19 @@
               <a:defRPr sz="4200"/>
             </a:lvl9pPr>
           </a:lstStyle>
-          <a:p/>
+          <a:p>
+            <a:endParaRPr/>
+          </a:p>
         </p:txBody>
       </p:sp>
       <p:sp>
         <p:nvSpPr>
           <p:cNvPr id="43" name="Google Shape;43;p9"/>
-          <p:cNvSpPr txBox="1"/>
+          <p:cNvSpPr txBox="1">
+            <a:spLocks noGrp="1"/>
+          </p:cNvSpPr>
           <p:nvPr>
-            <p:ph idx="1" type="subTitle"/>
+            <p:ph type="subTitle" idx="1"/>
           </p:nvPr>
         </p:nvSpPr>
         <p:spPr>
@@ -4763,7 +4890,7 @@
           </a:prstGeom>
         </p:spPr>
         <p:txBody>
-          <a:bodyPr anchorCtr="0" anchor="t" bIns="91425" lIns="91425" spcFirstLastPara="1" rIns="91425" wrap="square" tIns="91425">
+          <a:bodyPr spcFirstLastPara="1" wrap="square" lIns="91425" tIns="91425" rIns="91425" bIns="91425" anchor="t" anchorCtr="0">
             <a:normAutofit/>
           </a:bodyPr>
           <a:lstStyle>
@@ -4957,15 +5084,19 @@
               </a:defRPr>
             </a:lvl9pPr>
           </a:lstStyle>
-          <a:p/>
+          <a:p>
+            <a:endParaRPr/>
+          </a:p>
         </p:txBody>
       </p:sp>
       <p:sp>
         <p:nvSpPr>
           <p:cNvPr id="44" name="Google Shape;44;p9"/>
-          <p:cNvSpPr txBox="1"/>
+          <p:cNvSpPr txBox="1">
+            <a:spLocks noGrp="1"/>
+          </p:cNvSpPr>
           <p:nvPr>
-            <p:ph idx="2" type="body"/>
+            <p:ph type="body" idx="2"/>
           </p:nvPr>
         </p:nvSpPr>
         <p:spPr>
@@ -4978,11 +5109,11 @@
           </a:prstGeom>
         </p:spPr>
         <p:txBody>
-          <a:bodyPr anchorCtr="0" anchor="ctr" bIns="91425" lIns="91425" spcFirstLastPara="1" rIns="91425" wrap="square" tIns="91425">
+          <a:bodyPr spcFirstLastPara="1" wrap="square" lIns="91425" tIns="91425" rIns="91425" bIns="91425" anchor="ctr" anchorCtr="0">
             <a:normAutofit/>
           </a:bodyPr>
           <a:lstStyle>
-            <a:lvl1pPr indent="-342900" lvl="0" marL="457200">
+            <a:lvl1pPr marL="457200" lvl="0" indent="-342900">
               <a:spcBef>
                 <a:spcPts val="0"/>
               </a:spcBef>
@@ -5000,7 +5131,7 @@
                 </a:solidFill>
               </a:defRPr>
             </a:lvl1pPr>
-            <a:lvl2pPr indent="-317500" lvl="1" marL="914400">
+            <a:lvl2pPr marL="914400" lvl="1" indent="-317500">
               <a:spcBef>
                 <a:spcPts val="0"/>
               </a:spcBef>
@@ -5018,7 +5149,7 @@
                 </a:solidFill>
               </a:defRPr>
             </a:lvl2pPr>
-            <a:lvl3pPr indent="-317500" lvl="2" marL="1371600">
+            <a:lvl3pPr marL="1371600" lvl="2" indent="-317500">
               <a:spcBef>
                 <a:spcPts val="0"/>
               </a:spcBef>
@@ -5036,7 +5167,7 @@
                 </a:solidFill>
               </a:defRPr>
             </a:lvl3pPr>
-            <a:lvl4pPr indent="-317500" lvl="3" marL="1828800">
+            <a:lvl4pPr marL="1828800" lvl="3" indent="-317500">
               <a:spcBef>
                 <a:spcPts val="0"/>
               </a:spcBef>
@@ -5054,7 +5185,7 @@
                 </a:solidFill>
               </a:defRPr>
             </a:lvl4pPr>
-            <a:lvl5pPr indent="-317500" lvl="4" marL="2286000">
+            <a:lvl5pPr marL="2286000" lvl="4" indent="-317500">
               <a:spcBef>
                 <a:spcPts val="0"/>
               </a:spcBef>
@@ -5072,7 +5203,7 @@
                 </a:solidFill>
               </a:defRPr>
             </a:lvl5pPr>
-            <a:lvl6pPr indent="-317500" lvl="5" marL="2743200">
+            <a:lvl6pPr marL="2743200" lvl="5" indent="-317500">
               <a:spcBef>
                 <a:spcPts val="0"/>
               </a:spcBef>
@@ -5090,7 +5221,7 @@
                 </a:solidFill>
               </a:defRPr>
             </a:lvl6pPr>
-            <a:lvl7pPr indent="-317500" lvl="6" marL="3200400">
+            <a:lvl7pPr marL="3200400" lvl="6" indent="-317500">
               <a:spcBef>
                 <a:spcPts val="0"/>
               </a:spcBef>
@@ -5108,7 +5239,7 @@
                 </a:solidFill>
               </a:defRPr>
             </a:lvl7pPr>
-            <a:lvl8pPr indent="-317500" lvl="7" marL="3657600">
+            <a:lvl8pPr marL="3657600" lvl="7" indent="-317500">
               <a:spcBef>
                 <a:spcPts val="0"/>
               </a:spcBef>
@@ -5126,7 +5257,7 @@
                 </a:solidFill>
               </a:defRPr>
             </a:lvl8pPr>
-            <a:lvl9pPr indent="-317500" lvl="8" marL="4114800">
+            <a:lvl9pPr marL="4114800" lvl="8" indent="-317500">
               <a:spcBef>
                 <a:spcPts val="0"/>
               </a:spcBef>
@@ -5145,15 +5276,19 @@
               </a:defRPr>
             </a:lvl9pPr>
           </a:lstStyle>
-          <a:p/>
+          <a:p>
+            <a:endParaRPr/>
+          </a:p>
         </p:txBody>
       </p:sp>
       <p:sp>
         <p:nvSpPr>
           <p:cNvPr id="45" name="Google Shape;45;p9"/>
-          <p:cNvSpPr txBox="1"/>
+          <p:cNvSpPr txBox="1">
+            <a:spLocks noGrp="1"/>
+          </p:cNvSpPr>
           <p:nvPr>
-            <p:ph idx="12" type="sldNum"/>
+            <p:ph type="sldNum" idx="12"/>
           </p:nvPr>
         </p:nvSpPr>
         <p:spPr>
@@ -5166,7 +5301,7 @@
           </a:prstGeom>
         </p:spPr>
         <p:txBody>
-          <a:bodyPr anchorCtr="0" anchor="ctr" bIns="91425" lIns="91425" spcFirstLastPara="1" rIns="91425" wrap="square" tIns="91425">
+          <a:bodyPr spcFirstLastPara="1" wrap="square" lIns="91425" tIns="91425" rIns="91425" bIns="91425" anchor="ctr" anchorCtr="0">
             <a:normAutofit/>
           </a:bodyPr>
           <a:lstStyle>
@@ -5244,7 +5379,7 @@
             </a:lvl9pPr>
           </a:lstStyle>
           <a:p>
-            <a:pPr indent="0" lvl="0" marL="0" rtl="0" algn="r">
+            <a:pPr marL="0" lvl="0" indent="0" algn="r" rtl="0">
               <a:spcBef>
                 <a:spcPts val="0"/>
               </a:spcBef>
@@ -5270,11 +5405,11 @@
 </file>
 
 <file path=ppt/slideLayouts/slideLayout9.xml><?xml version="1.0" encoding="utf-8"?>
-<p:sldLayout xmlns:a="http://schemas.openxmlformats.org/drawingml/2006/main" xmlns:r="http://schemas.openxmlformats.org/officeDocument/2006/relationships" xmlns:mc="http://schemas.openxmlformats.org/markup-compatibility/2006" xmlns:mv="urn:schemas-microsoft-com:mac:vml" xmlns:p="http://schemas.openxmlformats.org/presentationml/2006/main" xmlns:c="http://schemas.openxmlformats.org/drawingml/2006/chart" xmlns:dgm="http://schemas.openxmlformats.org/drawingml/2006/diagram" xmlns:o="urn:schemas-microsoft-com:office:office" xmlns:v="urn:schemas-microsoft-com:vml" xmlns:pvml="urn:schemas-microsoft-com:office:powerpoint" xmlns:com="http://schemas.openxmlformats.org/drawingml/2006/compatibility" xmlns:p14="http://schemas.microsoft.com/office/powerpoint/2010/main" xmlns:p15="http://schemas.microsoft.com/office/powerpoint/2012/main" xmlns:ahyp="http://schemas.microsoft.com/office/drawing/2018/hyperlinkcolor" matchingName="Caption">
+<p:sldLayout xmlns:a="http://schemas.openxmlformats.org/drawingml/2006/main" xmlns:r="http://schemas.openxmlformats.org/officeDocument/2006/relationships" xmlns:p="http://schemas.openxmlformats.org/presentationml/2006/main" matchingName="Caption">
   <p:cSld name="CAPTION_ONLY">
     <p:spTree>
       <p:nvGrpSpPr>
-        <p:cNvPr id="46" name="Shape 46"/>
+        <p:cNvPr id="1" name="Shape 46"/>
         <p:cNvGrpSpPr/>
         <p:nvPr/>
       </p:nvGrpSpPr>
@@ -5289,9 +5424,11 @@
       <p:sp>
         <p:nvSpPr>
           <p:cNvPr id="47" name="Google Shape;47;p10"/>
-          <p:cNvSpPr txBox="1"/>
+          <p:cNvSpPr txBox="1">
+            <a:spLocks noGrp="1"/>
+          </p:cNvSpPr>
           <p:nvPr>
-            <p:ph idx="1" type="body"/>
+            <p:ph type="body" idx="1"/>
           </p:nvPr>
         </p:nvSpPr>
         <p:spPr>
@@ -5304,11 +5441,11 @@
           </a:prstGeom>
         </p:spPr>
         <p:txBody>
-          <a:bodyPr anchorCtr="0" anchor="ctr" bIns="91425" lIns="91425" spcFirstLastPara="1" rIns="91425" wrap="square" tIns="91425">
+          <a:bodyPr spcFirstLastPara="1" wrap="square" lIns="91425" tIns="91425" rIns="91425" bIns="91425" anchor="ctr" anchorCtr="0">
             <a:normAutofit/>
           </a:bodyPr>
           <a:lstStyle>
-            <a:lvl1pPr indent="-228600" lvl="0" marL="457200">
+            <a:lvl1pPr marL="457200" lvl="0" indent="-228600">
               <a:lnSpc>
                 <a:spcPct val="100000"/>
               </a:lnSpc>
@@ -5335,15 +5472,19 @@
               </a:defRPr>
             </a:lvl1pPr>
           </a:lstStyle>
-          <a:p/>
+          <a:p>
+            <a:endParaRPr/>
+          </a:p>
         </p:txBody>
       </p:sp>
       <p:sp>
         <p:nvSpPr>
           <p:cNvPr id="48" name="Google Shape;48;p10"/>
-          <p:cNvSpPr txBox="1"/>
+          <p:cNvSpPr txBox="1">
+            <a:spLocks noGrp="1"/>
+          </p:cNvSpPr>
           <p:nvPr>
-            <p:ph idx="12" type="sldNum"/>
+            <p:ph type="sldNum" idx="12"/>
           </p:nvPr>
         </p:nvSpPr>
         <p:spPr>
@@ -5356,7 +5497,7 @@
           </a:prstGeom>
         </p:spPr>
         <p:txBody>
-          <a:bodyPr anchorCtr="0" anchor="ctr" bIns="91425" lIns="91425" spcFirstLastPara="1" rIns="91425" wrap="square" tIns="91425">
+          <a:bodyPr spcFirstLastPara="1" wrap="square" lIns="91425" tIns="91425" rIns="91425" bIns="91425" anchor="ctr" anchorCtr="0">
             <a:normAutofit/>
           </a:bodyPr>
           <a:lstStyle>
@@ -5398,7 +5539,7 @@
             </a:lvl9pPr>
           </a:lstStyle>
           <a:p>
-            <a:pPr indent="0" lvl="0" marL="0" rtl="0" algn="r">
+            <a:pPr marL="0" lvl="0" indent="0" algn="r" rtl="0">
               <a:spcBef>
                 <a:spcPts val="0"/>
               </a:spcBef>
@@ -5424,18 +5565,19 @@
 </file>
 
 <file path=ppt/slideMasters/slideMaster1.xml><?xml version="1.0" encoding="utf-8"?>
-<p:sldMaster xmlns:a="http://schemas.openxmlformats.org/drawingml/2006/main" xmlns:r="http://schemas.openxmlformats.org/officeDocument/2006/relationships" xmlns:mc="http://schemas.openxmlformats.org/markup-compatibility/2006" xmlns:mv="urn:schemas-microsoft-com:mac:vml" xmlns:p="http://schemas.openxmlformats.org/presentationml/2006/main" xmlns:c="http://schemas.openxmlformats.org/drawingml/2006/chart" xmlns:dgm="http://schemas.openxmlformats.org/drawingml/2006/diagram" xmlns:o="urn:schemas-microsoft-com:office:office" xmlns:v="urn:schemas-microsoft-com:vml" xmlns:pvml="urn:schemas-microsoft-com:office:powerpoint" xmlns:com="http://schemas.openxmlformats.org/drawingml/2006/compatibility" xmlns:p14="http://schemas.microsoft.com/office/powerpoint/2010/main" xmlns:p15="http://schemas.microsoft.com/office/powerpoint/2012/main" xmlns:ahyp="http://schemas.microsoft.com/office/drawing/2018/hyperlinkcolor">
+<p:sldMaster xmlns:a="http://schemas.openxmlformats.org/drawingml/2006/main" xmlns:r="http://schemas.openxmlformats.org/officeDocument/2006/relationships" xmlns:p="http://schemas.openxmlformats.org/presentationml/2006/main">
   <p:cSld name="slate">
     <p:bg>
       <p:bgPr>
         <a:solidFill>
           <a:schemeClr val="lt1"/>
         </a:solidFill>
+        <a:effectLst/>
       </p:bgPr>
     </p:bg>
     <p:spTree>
       <p:nvGrpSpPr>
-        <p:cNvPr id="5" name="Shape 5"/>
+        <p:cNvPr id="1" name="Shape 5"/>
         <p:cNvGrpSpPr/>
         <p:nvPr/>
       </p:nvGrpSpPr>
@@ -5450,7 +5592,9 @@
       <p:sp>
         <p:nvSpPr>
           <p:cNvPr id="6" name="Google Shape;6;p1"/>
-          <p:cNvSpPr txBox="1"/>
+          <p:cNvSpPr txBox="1">
+            <a:spLocks noGrp="1"/>
+          </p:cNvSpPr>
           <p:nvPr>
             <p:ph type="title"/>
           </p:nvPr>
@@ -5469,7 +5613,7 @@
           </a:ln>
         </p:spPr>
         <p:txBody>
-          <a:bodyPr anchorCtr="0" anchor="t" bIns="91425" lIns="91425" spcFirstLastPara="1" rIns="91425" wrap="square" tIns="91425">
+          <a:bodyPr spcFirstLastPara="1" wrap="square" lIns="91425" tIns="91425" rIns="91425" bIns="91425" anchor="t" anchorCtr="0">
             <a:normAutofit/>
           </a:bodyPr>
           <a:lstStyle>
@@ -5681,15 +5825,19 @@
               </a:defRPr>
             </a:lvl9pPr>
           </a:lstStyle>
-          <a:p/>
+          <a:p>
+            <a:endParaRPr/>
+          </a:p>
         </p:txBody>
       </p:sp>
       <p:sp>
         <p:nvSpPr>
           <p:cNvPr id="7" name="Google Shape;7;p1"/>
-          <p:cNvSpPr txBox="1"/>
+          <p:cNvSpPr txBox="1">
+            <a:spLocks noGrp="1"/>
+          </p:cNvSpPr>
           <p:nvPr>
-            <p:ph idx="1" type="body"/>
+            <p:ph type="body" idx="1"/>
           </p:nvPr>
         </p:nvSpPr>
         <p:spPr>
@@ -5706,11 +5854,11 @@
           </a:ln>
         </p:spPr>
         <p:txBody>
-          <a:bodyPr anchorCtr="0" anchor="t" bIns="91425" lIns="91425" spcFirstLastPara="1" rIns="91425" wrap="square" tIns="91425">
+          <a:bodyPr spcFirstLastPara="1" wrap="square" lIns="91425" tIns="91425" rIns="91425" bIns="91425" anchor="t" anchorCtr="0">
             <a:normAutofit/>
           </a:bodyPr>
           <a:lstStyle>
-            <a:lvl1pPr indent="-342900" lvl="0" marL="457200">
+            <a:lvl1pPr marL="457200" lvl="0" indent="-342900">
               <a:lnSpc>
                 <a:spcPct val="115000"/>
               </a:lnSpc>
@@ -5736,7 +5884,7 @@
                 <a:sym typeface="Average"/>
               </a:defRPr>
             </a:lvl1pPr>
-            <a:lvl2pPr indent="-317500" lvl="1" marL="914400">
+            <a:lvl2pPr marL="914400" lvl="1" indent="-317500">
               <a:lnSpc>
                 <a:spcPct val="115000"/>
               </a:lnSpc>
@@ -5762,7 +5910,7 @@
                 <a:sym typeface="Average"/>
               </a:defRPr>
             </a:lvl2pPr>
-            <a:lvl3pPr indent="-317500" lvl="2" marL="1371600">
+            <a:lvl3pPr marL="1371600" lvl="2" indent="-317500">
               <a:lnSpc>
                 <a:spcPct val="115000"/>
               </a:lnSpc>
@@ -5788,7 +5936,7 @@
                 <a:sym typeface="Average"/>
               </a:defRPr>
             </a:lvl3pPr>
-            <a:lvl4pPr indent="-317500" lvl="3" marL="1828800">
+            <a:lvl4pPr marL="1828800" lvl="3" indent="-317500">
               <a:lnSpc>
                 <a:spcPct val="115000"/>
               </a:lnSpc>
@@ -5814,7 +5962,7 @@
                 <a:sym typeface="Average"/>
               </a:defRPr>
             </a:lvl4pPr>
-            <a:lvl5pPr indent="-317500" lvl="4" marL="2286000">
+            <a:lvl5pPr marL="2286000" lvl="4" indent="-317500">
               <a:lnSpc>
                 <a:spcPct val="115000"/>
               </a:lnSpc>
@@ -5840,7 +5988,7 @@
                 <a:sym typeface="Average"/>
               </a:defRPr>
             </a:lvl5pPr>
-            <a:lvl6pPr indent="-317500" lvl="5" marL="2743200">
+            <a:lvl6pPr marL="2743200" lvl="5" indent="-317500">
               <a:lnSpc>
                 <a:spcPct val="115000"/>
               </a:lnSpc>
@@ -5866,7 +6014,7 @@
                 <a:sym typeface="Average"/>
               </a:defRPr>
             </a:lvl6pPr>
-            <a:lvl7pPr indent="-317500" lvl="6" marL="3200400">
+            <a:lvl7pPr marL="3200400" lvl="6" indent="-317500">
               <a:lnSpc>
                 <a:spcPct val="115000"/>
               </a:lnSpc>
@@ -5892,7 +6040,7 @@
                 <a:sym typeface="Average"/>
               </a:defRPr>
             </a:lvl7pPr>
-            <a:lvl8pPr indent="-317500" lvl="7" marL="3657600">
+            <a:lvl8pPr marL="3657600" lvl="7" indent="-317500">
               <a:lnSpc>
                 <a:spcPct val="115000"/>
               </a:lnSpc>
@@ -5918,7 +6066,7 @@
                 <a:sym typeface="Average"/>
               </a:defRPr>
             </a:lvl8pPr>
-            <a:lvl9pPr indent="-317500" lvl="8" marL="4114800">
+            <a:lvl9pPr marL="4114800" lvl="8" indent="-317500">
               <a:lnSpc>
                 <a:spcPct val="115000"/>
               </a:lnSpc>
@@ -5945,15 +6093,19 @@
               </a:defRPr>
             </a:lvl9pPr>
           </a:lstStyle>
-          <a:p/>
+          <a:p>
+            <a:endParaRPr/>
+          </a:p>
         </p:txBody>
       </p:sp>
       <p:sp>
         <p:nvSpPr>
           <p:cNvPr id="8" name="Google Shape;8;p1"/>
-          <p:cNvSpPr txBox="1"/>
+          <p:cNvSpPr txBox="1">
+            <a:spLocks noGrp="1"/>
+          </p:cNvSpPr>
           <p:nvPr>
-            <p:ph idx="12" type="sldNum"/>
+            <p:ph type="sldNum" idx="12"/>
           </p:nvPr>
         </p:nvSpPr>
         <p:spPr>
@@ -5970,7 +6122,7 @@
           </a:ln>
         </p:spPr>
         <p:txBody>
-          <a:bodyPr anchorCtr="0" anchor="ctr" bIns="91425" lIns="91425" spcFirstLastPara="1" rIns="91425" wrap="square" tIns="91425">
+          <a:bodyPr spcFirstLastPara="1" wrap="square" lIns="91425" tIns="91425" rIns="91425" bIns="91425" anchor="ctr" anchorCtr="0">
             <a:normAutofit/>
           </a:bodyPr>
           <a:lstStyle>
@@ -6084,7 +6236,7 @@
             </a:lvl9pPr>
           </a:lstStyle>
           <a:p>
-            <a:pPr indent="0" lvl="0" marL="0" rtl="0" algn="r">
+            <a:pPr marL="0" lvl="0" indent="0" algn="r" rtl="0">
               <a:spcBef>
                 <a:spcPts val="0"/>
               </a:spcBef>
@@ -6103,7 +6255,7 @@
       </p:sp>
     </p:spTree>
   </p:cSld>
-  <p:clrMap accent1="accent1" accent2="accent2" accent3="accent3" accent4="accent4" accent5="accent5" accent6="accent6" bg1="lt1" bg2="dk2" tx1="dk1" tx2="lt2" folHlink="folHlink" hlink="hlink"/>
+  <p:clrMap bg1="lt1" tx1="dk1" bg2="dk2" tx2="lt2" accent1="accent1" accent2="accent2" accent3="accent3" accent4="accent4" accent5="accent5" accent6="accent6" hlink="hlink" folHlink="folHlink"/>
   <p:sldLayoutIdLst>
     <p:sldLayoutId id="2147483648" r:id="rId1"/>
     <p:sldLayoutId id="2147483649" r:id="rId2"/>
@@ -6117,10 +6269,10 @@
     <p:sldLayoutId id="2147483657" r:id="rId10"/>
     <p:sldLayoutId id="2147483658" r:id="rId11"/>
   </p:sldLayoutIdLst>
-  <p:hf dt="0" ftr="0" hdr="0" sldNum="0"/>
+  <p:hf sldNum="0" hdr="0" ftr="0" dt="0"/>
   <p:txStyles>
     <p:titleStyle>
-      <a:defPPr lvl="0" marR="0" rtl="0" algn="l">
+      <a:defPPr marR="0" lvl="0" algn="l" rtl="0">
         <a:lnSpc>
           <a:spcPct val="100000"/>
         </a:lnSpc>
@@ -6131,7 +6283,7 @@
           <a:spcPts val="0"/>
         </a:spcAft>
       </a:defPPr>
-      <a:lvl1pPr lvl="0" marR="0" rtl="0" algn="l">
+      <a:lvl1pPr marR="0" lvl="0" algn="l" rtl="0">
         <a:lnSpc>
           <a:spcPct val="100000"/>
         </a:lnSpc>
@@ -6145,7 +6297,7 @@
           <a:srgbClr val="000000"/>
         </a:buClr>
         <a:buFont typeface="Arial"/>
-        <a:defRPr b="0" i="0" sz="1400" u="none" cap="none" strike="noStrike">
+        <a:defRPr sz="1400" b="0" i="0" u="none" strike="noStrike" cap="none">
           <a:solidFill>
             <a:srgbClr val="000000"/>
           </a:solidFill>
@@ -6155,7 +6307,7 @@
           <a:sym typeface="Arial"/>
         </a:defRPr>
       </a:lvl1pPr>
-      <a:lvl2pPr lvl="1" marR="0" rtl="0" algn="l">
+      <a:lvl2pPr marR="0" lvl="1" algn="l" rtl="0">
         <a:lnSpc>
           <a:spcPct val="100000"/>
         </a:lnSpc>
@@ -6169,7 +6321,7 @@
           <a:srgbClr val="000000"/>
         </a:buClr>
         <a:buFont typeface="Arial"/>
-        <a:defRPr b="0" i="0" sz="1400" u="none" cap="none" strike="noStrike">
+        <a:defRPr sz="1400" b="0" i="0" u="none" strike="noStrike" cap="none">
           <a:solidFill>
             <a:srgbClr val="000000"/>
           </a:solidFill>
@@ -6179,7 +6331,7 @@
           <a:sym typeface="Arial"/>
         </a:defRPr>
       </a:lvl2pPr>
-      <a:lvl3pPr lvl="2" marR="0" rtl="0" algn="l">
+      <a:lvl3pPr marR="0" lvl="2" algn="l" rtl="0">
         <a:lnSpc>
           <a:spcPct val="100000"/>
         </a:lnSpc>
@@ -6193,7 +6345,7 @@
           <a:srgbClr val="000000"/>
         </a:buClr>
         <a:buFont typeface="Arial"/>
-        <a:defRPr b="0" i="0" sz="1400" u="none" cap="none" strike="noStrike">
+        <a:defRPr sz="1400" b="0" i="0" u="none" strike="noStrike" cap="none">
           <a:solidFill>
             <a:srgbClr val="000000"/>
           </a:solidFill>
@@ -6203,7 +6355,7 @@
           <a:sym typeface="Arial"/>
         </a:defRPr>
       </a:lvl3pPr>
-      <a:lvl4pPr lvl="3" marR="0" rtl="0" algn="l">
+      <a:lvl4pPr marR="0" lvl="3" algn="l" rtl="0">
         <a:lnSpc>
           <a:spcPct val="100000"/>
         </a:lnSpc>
@@ -6217,7 +6369,7 @@
           <a:srgbClr val="000000"/>
         </a:buClr>
         <a:buFont typeface="Arial"/>
-        <a:defRPr b="0" i="0" sz="1400" u="none" cap="none" strike="noStrike">
+        <a:defRPr sz="1400" b="0" i="0" u="none" strike="noStrike" cap="none">
           <a:solidFill>
             <a:srgbClr val="000000"/>
           </a:solidFill>
@@ -6227,7 +6379,7 @@
           <a:sym typeface="Arial"/>
         </a:defRPr>
       </a:lvl4pPr>
-      <a:lvl5pPr lvl="4" marR="0" rtl="0" algn="l">
+      <a:lvl5pPr marR="0" lvl="4" algn="l" rtl="0">
         <a:lnSpc>
           <a:spcPct val="100000"/>
         </a:lnSpc>
@@ -6241,7 +6393,7 @@
           <a:srgbClr val="000000"/>
         </a:buClr>
         <a:buFont typeface="Arial"/>
-        <a:defRPr b="0" i="0" sz="1400" u="none" cap="none" strike="noStrike">
+        <a:defRPr sz="1400" b="0" i="0" u="none" strike="noStrike" cap="none">
           <a:solidFill>
             <a:srgbClr val="000000"/>
           </a:solidFill>
@@ -6251,7 +6403,7 @@
           <a:sym typeface="Arial"/>
         </a:defRPr>
       </a:lvl5pPr>
-      <a:lvl6pPr lvl="5" marR="0" rtl="0" algn="l">
+      <a:lvl6pPr marR="0" lvl="5" algn="l" rtl="0">
         <a:lnSpc>
           <a:spcPct val="100000"/>
         </a:lnSpc>
@@ -6265,7 +6417,7 @@
           <a:srgbClr val="000000"/>
         </a:buClr>
         <a:buFont typeface="Arial"/>
-        <a:defRPr b="0" i="0" sz="1400" u="none" cap="none" strike="noStrike">
+        <a:defRPr sz="1400" b="0" i="0" u="none" strike="noStrike" cap="none">
           <a:solidFill>
             <a:srgbClr val="000000"/>
           </a:solidFill>
@@ -6275,7 +6427,7 @@
           <a:sym typeface="Arial"/>
         </a:defRPr>
       </a:lvl6pPr>
-      <a:lvl7pPr lvl="6" marR="0" rtl="0" algn="l">
+      <a:lvl7pPr marR="0" lvl="6" algn="l" rtl="0">
         <a:lnSpc>
           <a:spcPct val="100000"/>
         </a:lnSpc>
@@ -6289,7 +6441,7 @@
           <a:srgbClr val="000000"/>
         </a:buClr>
         <a:buFont typeface="Arial"/>
-        <a:defRPr b="0" i="0" sz="1400" u="none" cap="none" strike="noStrike">
+        <a:defRPr sz="1400" b="0" i="0" u="none" strike="noStrike" cap="none">
           <a:solidFill>
             <a:srgbClr val="000000"/>
           </a:solidFill>
@@ -6299,7 +6451,7 @@
           <a:sym typeface="Arial"/>
         </a:defRPr>
       </a:lvl7pPr>
-      <a:lvl8pPr lvl="7" marR="0" rtl="0" algn="l">
+      <a:lvl8pPr marR="0" lvl="7" algn="l" rtl="0">
         <a:lnSpc>
           <a:spcPct val="100000"/>
         </a:lnSpc>
@@ -6313,7 +6465,7 @@
           <a:srgbClr val="000000"/>
         </a:buClr>
         <a:buFont typeface="Arial"/>
-        <a:defRPr b="0" i="0" sz="1400" u="none" cap="none" strike="noStrike">
+        <a:defRPr sz="1400" b="0" i="0" u="none" strike="noStrike" cap="none">
           <a:solidFill>
             <a:srgbClr val="000000"/>
           </a:solidFill>
@@ -6323,7 +6475,7 @@
           <a:sym typeface="Arial"/>
         </a:defRPr>
       </a:lvl8pPr>
-      <a:lvl9pPr lvl="8" marR="0" rtl="0" algn="l">
+      <a:lvl9pPr marR="0" lvl="8" algn="l" rtl="0">
         <a:lnSpc>
           <a:spcPct val="100000"/>
         </a:lnSpc>
@@ -6337,7 +6489,7 @@
           <a:srgbClr val="000000"/>
         </a:buClr>
         <a:buFont typeface="Arial"/>
-        <a:defRPr b="0" i="0" sz="1400" u="none" cap="none" strike="noStrike">
+        <a:defRPr sz="1400" b="0" i="0" u="none" strike="noStrike" cap="none">
           <a:solidFill>
             <a:srgbClr val="000000"/>
           </a:solidFill>
@@ -6349,7 +6501,7 @@
       </a:lvl9pPr>
     </p:titleStyle>
     <p:bodyStyle>
-      <a:defPPr lvl="0" marR="0" rtl="0" algn="l">
+      <a:defPPr marR="0" lvl="0" algn="l" rtl="0">
         <a:lnSpc>
           <a:spcPct val="100000"/>
         </a:lnSpc>
@@ -6360,7 +6512,7 @@
           <a:spcPts val="0"/>
         </a:spcAft>
       </a:defPPr>
-      <a:lvl1pPr lvl="0" marR="0" rtl="0" algn="l">
+      <a:lvl1pPr marR="0" lvl="0" algn="l" rtl="0">
         <a:lnSpc>
           <a:spcPct val="100000"/>
         </a:lnSpc>
@@ -6374,7 +6526,7 @@
           <a:srgbClr val="000000"/>
         </a:buClr>
         <a:buFont typeface="Arial"/>
-        <a:defRPr b="0" i="0" sz="1400" u="none" cap="none" strike="noStrike">
+        <a:defRPr sz="1400" b="0" i="0" u="none" strike="noStrike" cap="none">
           <a:solidFill>
             <a:srgbClr val="000000"/>
           </a:solidFill>
@@ -6384,7 +6536,7 @@
           <a:sym typeface="Arial"/>
         </a:defRPr>
       </a:lvl1pPr>
-      <a:lvl2pPr lvl="1" marR="0" rtl="0" algn="l">
+      <a:lvl2pPr marR="0" lvl="1" algn="l" rtl="0">
         <a:lnSpc>
           <a:spcPct val="100000"/>
         </a:lnSpc>
@@ -6398,7 +6550,7 @@
           <a:srgbClr val="000000"/>
         </a:buClr>
         <a:buFont typeface="Arial"/>
-        <a:defRPr b="0" i="0" sz="1400" u="none" cap="none" strike="noStrike">
+        <a:defRPr sz="1400" b="0" i="0" u="none" strike="noStrike" cap="none">
           <a:solidFill>
             <a:srgbClr val="000000"/>
           </a:solidFill>
@@ -6408,7 +6560,7 @@
           <a:sym typeface="Arial"/>
         </a:defRPr>
       </a:lvl2pPr>
-      <a:lvl3pPr lvl="2" marR="0" rtl="0" algn="l">
+      <a:lvl3pPr marR="0" lvl="2" algn="l" rtl="0">
         <a:lnSpc>
           <a:spcPct val="100000"/>
         </a:lnSpc>
@@ -6422,7 +6574,7 @@
           <a:srgbClr val="000000"/>
         </a:buClr>
         <a:buFont typeface="Arial"/>
-        <a:defRPr b="0" i="0" sz="1400" u="none" cap="none" strike="noStrike">
+        <a:defRPr sz="1400" b="0" i="0" u="none" strike="noStrike" cap="none">
           <a:solidFill>
             <a:srgbClr val="000000"/>
           </a:solidFill>
@@ -6432,7 +6584,7 @@
           <a:sym typeface="Arial"/>
         </a:defRPr>
       </a:lvl3pPr>
-      <a:lvl4pPr lvl="3" marR="0" rtl="0" algn="l">
+      <a:lvl4pPr marR="0" lvl="3" algn="l" rtl="0">
         <a:lnSpc>
           <a:spcPct val="100000"/>
         </a:lnSpc>
@@ -6446,7 +6598,7 @@
           <a:srgbClr val="000000"/>
         </a:buClr>
         <a:buFont typeface="Arial"/>
-        <a:defRPr b="0" i="0" sz="1400" u="none" cap="none" strike="noStrike">
+        <a:defRPr sz="1400" b="0" i="0" u="none" strike="noStrike" cap="none">
           <a:solidFill>
             <a:srgbClr val="000000"/>
           </a:solidFill>
@@ -6456,7 +6608,7 @@
           <a:sym typeface="Arial"/>
         </a:defRPr>
       </a:lvl4pPr>
-      <a:lvl5pPr lvl="4" marR="0" rtl="0" algn="l">
+      <a:lvl5pPr marR="0" lvl="4" algn="l" rtl="0">
         <a:lnSpc>
           <a:spcPct val="100000"/>
         </a:lnSpc>
@@ -6470,7 +6622,7 @@
           <a:srgbClr val="000000"/>
         </a:buClr>
         <a:buFont typeface="Arial"/>
-        <a:defRPr b="0" i="0" sz="1400" u="none" cap="none" strike="noStrike">
+        <a:defRPr sz="1400" b="0" i="0" u="none" strike="noStrike" cap="none">
           <a:solidFill>
             <a:srgbClr val="000000"/>
           </a:solidFill>
@@ -6480,7 +6632,7 @@
           <a:sym typeface="Arial"/>
         </a:defRPr>
       </a:lvl5pPr>
-      <a:lvl6pPr lvl="5" marR="0" rtl="0" algn="l">
+      <a:lvl6pPr marR="0" lvl="5" algn="l" rtl="0">
         <a:lnSpc>
           <a:spcPct val="100000"/>
         </a:lnSpc>
@@ -6494,7 +6646,7 @@
           <a:srgbClr val="000000"/>
         </a:buClr>
         <a:buFont typeface="Arial"/>
-        <a:defRPr b="0" i="0" sz="1400" u="none" cap="none" strike="noStrike">
+        <a:defRPr sz="1400" b="0" i="0" u="none" strike="noStrike" cap="none">
           <a:solidFill>
             <a:srgbClr val="000000"/>
           </a:solidFill>
@@ -6504,7 +6656,7 @@
           <a:sym typeface="Arial"/>
         </a:defRPr>
       </a:lvl6pPr>
-      <a:lvl7pPr lvl="6" marR="0" rtl="0" algn="l">
+      <a:lvl7pPr marR="0" lvl="6" algn="l" rtl="0">
         <a:lnSpc>
           <a:spcPct val="100000"/>
         </a:lnSpc>
@@ -6518,7 +6670,7 @@
           <a:srgbClr val="000000"/>
         </a:buClr>
         <a:buFont typeface="Arial"/>
-        <a:defRPr b="0" i="0" sz="1400" u="none" cap="none" strike="noStrike">
+        <a:defRPr sz="1400" b="0" i="0" u="none" strike="noStrike" cap="none">
           <a:solidFill>
             <a:srgbClr val="000000"/>
           </a:solidFill>
@@ -6528,7 +6680,7 @@
           <a:sym typeface="Arial"/>
         </a:defRPr>
       </a:lvl7pPr>
-      <a:lvl8pPr lvl="7" marR="0" rtl="0" algn="l">
+      <a:lvl8pPr marR="0" lvl="7" algn="l" rtl="0">
         <a:lnSpc>
           <a:spcPct val="100000"/>
         </a:lnSpc>
@@ -6542,7 +6694,7 @@
           <a:srgbClr val="000000"/>
         </a:buClr>
         <a:buFont typeface="Arial"/>
-        <a:defRPr b="0" i="0" sz="1400" u="none" cap="none" strike="noStrike">
+        <a:defRPr sz="1400" b="0" i="0" u="none" strike="noStrike" cap="none">
           <a:solidFill>
             <a:srgbClr val="000000"/>
           </a:solidFill>
@@ -6552,7 +6704,7 @@
           <a:sym typeface="Arial"/>
         </a:defRPr>
       </a:lvl8pPr>
-      <a:lvl9pPr lvl="8" marR="0" rtl="0" algn="l">
+      <a:lvl9pPr marR="0" lvl="8" algn="l" rtl="0">
         <a:lnSpc>
           <a:spcPct val="100000"/>
         </a:lnSpc>
@@ -6566,7 +6718,7 @@
           <a:srgbClr val="000000"/>
         </a:buClr>
         <a:buFont typeface="Arial"/>
-        <a:defRPr b="0" i="0" sz="1400" u="none" cap="none" strike="noStrike">
+        <a:defRPr sz="1400" b="0" i="0" u="none" strike="noStrike" cap="none">
           <a:solidFill>
             <a:srgbClr val="000000"/>
           </a:solidFill>
@@ -6578,7 +6730,7 @@
       </a:lvl9pPr>
     </p:bodyStyle>
     <p:otherStyle>
-      <a:defPPr lvl="0" marR="0" rtl="0" algn="l">
+      <a:defPPr marR="0" lvl="0" algn="l" rtl="0">
         <a:lnSpc>
           <a:spcPct val="100000"/>
         </a:lnSpc>
@@ -6589,7 +6741,7 @@
           <a:spcPts val="0"/>
         </a:spcAft>
       </a:defPPr>
-      <a:lvl1pPr lvl="0" marR="0" rtl="0" algn="l">
+      <a:lvl1pPr marR="0" lvl="0" algn="l" rtl="0">
         <a:lnSpc>
           <a:spcPct val="100000"/>
         </a:lnSpc>
@@ -6603,7 +6755,7 @@
           <a:srgbClr val="000000"/>
         </a:buClr>
         <a:buFont typeface="Arial"/>
-        <a:defRPr b="0" i="0" sz="1400" u="none" cap="none" strike="noStrike">
+        <a:defRPr sz="1400" b="0" i="0" u="none" strike="noStrike" cap="none">
           <a:solidFill>
             <a:srgbClr val="000000"/>
           </a:solidFill>
@@ -6613,7 +6765,7 @@
           <a:sym typeface="Arial"/>
         </a:defRPr>
       </a:lvl1pPr>
-      <a:lvl2pPr lvl="1" marR="0" rtl="0" algn="l">
+      <a:lvl2pPr marR="0" lvl="1" algn="l" rtl="0">
         <a:lnSpc>
           <a:spcPct val="100000"/>
         </a:lnSpc>
@@ -6627,7 +6779,7 @@
           <a:srgbClr val="000000"/>
         </a:buClr>
         <a:buFont typeface="Arial"/>
-        <a:defRPr b="0" i="0" sz="1400" u="none" cap="none" strike="noStrike">
+        <a:defRPr sz="1400" b="0" i="0" u="none" strike="noStrike" cap="none">
           <a:solidFill>
             <a:srgbClr val="000000"/>
           </a:solidFill>
@@ -6637,7 +6789,7 @@
           <a:sym typeface="Arial"/>
         </a:defRPr>
       </a:lvl2pPr>
-      <a:lvl3pPr lvl="2" marR="0" rtl="0" algn="l">
+      <a:lvl3pPr marR="0" lvl="2" algn="l" rtl="0">
         <a:lnSpc>
           <a:spcPct val="100000"/>
         </a:lnSpc>
@@ -6651,7 +6803,7 @@
           <a:srgbClr val="000000"/>
         </a:buClr>
         <a:buFont typeface="Arial"/>
-        <a:defRPr b="0" i="0" sz="1400" u="none" cap="none" strike="noStrike">
+        <a:defRPr sz="1400" b="0" i="0" u="none" strike="noStrike" cap="none">
           <a:solidFill>
             <a:srgbClr val="000000"/>
           </a:solidFill>
@@ -6661,7 +6813,7 @@
           <a:sym typeface="Arial"/>
         </a:defRPr>
       </a:lvl3pPr>
-      <a:lvl4pPr lvl="3" marR="0" rtl="0" algn="l">
+      <a:lvl4pPr marR="0" lvl="3" algn="l" rtl="0">
         <a:lnSpc>
           <a:spcPct val="100000"/>
         </a:lnSpc>
@@ -6675,7 +6827,7 @@
           <a:srgbClr val="000000"/>
         </a:buClr>
         <a:buFont typeface="Arial"/>
-        <a:defRPr b="0" i="0" sz="1400" u="none" cap="none" strike="noStrike">
+        <a:defRPr sz="1400" b="0" i="0" u="none" strike="noStrike" cap="none">
           <a:solidFill>
             <a:srgbClr val="000000"/>
           </a:solidFill>
@@ -6685,7 +6837,7 @@
           <a:sym typeface="Arial"/>
         </a:defRPr>
       </a:lvl4pPr>
-      <a:lvl5pPr lvl="4" marR="0" rtl="0" algn="l">
+      <a:lvl5pPr marR="0" lvl="4" algn="l" rtl="0">
         <a:lnSpc>
           <a:spcPct val="100000"/>
         </a:lnSpc>
@@ -6699,7 +6851,7 @@
           <a:srgbClr val="000000"/>
         </a:buClr>
         <a:buFont typeface="Arial"/>
-        <a:defRPr b="0" i="0" sz="1400" u="none" cap="none" strike="noStrike">
+        <a:defRPr sz="1400" b="0" i="0" u="none" strike="noStrike" cap="none">
           <a:solidFill>
             <a:srgbClr val="000000"/>
           </a:solidFill>
@@ -6709,7 +6861,7 @@
           <a:sym typeface="Arial"/>
         </a:defRPr>
       </a:lvl5pPr>
-      <a:lvl6pPr lvl="5" marR="0" rtl="0" algn="l">
+      <a:lvl6pPr marR="0" lvl="5" algn="l" rtl="0">
         <a:lnSpc>
           <a:spcPct val="100000"/>
         </a:lnSpc>
@@ -6723,7 +6875,7 @@
           <a:srgbClr val="000000"/>
         </a:buClr>
         <a:buFont typeface="Arial"/>
-        <a:defRPr b="0" i="0" sz="1400" u="none" cap="none" strike="noStrike">
+        <a:defRPr sz="1400" b="0" i="0" u="none" strike="noStrike" cap="none">
           <a:solidFill>
             <a:srgbClr val="000000"/>
           </a:solidFill>
@@ -6733,7 +6885,7 @@
           <a:sym typeface="Arial"/>
         </a:defRPr>
       </a:lvl6pPr>
-      <a:lvl7pPr lvl="6" marR="0" rtl="0" algn="l">
+      <a:lvl7pPr marR="0" lvl="6" algn="l" rtl="0">
         <a:lnSpc>
           <a:spcPct val="100000"/>
         </a:lnSpc>
@@ -6747,7 +6899,7 @@
           <a:srgbClr val="000000"/>
         </a:buClr>
         <a:buFont typeface="Arial"/>
-        <a:defRPr b="0" i="0" sz="1400" u="none" cap="none" strike="noStrike">
+        <a:defRPr sz="1400" b="0" i="0" u="none" strike="noStrike" cap="none">
           <a:solidFill>
             <a:srgbClr val="000000"/>
           </a:solidFill>
@@ -6757,7 +6909,7 @@
           <a:sym typeface="Arial"/>
         </a:defRPr>
       </a:lvl7pPr>
-      <a:lvl8pPr lvl="7" marR="0" rtl="0" algn="l">
+      <a:lvl8pPr marR="0" lvl="7" algn="l" rtl="0">
         <a:lnSpc>
           <a:spcPct val="100000"/>
         </a:lnSpc>
@@ -6771,7 +6923,7 @@
           <a:srgbClr val="000000"/>
         </a:buClr>
         <a:buFont typeface="Arial"/>
-        <a:defRPr b="0" i="0" sz="1400" u="none" cap="none" strike="noStrike">
+        <a:defRPr sz="1400" b="0" i="0" u="none" strike="noStrike" cap="none">
           <a:solidFill>
             <a:srgbClr val="000000"/>
           </a:solidFill>
@@ -6781,7 +6933,7 @@
           <a:sym typeface="Arial"/>
         </a:defRPr>
       </a:lvl8pPr>
-      <a:lvl9pPr lvl="8" marR="0" rtl="0" algn="l">
+      <a:lvl9pPr marR="0" lvl="8" algn="l" rtl="0">
         <a:lnSpc>
           <a:spcPct val="100000"/>
         </a:lnSpc>
@@ -6795,7 +6947,7 @@
           <a:srgbClr val="000000"/>
         </a:buClr>
         <a:buFont typeface="Arial"/>
-        <a:defRPr b="0" i="0" sz="1400" u="none" cap="none" strike="noStrike">
+        <a:defRPr sz="1400" b="0" i="0" u="none" strike="noStrike" cap="none">
           <a:solidFill>
             <a:srgbClr val="000000"/>
           </a:solidFill>
@@ -6811,11 +6963,11 @@
 </file>
 
 <file path=ppt/slides/slide1.xml><?xml version="1.0" encoding="utf-8"?>
-<p:sld xmlns:a="http://schemas.openxmlformats.org/drawingml/2006/main" xmlns:r="http://schemas.openxmlformats.org/officeDocument/2006/relationships" xmlns:mc="http://schemas.openxmlformats.org/markup-compatibility/2006" xmlns:mv="urn:schemas-microsoft-com:mac:vml" xmlns:p="http://schemas.openxmlformats.org/presentationml/2006/main" xmlns:c="http://schemas.openxmlformats.org/drawingml/2006/chart" xmlns:dgm="http://schemas.openxmlformats.org/drawingml/2006/diagram" xmlns:o="urn:schemas-microsoft-com:office:office" xmlns:v="urn:schemas-microsoft-com:vml" xmlns:pvml="urn:schemas-microsoft-com:office:powerpoint" xmlns:com="http://schemas.openxmlformats.org/drawingml/2006/compatibility" xmlns:p14="http://schemas.microsoft.com/office/powerpoint/2010/main" xmlns:p15="http://schemas.microsoft.com/office/powerpoint/2012/main" xmlns:ahyp="http://schemas.microsoft.com/office/drawing/2018/hyperlinkcolor">
+<p:sld xmlns:a="http://schemas.openxmlformats.org/drawingml/2006/main" xmlns:r="http://schemas.openxmlformats.org/officeDocument/2006/relationships" xmlns:p="http://schemas.openxmlformats.org/presentationml/2006/main">
   <p:cSld>
     <p:spTree>
       <p:nvGrpSpPr>
-        <p:cNvPr id="58" name="Shape 58"/>
+        <p:cNvPr id="1" name="Shape 58"/>
         <p:cNvGrpSpPr/>
         <p:nvPr/>
       </p:nvGrpSpPr>
@@ -6830,7 +6982,9 @@
       <p:sp>
         <p:nvSpPr>
           <p:cNvPr id="59" name="Google Shape;59;p13"/>
-          <p:cNvSpPr txBox="1"/>
+          <p:cNvSpPr txBox="1">
+            <a:spLocks noGrp="1"/>
+          </p:cNvSpPr>
           <p:nvPr>
             <p:ph type="ctrTitle"/>
           </p:nvPr>
@@ -6845,12 +6999,12 @@
           </a:prstGeom>
         </p:spPr>
         <p:txBody>
-          <a:bodyPr anchorCtr="0" anchor="b" bIns="91425" lIns="91425" spcFirstLastPara="1" rIns="91425" wrap="square" tIns="91425">
+          <a:bodyPr spcFirstLastPara="1" wrap="square" lIns="91425" tIns="91425" rIns="91425" bIns="91425" anchor="b" anchorCtr="0">
             <a:normAutofit/>
           </a:bodyPr>
           <a:lstStyle/>
           <a:p>
-            <a:pPr indent="0" lvl="0" marL="0" rtl="0" algn="ctr">
+            <a:pPr marL="0" lvl="0" indent="0" algn="ctr" rtl="0">
               <a:spcBef>
                 <a:spcPts val="0"/>
               </a:spcBef>
@@ -6870,9 +7024,11 @@
       <p:sp>
         <p:nvSpPr>
           <p:cNvPr id="60" name="Google Shape;60;p13"/>
-          <p:cNvSpPr txBox="1"/>
+          <p:cNvSpPr txBox="1">
+            <a:spLocks noGrp="1"/>
+          </p:cNvSpPr>
           <p:nvPr>
-            <p:ph idx="1" type="subTitle"/>
+            <p:ph type="subTitle" idx="1"/>
           </p:nvPr>
         </p:nvSpPr>
         <p:spPr>
@@ -6885,12 +7041,12 @@
           </a:prstGeom>
         </p:spPr>
         <p:txBody>
-          <a:bodyPr anchorCtr="0" anchor="t" bIns="91425" lIns="91425" spcFirstLastPara="1" rIns="91425" wrap="square" tIns="91425">
+          <a:bodyPr spcFirstLastPara="1" wrap="square" lIns="91425" tIns="91425" rIns="91425" bIns="91425" anchor="t" anchorCtr="0">
             <a:normAutofit/>
           </a:bodyPr>
           <a:lstStyle/>
           <a:p>
-            <a:pPr indent="0" lvl="0" marL="0" rtl="0" algn="ctr">
+            <a:pPr marL="0" lvl="0" indent="0" algn="ctr" rtl="0">
               <a:spcBef>
                 <a:spcPts val="0"/>
               </a:spcBef>
@@ -6899,9 +7055,6 @@
               </a:spcAft>
               <a:buNone/>
             </a:pPr>
-            <a:r>
-              <a:t/>
-            </a:r>
             <a:endParaRPr/>
           </a:p>
         </p:txBody>
@@ -6915,11 +7068,11 @@
 </file>
 
 <file path=ppt/slides/slide2.xml><?xml version="1.0" encoding="utf-8"?>
-<p:sld xmlns:a="http://schemas.openxmlformats.org/drawingml/2006/main" xmlns:r="http://schemas.openxmlformats.org/officeDocument/2006/relationships" xmlns:mc="http://schemas.openxmlformats.org/markup-compatibility/2006" xmlns:mv="urn:schemas-microsoft-com:mac:vml" xmlns:p="http://schemas.openxmlformats.org/presentationml/2006/main" xmlns:c="http://schemas.openxmlformats.org/drawingml/2006/chart" xmlns:dgm="http://schemas.openxmlformats.org/drawingml/2006/diagram" xmlns:o="urn:schemas-microsoft-com:office:office" xmlns:v="urn:schemas-microsoft-com:vml" xmlns:pvml="urn:schemas-microsoft-com:office:powerpoint" xmlns:com="http://schemas.openxmlformats.org/drawingml/2006/compatibility" xmlns:p14="http://schemas.microsoft.com/office/powerpoint/2010/main" xmlns:p15="http://schemas.microsoft.com/office/powerpoint/2012/main" xmlns:ahyp="http://schemas.microsoft.com/office/drawing/2018/hyperlinkcolor">
+<p:sld xmlns:a="http://schemas.openxmlformats.org/drawingml/2006/main" xmlns:r="http://schemas.openxmlformats.org/officeDocument/2006/relationships" xmlns:p="http://schemas.openxmlformats.org/presentationml/2006/main">
   <p:cSld>
     <p:spTree>
       <p:nvGrpSpPr>
-        <p:cNvPr id="64" name="Shape 64"/>
+        <p:cNvPr id="1" name="Shape 64"/>
         <p:cNvGrpSpPr/>
         <p:nvPr/>
       </p:nvGrpSpPr>
@@ -6934,7 +7087,9 @@
       <p:sp>
         <p:nvSpPr>
           <p:cNvPr id="65" name="Google Shape;65;p14"/>
-          <p:cNvSpPr txBox="1"/>
+          <p:cNvSpPr txBox="1">
+            <a:spLocks noGrp="1"/>
+          </p:cNvSpPr>
           <p:nvPr>
             <p:ph type="title"/>
           </p:nvPr>
@@ -6949,12 +7104,12 @@
           </a:prstGeom>
         </p:spPr>
         <p:txBody>
-          <a:bodyPr anchorCtr="0" anchor="t" bIns="91425" lIns="91425" spcFirstLastPara="1" rIns="91425" wrap="square" tIns="91425">
+          <a:bodyPr spcFirstLastPara="1" wrap="square" lIns="91425" tIns="91425" rIns="91425" bIns="91425" anchor="t" anchorCtr="0">
             <a:normAutofit fontScale="90000"/>
           </a:bodyPr>
           <a:lstStyle/>
           <a:p>
-            <a:pPr indent="0" lvl="0" marL="0" rtl="0" algn="l">
+            <a:pPr marL="0" lvl="0" indent="0" algn="l" rtl="0">
               <a:spcBef>
                 <a:spcPts val="0"/>
               </a:spcBef>
@@ -6974,9 +7129,11 @@
       <p:sp>
         <p:nvSpPr>
           <p:cNvPr id="66" name="Google Shape;66;p14"/>
-          <p:cNvSpPr txBox="1"/>
+          <p:cNvSpPr txBox="1">
+            <a:spLocks noGrp="1"/>
+          </p:cNvSpPr>
           <p:nvPr>
-            <p:ph idx="1" type="body"/>
+            <p:ph type="body" idx="1"/>
           </p:nvPr>
         </p:nvSpPr>
         <p:spPr>
@@ -6989,12 +7146,12 @@
           </a:prstGeom>
         </p:spPr>
         <p:txBody>
-          <a:bodyPr anchorCtr="0" anchor="t" bIns="91425" lIns="91425" spcFirstLastPara="1" rIns="91425" wrap="square" tIns="91425">
+          <a:bodyPr spcFirstLastPara="1" wrap="square" lIns="91425" tIns="91425" rIns="91425" bIns="91425" anchor="t" anchorCtr="0">
             <a:normAutofit lnSpcReduction="20000"/>
           </a:bodyPr>
           <a:lstStyle/>
           <a:p>
-            <a:pPr indent="-342900" lvl="0" marL="457200" rtl="0" algn="l">
+            <a:pPr marL="457200" lvl="0" indent="-342900" algn="l" rtl="0">
               <a:spcBef>
                 <a:spcPts val="0"/>
               </a:spcBef>
@@ -7024,7 +7181,7 @@
             <a:endParaRPr/>
           </a:p>
           <a:p>
-            <a:pPr indent="-342900" lvl="0" marL="457200" rtl="0" algn="l">
+            <a:pPr marL="457200" lvl="0" indent="-342900" algn="l" rtl="0">
               <a:spcBef>
                 <a:spcPts val="0"/>
               </a:spcBef>
@@ -7041,7 +7198,7 @@
             <a:endParaRPr/>
           </a:p>
           <a:p>
-            <a:pPr indent="-342900" lvl="0" marL="457200" rtl="0" algn="l">
+            <a:pPr marL="457200" lvl="0" indent="-342900" algn="l" rtl="0">
               <a:spcBef>
                 <a:spcPts val="0"/>
               </a:spcBef>
@@ -7058,7 +7215,7 @@
             <a:endParaRPr/>
           </a:p>
           <a:p>
-            <a:pPr indent="0" lvl="0" marL="0" rtl="0" algn="l">
+            <a:pPr marL="0" lvl="0" indent="0" algn="l" rtl="0">
               <a:spcBef>
                 <a:spcPts val="1200"/>
               </a:spcBef>
@@ -7068,13 +7225,13 @@
               <a:buNone/>
             </a:pPr>
             <a:r>
-              <a:rPr b="1" lang="en-GB"/>
+              <a:rPr lang="en-GB" b="1"/>
               <a:t>To Load the data into the database:</a:t>
             </a:r>
             <a:endParaRPr b="1"/>
           </a:p>
           <a:p>
-            <a:pPr indent="-342900" lvl="0" marL="457200" rtl="0" algn="l">
+            <a:pPr marL="457200" lvl="0" indent="-342900" algn="l" rtl="0">
               <a:spcBef>
                 <a:spcPts val="1200"/>
               </a:spcBef>
@@ -7091,7 +7248,7 @@
             <a:endParaRPr/>
           </a:p>
           <a:p>
-            <a:pPr indent="-342900" lvl="0" marL="457200" rtl="0" algn="l">
+            <a:pPr marL="457200" lvl="0" indent="-342900" algn="l" rtl="0">
               <a:spcBef>
                 <a:spcPts val="0"/>
               </a:spcBef>
@@ -7108,7 +7265,7 @@
             <a:endParaRPr/>
           </a:p>
           <a:p>
-            <a:pPr indent="-342900" lvl="0" marL="457200" rtl="0" algn="l">
+            <a:pPr marL="457200" lvl="0" indent="-342900" algn="l" rtl="0">
               <a:spcBef>
                 <a:spcPts val="0"/>
               </a:spcBef>
@@ -7125,7 +7282,7 @@
             <a:endParaRPr/>
           </a:p>
           <a:p>
-            <a:pPr indent="0" lvl="0" marL="457200" rtl="0" algn="l">
+            <a:pPr marL="457200" lvl="0" indent="0" algn="l" rtl="0">
               <a:spcBef>
                 <a:spcPts val="1200"/>
               </a:spcBef>
@@ -7134,9 +7291,6 @@
               </a:spcAft>
               <a:buNone/>
             </a:pPr>
-            <a:r>
-              <a:t/>
-            </a:r>
             <a:endParaRPr/>
           </a:p>
         </p:txBody>
@@ -7150,11 +7304,11 @@
 </file>
 
 <file path=ppt/slides/slide3.xml><?xml version="1.0" encoding="utf-8"?>
-<p:sld xmlns:a="http://schemas.openxmlformats.org/drawingml/2006/main" xmlns:r="http://schemas.openxmlformats.org/officeDocument/2006/relationships" xmlns:mc="http://schemas.openxmlformats.org/markup-compatibility/2006" xmlns:mv="urn:schemas-microsoft-com:mac:vml" xmlns:p="http://schemas.openxmlformats.org/presentationml/2006/main" xmlns:c="http://schemas.openxmlformats.org/drawingml/2006/chart" xmlns:dgm="http://schemas.openxmlformats.org/drawingml/2006/diagram" xmlns:o="urn:schemas-microsoft-com:office:office" xmlns:v="urn:schemas-microsoft-com:vml" xmlns:pvml="urn:schemas-microsoft-com:office:powerpoint" xmlns:com="http://schemas.openxmlformats.org/drawingml/2006/compatibility" xmlns:p14="http://schemas.microsoft.com/office/powerpoint/2010/main" xmlns:p15="http://schemas.microsoft.com/office/powerpoint/2012/main" xmlns:ahyp="http://schemas.microsoft.com/office/drawing/2018/hyperlinkcolor">
+<p:sld xmlns:a="http://schemas.openxmlformats.org/drawingml/2006/main" xmlns:r="http://schemas.openxmlformats.org/officeDocument/2006/relationships" xmlns:p="http://schemas.openxmlformats.org/presentationml/2006/main">
   <p:cSld>
     <p:spTree>
       <p:nvGrpSpPr>
-        <p:cNvPr id="70" name="Shape 70"/>
+        <p:cNvPr id="1" name="Shape 70"/>
         <p:cNvGrpSpPr/>
         <p:nvPr/>
       </p:nvGrpSpPr>
@@ -7169,7 +7323,9 @@
       <p:sp>
         <p:nvSpPr>
           <p:cNvPr id="71" name="Google Shape;71;p15"/>
-          <p:cNvSpPr txBox="1"/>
+          <p:cNvSpPr txBox="1">
+            <a:spLocks noGrp="1"/>
+          </p:cNvSpPr>
           <p:nvPr>
             <p:ph type="title"/>
           </p:nvPr>
@@ -7184,12 +7340,12 @@
           </a:prstGeom>
         </p:spPr>
         <p:txBody>
-          <a:bodyPr anchorCtr="0" anchor="t" bIns="91425" lIns="91425" spcFirstLastPara="1" rIns="91425" wrap="square" tIns="91425">
+          <a:bodyPr spcFirstLastPara="1" wrap="square" lIns="91425" tIns="91425" rIns="91425" bIns="91425" anchor="t" anchorCtr="0">
             <a:normAutofit fontScale="90000"/>
           </a:bodyPr>
           <a:lstStyle/>
           <a:p>
-            <a:pPr indent="0" lvl="0" marL="0" rtl="0" algn="l">
+            <a:pPr marL="0" lvl="0" indent="0" algn="l" rtl="0">
               <a:spcBef>
                 <a:spcPts val="0"/>
               </a:spcBef>
@@ -7209,9 +7365,11 @@
       <p:sp>
         <p:nvSpPr>
           <p:cNvPr id="72" name="Google Shape;72;p15"/>
-          <p:cNvSpPr txBox="1"/>
+          <p:cNvSpPr txBox="1">
+            <a:spLocks noGrp="1"/>
+          </p:cNvSpPr>
           <p:nvPr>
-            <p:ph idx="1" type="body"/>
+            <p:ph type="body" idx="1"/>
           </p:nvPr>
         </p:nvSpPr>
         <p:spPr>
@@ -7224,12 +7382,12 @@
           </a:prstGeom>
         </p:spPr>
         <p:txBody>
-          <a:bodyPr anchorCtr="0" anchor="t" bIns="91425" lIns="91425" spcFirstLastPara="1" rIns="91425" wrap="square" tIns="91425">
+          <a:bodyPr spcFirstLastPara="1" wrap="square" lIns="91425" tIns="91425" rIns="91425" bIns="91425" anchor="t" anchorCtr="0">
             <a:normAutofit/>
           </a:bodyPr>
           <a:lstStyle/>
           <a:p>
-            <a:pPr indent="-342900" lvl="0" marL="457200" rtl="0" algn="l">
+            <a:pPr marL="457200" lvl="0" indent="-342900" algn="l" rtl="0">
               <a:spcBef>
                 <a:spcPts val="0"/>
               </a:spcBef>
@@ -7240,13 +7398,13 @@
               <a:buAutoNum type="arabicPeriod"/>
             </a:pPr>
             <a:r>
-              <a:rPr lang="en-GB"/>
-              <a:t>RDS setup.</a:t>
+              <a:rPr lang="en-GB" dirty="0"/>
+              <a:t>RDS setup  in AWS.</a:t>
             </a:r>
-            <a:endParaRPr/>
+            <a:endParaRPr dirty="0"/>
           </a:p>
           <a:p>
-            <a:pPr indent="-342900" lvl="0" marL="457200" rtl="0" algn="l">
+            <a:pPr marL="457200" lvl="0" indent="-342900" algn="l" rtl="0">
               <a:spcBef>
                 <a:spcPts val="0"/>
               </a:spcBef>
@@ -7257,13 +7415,13 @@
               <a:buAutoNum type="arabicPeriod"/>
             </a:pPr>
             <a:r>
-              <a:rPr lang="en-GB"/>
+              <a:rPr lang="en-GB" dirty="0"/>
               <a:t>Database setup.</a:t>
             </a:r>
-            <a:endParaRPr/>
+            <a:endParaRPr dirty="0"/>
           </a:p>
           <a:p>
-            <a:pPr indent="-317500" lvl="1" marL="914400" rtl="0" algn="l">
+            <a:pPr marL="914400" lvl="1" indent="-317500" algn="l" rtl="0">
               <a:spcBef>
                 <a:spcPts val="0"/>
               </a:spcBef>
@@ -7274,13 +7432,13 @@
               <a:buChar char="■"/>
             </a:pPr>
             <a:r>
-              <a:rPr lang="en-GB"/>
+              <a:rPr lang="en-GB" dirty="0"/>
               <a:t>Created a database </a:t>
             </a:r>
-            <a:endParaRPr/>
+            <a:endParaRPr dirty="0"/>
           </a:p>
           <a:p>
-            <a:pPr indent="-317500" lvl="1" marL="914400" rtl="0" algn="l">
+            <a:pPr marL="914400" lvl="1" indent="-317500" algn="l" rtl="0">
               <a:spcBef>
                 <a:spcPts val="0"/>
               </a:spcBef>
@@ -7291,13 +7449,13 @@
               <a:buChar char="■"/>
             </a:pPr>
             <a:r>
-              <a:rPr lang="en-GB"/>
+              <a:rPr lang="en-GB" dirty="0"/>
               <a:t>Created a table named “Housing”</a:t>
             </a:r>
-            <a:endParaRPr/>
+            <a:endParaRPr dirty="0"/>
           </a:p>
           <a:p>
-            <a:pPr indent="-317500" lvl="1" marL="914400" rtl="0" algn="l">
+            <a:pPr marL="914400" lvl="1" indent="-317500" algn="l" rtl="0">
               <a:spcBef>
                 <a:spcPts val="0"/>
               </a:spcBef>
@@ -7308,13 +7466,13 @@
               <a:buChar char="■"/>
             </a:pPr>
             <a:r>
-              <a:rPr lang="en-GB"/>
+              <a:rPr lang="en-GB" dirty="0"/>
               <a:t>Loaded the data </a:t>
             </a:r>
-            <a:endParaRPr/>
+            <a:endParaRPr dirty="0"/>
           </a:p>
           <a:p>
-            <a:pPr indent="0" lvl="0" marL="457200" rtl="0" algn="l">
+            <a:pPr marL="457200" lvl="0" indent="0" algn="l" rtl="0">
               <a:spcBef>
                 <a:spcPts val="1200"/>
               </a:spcBef>
@@ -7323,10 +7481,7 @@
               </a:spcAft>
               <a:buNone/>
             </a:pPr>
-            <a:r>
-              <a:t/>
-            </a:r>
-            <a:endParaRPr/>
+            <a:endParaRPr dirty="0"/>
           </a:p>
         </p:txBody>
       </p:sp>
@@ -7339,11 +7494,11 @@
 </file>
 
 <file path=ppt/slides/slide4.xml><?xml version="1.0" encoding="utf-8"?>
-<p:sld xmlns:a="http://schemas.openxmlformats.org/drawingml/2006/main" xmlns:r="http://schemas.openxmlformats.org/officeDocument/2006/relationships" xmlns:mc="http://schemas.openxmlformats.org/markup-compatibility/2006" xmlns:mv="urn:schemas-microsoft-com:mac:vml" xmlns:p="http://schemas.openxmlformats.org/presentationml/2006/main" xmlns:c="http://schemas.openxmlformats.org/drawingml/2006/chart" xmlns:dgm="http://schemas.openxmlformats.org/drawingml/2006/diagram" xmlns:o="urn:schemas-microsoft-com:office:office" xmlns:v="urn:schemas-microsoft-com:vml" xmlns:pvml="urn:schemas-microsoft-com:office:powerpoint" xmlns:com="http://schemas.openxmlformats.org/drawingml/2006/compatibility" xmlns:p14="http://schemas.microsoft.com/office/powerpoint/2010/main" xmlns:p15="http://schemas.microsoft.com/office/powerpoint/2012/main" xmlns:ahyp="http://schemas.microsoft.com/office/drawing/2018/hyperlinkcolor">
+<p:sld xmlns:a="http://schemas.openxmlformats.org/drawingml/2006/main" xmlns:r="http://schemas.openxmlformats.org/officeDocument/2006/relationships" xmlns:p="http://schemas.openxmlformats.org/presentationml/2006/main">
   <p:cSld>
     <p:spTree>
       <p:nvGrpSpPr>
-        <p:cNvPr id="76" name="Shape 76"/>
+        <p:cNvPr id="1" name="Shape 76"/>
         <p:cNvGrpSpPr/>
         <p:nvPr/>
       </p:nvGrpSpPr>
@@ -7358,7 +7513,9 @@
       <p:sp>
         <p:nvSpPr>
           <p:cNvPr id="77" name="Google Shape;77;p16"/>
-          <p:cNvSpPr txBox="1"/>
+          <p:cNvSpPr txBox="1">
+            <a:spLocks noGrp="1"/>
+          </p:cNvSpPr>
           <p:nvPr>
             <p:ph type="title"/>
           </p:nvPr>
@@ -7373,12 +7530,12 @@
           </a:prstGeom>
         </p:spPr>
         <p:txBody>
-          <a:bodyPr anchorCtr="0" anchor="t" bIns="91425" lIns="91425" spcFirstLastPara="1" rIns="91425" wrap="square" tIns="91425">
+          <a:bodyPr spcFirstLastPara="1" wrap="square" lIns="91425" tIns="91425" rIns="91425" bIns="91425" anchor="t" anchorCtr="0">
             <a:normAutofit fontScale="90000"/>
           </a:bodyPr>
           <a:lstStyle/>
           <a:p>
-            <a:pPr indent="0" lvl="0" marL="0" rtl="0" algn="l">
+            <a:pPr marL="0" lvl="0" indent="0" algn="l" rtl="0">
               <a:spcBef>
                 <a:spcPts val="0"/>
               </a:spcBef>
@@ -7398,9 +7555,11 @@
       <p:sp>
         <p:nvSpPr>
           <p:cNvPr id="78" name="Google Shape;78;p16"/>
-          <p:cNvSpPr txBox="1"/>
+          <p:cNvSpPr txBox="1">
+            <a:spLocks noGrp="1"/>
+          </p:cNvSpPr>
           <p:nvPr>
-            <p:ph idx="1" type="body"/>
+            <p:ph type="body" idx="1"/>
           </p:nvPr>
         </p:nvSpPr>
         <p:spPr>
@@ -7413,12 +7572,12 @@
           </a:prstGeom>
         </p:spPr>
         <p:txBody>
-          <a:bodyPr anchorCtr="0" anchor="t" bIns="91425" lIns="91425" spcFirstLastPara="1" rIns="91425" wrap="square" tIns="91425">
+          <a:bodyPr spcFirstLastPara="1" wrap="square" lIns="91425" tIns="91425" rIns="91425" bIns="91425" anchor="t" anchorCtr="0">
             <a:normAutofit/>
           </a:bodyPr>
           <a:lstStyle/>
           <a:p>
-            <a:pPr indent="-342900" lvl="0" marL="457200" rtl="0" algn="l">
+            <a:pPr marL="457200" lvl="0" indent="-342900" algn="l" rtl="0">
               <a:spcBef>
                 <a:spcPts val="0"/>
               </a:spcBef>
@@ -7435,7 +7594,7 @@
             <a:endParaRPr/>
           </a:p>
           <a:p>
-            <a:pPr indent="-342900" lvl="0" marL="457200" rtl="0" algn="l">
+            <a:pPr marL="457200" lvl="0" indent="-342900" algn="l" rtl="0">
               <a:spcBef>
                 <a:spcPts val="0"/>
               </a:spcBef>
@@ -7452,7 +7611,7 @@
             <a:endParaRPr/>
           </a:p>
           <a:p>
-            <a:pPr indent="-342900" lvl="0" marL="457200" rtl="0" algn="l">
+            <a:pPr marL="457200" lvl="0" indent="-342900" algn="l" rtl="0">
               <a:spcBef>
                 <a:spcPts val="0"/>
               </a:spcBef>
@@ -7469,7 +7628,7 @@
             <a:endParaRPr/>
           </a:p>
           <a:p>
-            <a:pPr indent="-342900" lvl="0" marL="457200" rtl="0" algn="l">
+            <a:pPr marL="457200" lvl="0" indent="-342900" algn="l" rtl="0">
               <a:spcBef>
                 <a:spcPts val="0"/>
               </a:spcBef>
@@ -7486,7 +7645,7 @@
             <a:endParaRPr/>
           </a:p>
           <a:p>
-            <a:pPr indent="-342900" lvl="0" marL="457200" rtl="0" algn="l">
+            <a:pPr marL="457200" lvl="0" indent="-342900" algn="l" rtl="0">
               <a:spcBef>
                 <a:spcPts val="0"/>
               </a:spcBef>
@@ -7513,11 +7672,11 @@
 </file>
 
 <file path=ppt/slides/slide5.xml><?xml version="1.0" encoding="utf-8"?>
-<p:sld xmlns:a="http://schemas.openxmlformats.org/drawingml/2006/main" xmlns:r="http://schemas.openxmlformats.org/officeDocument/2006/relationships" xmlns:mc="http://schemas.openxmlformats.org/markup-compatibility/2006" xmlns:mv="urn:schemas-microsoft-com:mac:vml" xmlns:p="http://schemas.openxmlformats.org/presentationml/2006/main" xmlns:c="http://schemas.openxmlformats.org/drawingml/2006/chart" xmlns:dgm="http://schemas.openxmlformats.org/drawingml/2006/diagram" xmlns:o="urn:schemas-microsoft-com:office:office" xmlns:v="urn:schemas-microsoft-com:vml" xmlns:pvml="urn:schemas-microsoft-com:office:powerpoint" xmlns:com="http://schemas.openxmlformats.org/drawingml/2006/compatibility" xmlns:p14="http://schemas.microsoft.com/office/powerpoint/2010/main" xmlns:p15="http://schemas.microsoft.com/office/powerpoint/2012/main" xmlns:ahyp="http://schemas.microsoft.com/office/drawing/2018/hyperlinkcolor">
+<p:sld xmlns:a="http://schemas.openxmlformats.org/drawingml/2006/main" xmlns:r="http://schemas.openxmlformats.org/officeDocument/2006/relationships" xmlns:p="http://schemas.openxmlformats.org/presentationml/2006/main">
   <p:cSld>
     <p:spTree>
       <p:nvGrpSpPr>
-        <p:cNvPr id="82" name="Shape 82"/>
+        <p:cNvPr id="1" name="Shape 82"/>
         <p:cNvGrpSpPr/>
         <p:nvPr/>
       </p:nvGrpSpPr>
@@ -7532,7 +7691,9 @@
       <p:sp>
         <p:nvSpPr>
           <p:cNvPr id="83" name="Google Shape;83;p17"/>
-          <p:cNvSpPr txBox="1"/>
+          <p:cNvSpPr txBox="1">
+            <a:spLocks noGrp="1"/>
+          </p:cNvSpPr>
           <p:nvPr>
             <p:ph type="title"/>
           </p:nvPr>
@@ -7547,12 +7708,12 @@
           </a:prstGeom>
         </p:spPr>
         <p:txBody>
-          <a:bodyPr anchorCtr="0" anchor="t" bIns="91425" lIns="91425" spcFirstLastPara="1" rIns="91425" wrap="square" tIns="91425">
+          <a:bodyPr spcFirstLastPara="1" wrap="square" lIns="91425" tIns="91425" rIns="91425" bIns="91425" anchor="t" anchorCtr="0">
             <a:normAutofit fontScale="90000"/>
           </a:bodyPr>
           <a:lstStyle/>
           <a:p>
-            <a:pPr indent="0" lvl="0" marL="0" rtl="0" algn="l">
+            <a:pPr marL="0" lvl="0" indent="0" algn="l" rtl="0">
               <a:spcBef>
                 <a:spcPts val="0"/>
               </a:spcBef>
@@ -7572,9 +7733,11 @@
       <p:sp>
         <p:nvSpPr>
           <p:cNvPr id="84" name="Google Shape;84;p17"/>
-          <p:cNvSpPr txBox="1"/>
+          <p:cNvSpPr txBox="1">
+            <a:spLocks noGrp="1"/>
+          </p:cNvSpPr>
           <p:nvPr>
-            <p:ph idx="1" type="body"/>
+            <p:ph type="body" idx="1"/>
           </p:nvPr>
         </p:nvSpPr>
         <p:spPr>
@@ -7587,12 +7750,12 @@
           </a:prstGeom>
         </p:spPr>
         <p:txBody>
-          <a:bodyPr anchorCtr="0" anchor="t" bIns="91425" lIns="91425" spcFirstLastPara="1" rIns="91425" wrap="square" tIns="91425">
+          <a:bodyPr spcFirstLastPara="1" wrap="square" lIns="91425" tIns="91425" rIns="91425" bIns="91425" anchor="t" anchorCtr="0">
             <a:normAutofit/>
           </a:bodyPr>
           <a:lstStyle/>
           <a:p>
-            <a:pPr indent="0" lvl="0" marL="457200" rtl="0" algn="l">
+            <a:pPr marL="457200" lvl="0" indent="0" algn="l" rtl="0">
               <a:spcBef>
                 <a:spcPts val="0"/>
               </a:spcBef>
@@ -7608,7 +7771,7 @@
             <a:endParaRPr/>
           </a:p>
           <a:p>
-            <a:pPr indent="0" lvl="0" marL="457200" rtl="0" algn="l">
+            <a:pPr marL="457200" lvl="0" indent="0" algn="l" rtl="0">
               <a:spcBef>
                 <a:spcPts val="1200"/>
               </a:spcBef>
@@ -7617,9 +7780,6 @@
               </a:spcAft>
               <a:buNone/>
             </a:pPr>
-            <a:r>
-              <a:t/>
-            </a:r>
             <a:endParaRPr/>
           </a:p>
         </p:txBody>
@@ -7689,11 +7849,11 @@
 </file>
 
 <file path=ppt/slides/slide6.xml><?xml version="1.0" encoding="utf-8"?>
-<p:sld xmlns:a="http://schemas.openxmlformats.org/drawingml/2006/main" xmlns:r="http://schemas.openxmlformats.org/officeDocument/2006/relationships" xmlns:mc="http://schemas.openxmlformats.org/markup-compatibility/2006" xmlns:mv="urn:schemas-microsoft-com:mac:vml" xmlns:p="http://schemas.openxmlformats.org/presentationml/2006/main" xmlns:c="http://schemas.openxmlformats.org/drawingml/2006/chart" xmlns:dgm="http://schemas.openxmlformats.org/drawingml/2006/diagram" xmlns:o="urn:schemas-microsoft-com:office:office" xmlns:v="urn:schemas-microsoft-com:vml" xmlns:pvml="urn:schemas-microsoft-com:office:powerpoint" xmlns:com="http://schemas.openxmlformats.org/drawingml/2006/compatibility" xmlns:p14="http://schemas.microsoft.com/office/powerpoint/2010/main" xmlns:p15="http://schemas.microsoft.com/office/powerpoint/2012/main" xmlns:ahyp="http://schemas.microsoft.com/office/drawing/2018/hyperlinkcolor">
+<p:sld xmlns:a="http://schemas.openxmlformats.org/drawingml/2006/main" xmlns:r="http://schemas.openxmlformats.org/officeDocument/2006/relationships" xmlns:p="http://schemas.openxmlformats.org/presentationml/2006/main">
   <p:cSld>
     <p:spTree>
       <p:nvGrpSpPr>
-        <p:cNvPr id="90" name="Shape 90"/>
+        <p:cNvPr id="1" name="Shape 90"/>
         <p:cNvGrpSpPr/>
         <p:nvPr/>
       </p:nvGrpSpPr>
@@ -7708,7 +7868,9 @@
       <p:sp>
         <p:nvSpPr>
           <p:cNvPr id="91" name="Google Shape;91;p18"/>
-          <p:cNvSpPr txBox="1"/>
+          <p:cNvSpPr txBox="1">
+            <a:spLocks noGrp="1"/>
+          </p:cNvSpPr>
           <p:nvPr>
             <p:ph type="title"/>
           </p:nvPr>
@@ -7723,12 +7885,12 @@
           </a:prstGeom>
         </p:spPr>
         <p:txBody>
-          <a:bodyPr anchorCtr="0" anchor="t" bIns="91425" lIns="91425" spcFirstLastPara="1" rIns="91425" wrap="square" tIns="91425">
+          <a:bodyPr spcFirstLastPara="1" wrap="square" lIns="91425" tIns="91425" rIns="91425" bIns="91425" anchor="t" anchorCtr="0">
             <a:normAutofit fontScale="90000"/>
           </a:bodyPr>
           <a:lstStyle/>
           <a:p>
-            <a:pPr indent="0" lvl="0" marL="0" rtl="0" algn="l">
+            <a:pPr marL="0" lvl="0" indent="0" algn="l" rtl="0">
               <a:spcBef>
                 <a:spcPts val="0"/>
               </a:spcBef>
@@ -7748,9 +7910,11 @@
       <p:sp>
         <p:nvSpPr>
           <p:cNvPr id="92" name="Google Shape;92;p18"/>
-          <p:cNvSpPr txBox="1"/>
+          <p:cNvSpPr txBox="1">
+            <a:spLocks noGrp="1"/>
+          </p:cNvSpPr>
           <p:nvPr>
-            <p:ph idx="1" type="body"/>
+            <p:ph type="body" idx="1"/>
           </p:nvPr>
         </p:nvSpPr>
         <p:spPr>
@@ -7763,12 +7927,12 @@
           </a:prstGeom>
         </p:spPr>
         <p:txBody>
-          <a:bodyPr anchorCtr="0" anchor="t" bIns="91425" lIns="91425" spcFirstLastPara="1" rIns="91425" wrap="square" tIns="91425">
+          <a:bodyPr spcFirstLastPara="1" wrap="square" lIns="91425" tIns="91425" rIns="91425" bIns="91425" anchor="t" anchorCtr="0">
             <a:normAutofit/>
           </a:bodyPr>
           <a:lstStyle/>
           <a:p>
-            <a:pPr indent="0" lvl="0" marL="0" rtl="0" algn="l">
+            <a:pPr marL="0" lvl="0" indent="0" algn="l" rtl="0">
               <a:spcBef>
                 <a:spcPts val="0"/>
               </a:spcBef>
@@ -7777,9 +7941,6 @@
               </a:spcAft>
               <a:buNone/>
             </a:pPr>
-            <a:r>
-              <a:t/>
-            </a:r>
             <a:endParaRPr/>
           </a:p>
         </p:txBody>
@@ -7849,11 +8010,11 @@
 </file>
 
 <file path=ppt/slides/slide7.xml><?xml version="1.0" encoding="utf-8"?>
-<p:sld xmlns:a="http://schemas.openxmlformats.org/drawingml/2006/main" xmlns:r="http://schemas.openxmlformats.org/officeDocument/2006/relationships" xmlns:mc="http://schemas.openxmlformats.org/markup-compatibility/2006" xmlns:mv="urn:schemas-microsoft-com:mac:vml" xmlns:p="http://schemas.openxmlformats.org/presentationml/2006/main" xmlns:c="http://schemas.openxmlformats.org/drawingml/2006/chart" xmlns:dgm="http://schemas.openxmlformats.org/drawingml/2006/diagram" xmlns:o="urn:schemas-microsoft-com:office:office" xmlns:v="urn:schemas-microsoft-com:vml" xmlns:pvml="urn:schemas-microsoft-com:office:powerpoint" xmlns:com="http://schemas.openxmlformats.org/drawingml/2006/compatibility" xmlns:p14="http://schemas.microsoft.com/office/powerpoint/2010/main" xmlns:p15="http://schemas.microsoft.com/office/powerpoint/2012/main" xmlns:ahyp="http://schemas.microsoft.com/office/drawing/2018/hyperlinkcolor">
+<p:sld xmlns:a="http://schemas.openxmlformats.org/drawingml/2006/main" xmlns:r="http://schemas.openxmlformats.org/officeDocument/2006/relationships" xmlns:p="http://schemas.openxmlformats.org/presentationml/2006/main">
   <p:cSld>
     <p:spTree>
       <p:nvGrpSpPr>
-        <p:cNvPr id="98" name="Shape 98"/>
+        <p:cNvPr id="1" name="Shape 98"/>
         <p:cNvGrpSpPr/>
         <p:nvPr/>
       </p:nvGrpSpPr>
@@ -7868,7 +8029,9 @@
       <p:sp>
         <p:nvSpPr>
           <p:cNvPr id="99" name="Google Shape;99;p19"/>
-          <p:cNvSpPr txBox="1"/>
+          <p:cNvSpPr txBox="1">
+            <a:spLocks noGrp="1"/>
+          </p:cNvSpPr>
           <p:nvPr>
             <p:ph type="title"/>
           </p:nvPr>
@@ -7883,12 +8046,12 @@
           </a:prstGeom>
         </p:spPr>
         <p:txBody>
-          <a:bodyPr anchorCtr="0" anchor="t" bIns="91425" lIns="91425" spcFirstLastPara="1" rIns="91425" wrap="square" tIns="91425">
+          <a:bodyPr spcFirstLastPara="1" wrap="square" lIns="91425" tIns="91425" rIns="91425" bIns="91425" anchor="t" anchorCtr="0">
             <a:normAutofit fontScale="90000"/>
           </a:bodyPr>
           <a:lstStyle/>
           <a:p>
-            <a:pPr indent="0" lvl="0" marL="0" rtl="0" algn="l">
+            <a:pPr marL="0" lvl="0" indent="0" algn="l" rtl="0">
               <a:spcBef>
                 <a:spcPts val="0"/>
               </a:spcBef>
@@ -7908,9 +8071,11 @@
       <p:sp>
         <p:nvSpPr>
           <p:cNvPr id="100" name="Google Shape;100;p19"/>
-          <p:cNvSpPr txBox="1"/>
+          <p:cNvSpPr txBox="1">
+            <a:spLocks noGrp="1"/>
+          </p:cNvSpPr>
           <p:nvPr>
-            <p:ph idx="1" type="body"/>
+            <p:ph type="body" idx="1"/>
           </p:nvPr>
         </p:nvSpPr>
         <p:spPr>
@@ -7923,12 +8088,12 @@
           </a:prstGeom>
         </p:spPr>
         <p:txBody>
-          <a:bodyPr anchorCtr="0" anchor="t" bIns="91425" lIns="91425" spcFirstLastPara="1" rIns="91425" wrap="square" tIns="91425">
+          <a:bodyPr spcFirstLastPara="1" wrap="square" lIns="91425" tIns="91425" rIns="91425" bIns="91425" anchor="t" anchorCtr="0">
             <a:normAutofit/>
           </a:bodyPr>
           <a:lstStyle/>
           <a:p>
-            <a:pPr indent="0" lvl="0" marL="0" rtl="0" algn="l">
+            <a:pPr marL="0" lvl="0" indent="0" algn="l" rtl="0">
               <a:spcBef>
                 <a:spcPts val="0"/>
               </a:spcBef>
@@ -7937,9 +8102,6 @@
               </a:spcAft>
               <a:buNone/>
             </a:pPr>
-            <a:r>
-              <a:t/>
-            </a:r>
             <a:endParaRPr/>
           </a:p>
         </p:txBody>
@@ -7953,11 +8115,11 @@
 </file>
 
 <file path=ppt/slides/slide8.xml><?xml version="1.0" encoding="utf-8"?>
-<p:sld xmlns:a="http://schemas.openxmlformats.org/drawingml/2006/main" xmlns:r="http://schemas.openxmlformats.org/officeDocument/2006/relationships" xmlns:mc="http://schemas.openxmlformats.org/markup-compatibility/2006" xmlns:mv="urn:schemas-microsoft-com:mac:vml" xmlns:p="http://schemas.openxmlformats.org/presentationml/2006/main" xmlns:c="http://schemas.openxmlformats.org/drawingml/2006/chart" xmlns:dgm="http://schemas.openxmlformats.org/drawingml/2006/diagram" xmlns:o="urn:schemas-microsoft-com:office:office" xmlns:v="urn:schemas-microsoft-com:vml" xmlns:pvml="urn:schemas-microsoft-com:office:powerpoint" xmlns:com="http://schemas.openxmlformats.org/drawingml/2006/compatibility" xmlns:p14="http://schemas.microsoft.com/office/powerpoint/2010/main" xmlns:p15="http://schemas.microsoft.com/office/powerpoint/2012/main" xmlns:ahyp="http://schemas.microsoft.com/office/drawing/2018/hyperlinkcolor">
+<p:sld xmlns:a="http://schemas.openxmlformats.org/drawingml/2006/main" xmlns:r="http://schemas.openxmlformats.org/officeDocument/2006/relationships" xmlns:p="http://schemas.openxmlformats.org/presentationml/2006/main">
   <p:cSld>
     <p:spTree>
       <p:nvGrpSpPr>
-        <p:cNvPr id="104" name="Shape 104"/>
+        <p:cNvPr id="1" name="Shape 104"/>
         <p:cNvGrpSpPr/>
         <p:nvPr/>
       </p:nvGrpSpPr>
@@ -7972,7 +8134,9 @@
       <p:sp>
         <p:nvSpPr>
           <p:cNvPr id="105" name="Google Shape;105;p20"/>
-          <p:cNvSpPr txBox="1"/>
+          <p:cNvSpPr txBox="1">
+            <a:spLocks noGrp="1"/>
+          </p:cNvSpPr>
           <p:nvPr>
             <p:ph type="title"/>
           </p:nvPr>
@@ -7987,12 +8151,12 @@
           </a:prstGeom>
         </p:spPr>
         <p:txBody>
-          <a:bodyPr anchorCtr="0" anchor="t" bIns="91425" lIns="91425" spcFirstLastPara="1" rIns="91425" wrap="square" tIns="91425">
+          <a:bodyPr spcFirstLastPara="1" wrap="square" lIns="91425" tIns="91425" rIns="91425" bIns="91425" anchor="t" anchorCtr="0">
             <a:normAutofit fontScale="90000"/>
           </a:bodyPr>
           <a:lstStyle/>
           <a:p>
-            <a:pPr indent="0" lvl="0" marL="0" rtl="0" algn="l">
+            <a:pPr marL="0" lvl="0" indent="0" algn="l" rtl="0">
               <a:spcBef>
                 <a:spcPts val="0"/>
               </a:spcBef>
@@ -8012,9 +8176,11 @@
       <p:sp>
         <p:nvSpPr>
           <p:cNvPr id="106" name="Google Shape;106;p20"/>
-          <p:cNvSpPr txBox="1"/>
+          <p:cNvSpPr txBox="1">
+            <a:spLocks noGrp="1"/>
+          </p:cNvSpPr>
           <p:nvPr>
-            <p:ph idx="1" type="body"/>
+            <p:ph type="body" idx="1"/>
           </p:nvPr>
         </p:nvSpPr>
         <p:spPr>
@@ -8027,12 +8193,12 @@
           </a:prstGeom>
         </p:spPr>
         <p:txBody>
-          <a:bodyPr anchorCtr="0" anchor="t" bIns="91425" lIns="91425" spcFirstLastPara="1" rIns="91425" wrap="square" tIns="91425">
+          <a:bodyPr spcFirstLastPara="1" wrap="square" lIns="91425" tIns="91425" rIns="91425" bIns="91425" anchor="t" anchorCtr="0">
             <a:normAutofit/>
           </a:bodyPr>
           <a:lstStyle/>
           <a:p>
-            <a:pPr indent="0" lvl="0" marL="0" rtl="0" algn="l">
+            <a:pPr marL="0" lvl="0" indent="0" algn="l" rtl="0">
               <a:spcBef>
                 <a:spcPts val="0"/>
               </a:spcBef>
@@ -8041,9 +8207,6 @@
               </a:spcAft>
               <a:buNone/>
             </a:pPr>
-            <a:r>
-              <a:t/>
-            </a:r>
             <a:endParaRPr/>
           </a:p>
         </p:txBody>
@@ -8057,11 +8220,11 @@
 </file>
 
 <file path=ppt/slides/slide9.xml><?xml version="1.0" encoding="utf-8"?>
-<p:sld xmlns:a="http://schemas.openxmlformats.org/drawingml/2006/main" xmlns:r="http://schemas.openxmlformats.org/officeDocument/2006/relationships" xmlns:mc="http://schemas.openxmlformats.org/markup-compatibility/2006" xmlns:mv="urn:schemas-microsoft-com:mac:vml" xmlns:p="http://schemas.openxmlformats.org/presentationml/2006/main" xmlns:c="http://schemas.openxmlformats.org/drawingml/2006/chart" xmlns:dgm="http://schemas.openxmlformats.org/drawingml/2006/diagram" xmlns:o="urn:schemas-microsoft-com:office:office" xmlns:v="urn:schemas-microsoft-com:vml" xmlns:pvml="urn:schemas-microsoft-com:office:powerpoint" xmlns:com="http://schemas.openxmlformats.org/drawingml/2006/compatibility" xmlns:p14="http://schemas.microsoft.com/office/powerpoint/2010/main" xmlns:p15="http://schemas.microsoft.com/office/powerpoint/2012/main" xmlns:ahyp="http://schemas.microsoft.com/office/drawing/2018/hyperlinkcolor">
+<p:sld xmlns:a="http://schemas.openxmlformats.org/drawingml/2006/main" xmlns:r="http://schemas.openxmlformats.org/officeDocument/2006/relationships" xmlns:p="http://schemas.openxmlformats.org/presentationml/2006/main">
   <p:cSld>
     <p:spTree>
       <p:nvGrpSpPr>
-        <p:cNvPr id="110" name="Shape 110"/>
+        <p:cNvPr id="1" name="Shape 110"/>
         <p:cNvGrpSpPr/>
         <p:nvPr/>
       </p:nvGrpSpPr>
@@ -8076,7 +8239,9 @@
       <p:sp>
         <p:nvSpPr>
           <p:cNvPr id="111" name="Google Shape;111;p21"/>
-          <p:cNvSpPr txBox="1"/>
+          <p:cNvSpPr txBox="1">
+            <a:spLocks noGrp="1"/>
+          </p:cNvSpPr>
           <p:nvPr>
             <p:ph type="title"/>
           </p:nvPr>
@@ -8091,12 +8256,12 @@
           </a:prstGeom>
         </p:spPr>
         <p:txBody>
-          <a:bodyPr anchorCtr="0" anchor="t" bIns="91425" lIns="91425" spcFirstLastPara="1" rIns="91425" wrap="square" tIns="91425">
+          <a:bodyPr spcFirstLastPara="1" wrap="square" lIns="91425" tIns="91425" rIns="91425" bIns="91425" anchor="t" anchorCtr="0">
             <a:normAutofit fontScale="90000"/>
           </a:bodyPr>
           <a:lstStyle/>
           <a:p>
-            <a:pPr indent="0" lvl="0" marL="0" rtl="0" algn="l">
+            <a:pPr marL="0" lvl="0" indent="0" algn="l" rtl="0">
               <a:spcBef>
                 <a:spcPts val="0"/>
               </a:spcBef>
@@ -8107,11 +8272,7 @@
             </a:pPr>
             <a:r>
               <a:rPr lang="en-GB"/>
-              <a:t>Data </a:t>
-            </a:r>
-            <a:r>
-              <a:rPr lang="en-GB"/>
-              <a:t>Visualization</a:t>
+              <a:t>Data Visualization</a:t>
             </a:r>
             <a:endParaRPr/>
           </a:p>
@@ -8120,9 +8281,11 @@
       <p:sp>
         <p:nvSpPr>
           <p:cNvPr id="112" name="Google Shape;112;p21"/>
-          <p:cNvSpPr txBox="1"/>
+          <p:cNvSpPr txBox="1">
+            <a:spLocks noGrp="1"/>
+          </p:cNvSpPr>
           <p:nvPr>
-            <p:ph idx="1" type="body"/>
+            <p:ph type="body" idx="1"/>
           </p:nvPr>
         </p:nvSpPr>
         <p:spPr>
@@ -8135,12 +8298,12 @@
           </a:prstGeom>
         </p:spPr>
         <p:txBody>
-          <a:bodyPr anchorCtr="0" anchor="t" bIns="91425" lIns="91425" spcFirstLastPara="1" rIns="91425" wrap="square" tIns="91425">
+          <a:bodyPr spcFirstLastPara="1" wrap="square" lIns="91425" tIns="91425" rIns="91425" bIns="91425" anchor="t" anchorCtr="0">
             <a:normAutofit/>
           </a:bodyPr>
           <a:lstStyle/>
           <a:p>
-            <a:pPr indent="0" lvl="0" marL="0" rtl="0" algn="l">
+            <a:pPr marL="0" lvl="0" indent="0" algn="l" rtl="0">
               <a:spcBef>
                 <a:spcPts val="0"/>
               </a:spcBef>
@@ -8149,9 +8312,6 @@
               </a:spcAft>
               <a:buNone/>
             </a:pPr>
-            <a:r>
-              <a:t/>
-            </a:r>
             <a:endParaRPr/>
           </a:p>
         </p:txBody>
@@ -8165,7 +8325,288 @@
 </file>
 
 <file path=ppt/theme/theme1.xml><?xml version="1.0" encoding="utf-8"?>
-<a:theme xmlns:a="http://schemas.openxmlformats.org/drawingml/2006/main" xmlns:r="http://schemas.openxmlformats.org/officeDocument/2006/relationships">
+<a:theme xmlns:a="http://schemas.openxmlformats.org/drawingml/2006/main" name="Slate">
+  <a:themeElements>
+    <a:clrScheme name="Slate">
+      <a:dk1>
+        <a:srgbClr val="FFFFFF"/>
+      </a:dk1>
+      <a:lt1>
+        <a:srgbClr val="37474F"/>
+      </a:lt1>
+      <a:dk2>
+        <a:srgbClr val="9E9E9E"/>
+      </a:dk2>
+      <a:lt2>
+        <a:srgbClr val="E0E0E0"/>
+      </a:lt2>
+      <a:accent1>
+        <a:srgbClr val="616161"/>
+      </a:accent1>
+      <a:accent2>
+        <a:srgbClr val="78909C"/>
+      </a:accent2>
+      <a:accent3>
+        <a:srgbClr val="CACACA"/>
+      </a:accent3>
+      <a:accent4>
+        <a:srgbClr val="64FFDA"/>
+      </a:accent4>
+      <a:accent5>
+        <a:srgbClr val="FFD966"/>
+      </a:accent5>
+      <a:accent6>
+        <a:srgbClr val="F5F5F5"/>
+      </a:accent6>
+      <a:hlink>
+        <a:srgbClr val="FFD966"/>
+      </a:hlink>
+      <a:folHlink>
+        <a:srgbClr val="FFD966"/>
+      </a:folHlink>
+    </a:clrScheme>
+    <a:fontScheme name="Office">
+      <a:majorFont>
+        <a:latin typeface="Arial"/>
+        <a:ea typeface=""/>
+        <a:cs typeface=""/>
+        <a:font script="Jpan" typeface="ＭＳ Ｐゴシック"/>
+        <a:font script="Hang" typeface="맑은 고딕"/>
+        <a:font script="Hans" typeface="宋体"/>
+        <a:font script="Hant" typeface="新細明體"/>
+        <a:font script="Arab" typeface="Times New Roman"/>
+        <a:font script="Hebr" typeface="Times New Roman"/>
+        <a:font script="Thai" typeface="Angsana New"/>
+        <a:font script="Ethi" typeface="Nyala"/>
+        <a:font script="Beng" typeface="Vrinda"/>
+        <a:font script="Gujr" typeface="Shruti"/>
+        <a:font script="Khmr" typeface="MoolBoran"/>
+        <a:font script="Knda" typeface="Tunga"/>
+        <a:font script="Guru" typeface="Raavi"/>
+        <a:font script="Cans" typeface="Euphemia"/>
+        <a:font script="Cher" typeface="Plantagenet Cherokee"/>
+        <a:font script="Yiii" typeface="Microsoft Yi Baiti"/>
+        <a:font script="Tibt" typeface="Microsoft Himalaya"/>
+        <a:font script="Thaa" typeface="MV Boli"/>
+        <a:font script="Deva" typeface="Mangal"/>
+        <a:font script="Telu" typeface="Gautami"/>
+        <a:font script="Taml" typeface="Latha"/>
+        <a:font script="Syrc" typeface="Estrangelo Edessa"/>
+        <a:font script="Orya" typeface="Kalinga"/>
+        <a:font script="Mlym" typeface="Kartika"/>
+        <a:font script="Laoo" typeface="DokChampa"/>
+        <a:font script="Sinh" typeface="Iskoola Pota"/>
+        <a:font script="Mong" typeface="Mongolian Baiti"/>
+        <a:font script="Viet" typeface="Times New Roman"/>
+        <a:font script="Uigh" typeface="Microsoft Uighur"/>
+        <a:font script="Geor" typeface="Sylfaen"/>
+      </a:majorFont>
+      <a:minorFont>
+        <a:latin typeface="Arial"/>
+        <a:ea typeface=""/>
+        <a:cs typeface=""/>
+        <a:font script="Jpan" typeface="ＭＳ Ｐゴシック"/>
+        <a:font script="Hang" typeface="맑은 고딕"/>
+        <a:font script="Hans" typeface="宋体"/>
+        <a:font script="Hant" typeface="新細明體"/>
+        <a:font script="Arab" typeface="Arial"/>
+        <a:font script="Hebr" typeface="Arial"/>
+        <a:font script="Thai" typeface="Cordia New"/>
+        <a:font script="Ethi" typeface="Nyala"/>
+        <a:font script="Beng" typeface="Vrinda"/>
+        <a:font script="Gujr" typeface="Shruti"/>
+        <a:font script="Khmr" typeface="DaunPenh"/>
+        <a:font script="Knda" typeface="Tunga"/>
+        <a:font script="Guru" typeface="Raavi"/>
+        <a:font script="Cans" typeface="Euphemia"/>
+        <a:font script="Cher" typeface="Plantagenet Cherokee"/>
+        <a:font script="Yiii" typeface="Microsoft Yi Baiti"/>
+        <a:font script="Tibt" typeface="Microsoft Himalaya"/>
+        <a:font script="Thaa" typeface="MV Boli"/>
+        <a:font script="Deva" typeface="Mangal"/>
+        <a:font script="Telu" typeface="Gautami"/>
+        <a:font script="Taml" typeface="Latha"/>
+        <a:font script="Syrc" typeface="Estrangelo Edessa"/>
+        <a:font script="Orya" typeface="Kalinga"/>
+        <a:font script="Mlym" typeface="Kartika"/>
+        <a:font script="Laoo" typeface="DokChampa"/>
+        <a:font script="Sinh" typeface="Iskoola Pota"/>
+        <a:font script="Mong" typeface="Mongolian Baiti"/>
+        <a:font script="Viet" typeface="Arial"/>
+        <a:font script="Uigh" typeface="Microsoft Uighur"/>
+        <a:font script="Geor" typeface="Sylfaen"/>
+      </a:minorFont>
+    </a:fontScheme>
+    <a:fmtScheme name="Office">
+      <a:fillStyleLst>
+        <a:solidFill>
+          <a:schemeClr val="phClr"/>
+        </a:solidFill>
+        <a:gradFill rotWithShape="1">
+          <a:gsLst>
+            <a:gs pos="0">
+              <a:schemeClr val="phClr">
+                <a:tint val="50000"/>
+                <a:satMod val="300000"/>
+              </a:schemeClr>
+            </a:gs>
+            <a:gs pos="35000">
+              <a:schemeClr val="phClr">
+                <a:tint val="37000"/>
+                <a:satMod val="300000"/>
+              </a:schemeClr>
+            </a:gs>
+            <a:gs pos="100000">
+              <a:schemeClr val="phClr">
+                <a:tint val="15000"/>
+                <a:satMod val="350000"/>
+              </a:schemeClr>
+            </a:gs>
+          </a:gsLst>
+          <a:lin ang="16200000" scaled="1"/>
+        </a:gradFill>
+        <a:gradFill rotWithShape="1">
+          <a:gsLst>
+            <a:gs pos="0">
+              <a:schemeClr val="phClr">
+                <a:tint val="100000"/>
+                <a:shade val="100000"/>
+                <a:satMod val="130000"/>
+              </a:schemeClr>
+            </a:gs>
+            <a:gs pos="100000">
+              <a:schemeClr val="phClr">
+                <a:tint val="50000"/>
+                <a:shade val="100000"/>
+                <a:satMod val="350000"/>
+              </a:schemeClr>
+            </a:gs>
+          </a:gsLst>
+          <a:lin ang="16200000" scaled="0"/>
+        </a:gradFill>
+      </a:fillStyleLst>
+      <a:lnStyleLst>
+        <a:ln w="9525" cap="flat" cmpd="sng" algn="ctr">
+          <a:solidFill>
+            <a:schemeClr val="phClr">
+              <a:shade val="95000"/>
+              <a:satMod val="105000"/>
+            </a:schemeClr>
+          </a:solidFill>
+          <a:prstDash val="solid"/>
+        </a:ln>
+        <a:ln w="25400" cap="flat" cmpd="sng" algn="ctr">
+          <a:solidFill>
+            <a:schemeClr val="phClr"/>
+          </a:solidFill>
+          <a:prstDash val="solid"/>
+        </a:ln>
+        <a:ln w="38100" cap="flat" cmpd="sng" algn="ctr">
+          <a:solidFill>
+            <a:schemeClr val="phClr"/>
+          </a:solidFill>
+          <a:prstDash val="solid"/>
+        </a:ln>
+      </a:lnStyleLst>
+      <a:effectStyleLst>
+        <a:effectStyle>
+          <a:effectLst>
+            <a:outerShdw blurRad="40000" dist="20000" dir="5400000" rotWithShape="0">
+              <a:srgbClr val="000000">
+                <a:alpha val="38000"/>
+              </a:srgbClr>
+            </a:outerShdw>
+          </a:effectLst>
+        </a:effectStyle>
+        <a:effectStyle>
+          <a:effectLst>
+            <a:outerShdw blurRad="40000" dist="23000" dir="5400000" rotWithShape="0">
+              <a:srgbClr val="000000">
+                <a:alpha val="35000"/>
+              </a:srgbClr>
+            </a:outerShdw>
+          </a:effectLst>
+        </a:effectStyle>
+        <a:effectStyle>
+          <a:effectLst>
+            <a:outerShdw blurRad="40000" dist="23000" dir="5400000" rotWithShape="0">
+              <a:srgbClr val="000000">
+                <a:alpha val="35000"/>
+              </a:srgbClr>
+            </a:outerShdw>
+          </a:effectLst>
+          <a:scene3d>
+            <a:camera prst="orthographicFront">
+              <a:rot lat="0" lon="0" rev="0"/>
+            </a:camera>
+            <a:lightRig rig="threePt" dir="t">
+              <a:rot lat="0" lon="0" rev="1200000"/>
+            </a:lightRig>
+          </a:scene3d>
+          <a:sp3d>
+            <a:bevelT w="63500" h="25400"/>
+          </a:sp3d>
+        </a:effectStyle>
+      </a:effectStyleLst>
+      <a:bgFillStyleLst>
+        <a:solidFill>
+          <a:schemeClr val="phClr"/>
+        </a:solidFill>
+        <a:gradFill rotWithShape="1">
+          <a:gsLst>
+            <a:gs pos="0">
+              <a:schemeClr val="phClr">
+                <a:tint val="40000"/>
+                <a:satMod val="350000"/>
+              </a:schemeClr>
+            </a:gs>
+            <a:gs pos="40000">
+              <a:schemeClr val="phClr">
+                <a:tint val="45000"/>
+                <a:shade val="99000"/>
+                <a:satMod val="350000"/>
+              </a:schemeClr>
+            </a:gs>
+            <a:gs pos="100000">
+              <a:schemeClr val="phClr">
+                <a:shade val="20000"/>
+                <a:satMod val="255000"/>
+              </a:schemeClr>
+            </a:gs>
+          </a:gsLst>
+          <a:path path="circle">
+            <a:fillToRect l="50000" t="-80000" r="50000" b="180000"/>
+          </a:path>
+        </a:gradFill>
+        <a:gradFill rotWithShape="1">
+          <a:gsLst>
+            <a:gs pos="0">
+              <a:schemeClr val="phClr">
+                <a:tint val="80000"/>
+                <a:satMod val="300000"/>
+              </a:schemeClr>
+            </a:gs>
+            <a:gs pos="100000">
+              <a:schemeClr val="phClr">
+                <a:shade val="30000"/>
+                <a:satMod val="200000"/>
+              </a:schemeClr>
+            </a:gs>
+          </a:gsLst>
+          <a:path path="circle">
+            <a:fillToRect l="50000" t="50000" r="50000" b="50000"/>
+          </a:path>
+        </a:gradFill>
+      </a:bgFillStyleLst>
+    </a:fmtScheme>
+  </a:themeElements>
+  <a:objectDefaults/>
+  <a:extraClrSchemeLst/>
+</a:theme>
+</file>
+
+<file path=ppt/theme/theme2.xml><?xml version="1.0" encoding="utf-8"?>
+<a:theme xmlns:a="http://schemas.openxmlformats.org/drawingml/2006/main">
   <a:themeElements>
     <a:clrScheme name="Default">
       <a:dk1>
@@ -8440,284 +8881,7 @@
       </a:bgFillStyleLst>
     </a:fmtScheme>
   </a:themeElements>
-</a:theme>
-</file>
-
-<file path=ppt/theme/theme2.xml><?xml version="1.0" encoding="utf-8"?>
-<a:theme xmlns:a="http://schemas.openxmlformats.org/drawingml/2006/main" xmlns:r="http://schemas.openxmlformats.org/officeDocument/2006/relationships" name="Slate">
-  <a:themeElements>
-    <a:clrScheme name="Slate">
-      <a:dk1>
-        <a:srgbClr val="FFFFFF"/>
-      </a:dk1>
-      <a:lt1>
-        <a:srgbClr val="37474F"/>
-      </a:lt1>
-      <a:dk2>
-        <a:srgbClr val="9E9E9E"/>
-      </a:dk2>
-      <a:lt2>
-        <a:srgbClr val="E0E0E0"/>
-      </a:lt2>
-      <a:accent1>
-        <a:srgbClr val="616161"/>
-      </a:accent1>
-      <a:accent2>
-        <a:srgbClr val="78909C"/>
-      </a:accent2>
-      <a:accent3>
-        <a:srgbClr val="CACACA"/>
-      </a:accent3>
-      <a:accent4>
-        <a:srgbClr val="64FFDA"/>
-      </a:accent4>
-      <a:accent5>
-        <a:srgbClr val="FFD966"/>
-      </a:accent5>
-      <a:accent6>
-        <a:srgbClr val="F5F5F5"/>
-      </a:accent6>
-      <a:hlink>
-        <a:srgbClr val="FFD966"/>
-      </a:hlink>
-      <a:folHlink>
-        <a:srgbClr val="FFD966"/>
-      </a:folHlink>
-    </a:clrScheme>
-    <a:fontScheme name="Office">
-      <a:majorFont>
-        <a:latin typeface="Arial"/>
-        <a:ea typeface=""/>
-        <a:cs typeface=""/>
-        <a:font script="Jpan" typeface="ＭＳ Ｐゴシック"/>
-        <a:font script="Hang" typeface="맑은 고딕"/>
-        <a:font script="Hans" typeface="宋体"/>
-        <a:font script="Hant" typeface="新細明體"/>
-        <a:font script="Arab" typeface="Times New Roman"/>
-        <a:font script="Hebr" typeface="Times New Roman"/>
-        <a:font script="Thai" typeface="Angsana New"/>
-        <a:font script="Ethi" typeface="Nyala"/>
-        <a:font script="Beng" typeface="Vrinda"/>
-        <a:font script="Gujr" typeface="Shruti"/>
-        <a:font script="Khmr" typeface="MoolBoran"/>
-        <a:font script="Knda" typeface="Tunga"/>
-        <a:font script="Guru" typeface="Raavi"/>
-        <a:font script="Cans" typeface="Euphemia"/>
-        <a:font script="Cher" typeface="Plantagenet Cherokee"/>
-        <a:font script="Yiii" typeface="Microsoft Yi Baiti"/>
-        <a:font script="Tibt" typeface="Microsoft Himalaya"/>
-        <a:font script="Thaa" typeface="MV Boli"/>
-        <a:font script="Deva" typeface="Mangal"/>
-        <a:font script="Telu" typeface="Gautami"/>
-        <a:font script="Taml" typeface="Latha"/>
-        <a:font script="Syrc" typeface="Estrangelo Edessa"/>
-        <a:font script="Orya" typeface="Kalinga"/>
-        <a:font script="Mlym" typeface="Kartika"/>
-        <a:font script="Laoo" typeface="DokChampa"/>
-        <a:font script="Sinh" typeface="Iskoola Pota"/>
-        <a:font script="Mong" typeface="Mongolian Baiti"/>
-        <a:font script="Viet" typeface="Times New Roman"/>
-        <a:font script="Uigh" typeface="Microsoft Uighur"/>
-        <a:font script="Geor" typeface="Sylfaen"/>
-      </a:majorFont>
-      <a:minorFont>
-        <a:latin typeface="Arial"/>
-        <a:ea typeface=""/>
-        <a:cs typeface=""/>
-        <a:font script="Jpan" typeface="ＭＳ Ｐゴシック"/>
-        <a:font script="Hang" typeface="맑은 고딕"/>
-        <a:font script="Hans" typeface="宋体"/>
-        <a:font script="Hant" typeface="新細明體"/>
-        <a:font script="Arab" typeface="Arial"/>
-        <a:font script="Hebr" typeface="Arial"/>
-        <a:font script="Thai" typeface="Cordia New"/>
-        <a:font script="Ethi" typeface="Nyala"/>
-        <a:font script="Beng" typeface="Vrinda"/>
-        <a:font script="Gujr" typeface="Shruti"/>
-        <a:font script="Khmr" typeface="DaunPenh"/>
-        <a:font script="Knda" typeface="Tunga"/>
-        <a:font script="Guru" typeface="Raavi"/>
-        <a:font script="Cans" typeface="Euphemia"/>
-        <a:font script="Cher" typeface="Plantagenet Cherokee"/>
-        <a:font script="Yiii" typeface="Microsoft Yi Baiti"/>
-        <a:font script="Tibt" typeface="Microsoft Himalaya"/>
-        <a:font script="Thaa" typeface="MV Boli"/>
-        <a:font script="Deva" typeface="Mangal"/>
-        <a:font script="Telu" typeface="Gautami"/>
-        <a:font script="Taml" typeface="Latha"/>
-        <a:font script="Syrc" typeface="Estrangelo Edessa"/>
-        <a:font script="Orya" typeface="Kalinga"/>
-        <a:font script="Mlym" typeface="Kartika"/>
-        <a:font script="Laoo" typeface="DokChampa"/>
-        <a:font script="Sinh" typeface="Iskoola Pota"/>
-        <a:font script="Mong" typeface="Mongolian Baiti"/>
-        <a:font script="Viet" typeface="Arial"/>
-        <a:font script="Uigh" typeface="Microsoft Uighur"/>
-        <a:font script="Geor" typeface="Sylfaen"/>
-      </a:minorFont>
-    </a:fontScheme>
-    <a:fmtScheme name="Office">
-      <a:fillStyleLst>
-        <a:solidFill>
-          <a:schemeClr val="phClr"/>
-        </a:solidFill>
-        <a:gradFill rotWithShape="1">
-          <a:gsLst>
-            <a:gs pos="0">
-              <a:schemeClr val="phClr">
-                <a:tint val="50000"/>
-                <a:satMod val="300000"/>
-              </a:schemeClr>
-            </a:gs>
-            <a:gs pos="35000">
-              <a:schemeClr val="phClr">
-                <a:tint val="37000"/>
-                <a:satMod val="300000"/>
-              </a:schemeClr>
-            </a:gs>
-            <a:gs pos="100000">
-              <a:schemeClr val="phClr">
-                <a:tint val="15000"/>
-                <a:satMod val="350000"/>
-              </a:schemeClr>
-            </a:gs>
-          </a:gsLst>
-          <a:lin ang="16200000" scaled="1"/>
-        </a:gradFill>
-        <a:gradFill rotWithShape="1">
-          <a:gsLst>
-            <a:gs pos="0">
-              <a:schemeClr val="phClr">
-                <a:tint val="100000"/>
-                <a:shade val="100000"/>
-                <a:satMod val="130000"/>
-              </a:schemeClr>
-            </a:gs>
-            <a:gs pos="100000">
-              <a:schemeClr val="phClr">
-                <a:tint val="50000"/>
-                <a:shade val="100000"/>
-                <a:satMod val="350000"/>
-              </a:schemeClr>
-            </a:gs>
-          </a:gsLst>
-          <a:lin ang="16200000" scaled="0"/>
-        </a:gradFill>
-      </a:fillStyleLst>
-      <a:lnStyleLst>
-        <a:ln w="9525" cap="flat" cmpd="sng" algn="ctr">
-          <a:solidFill>
-            <a:schemeClr val="phClr">
-              <a:shade val="95000"/>
-              <a:satMod val="105000"/>
-            </a:schemeClr>
-          </a:solidFill>
-          <a:prstDash val="solid"/>
-        </a:ln>
-        <a:ln w="25400" cap="flat" cmpd="sng" algn="ctr">
-          <a:solidFill>
-            <a:schemeClr val="phClr"/>
-          </a:solidFill>
-          <a:prstDash val="solid"/>
-        </a:ln>
-        <a:ln w="38100" cap="flat" cmpd="sng" algn="ctr">
-          <a:solidFill>
-            <a:schemeClr val="phClr"/>
-          </a:solidFill>
-          <a:prstDash val="solid"/>
-        </a:ln>
-      </a:lnStyleLst>
-      <a:effectStyleLst>
-        <a:effectStyle>
-          <a:effectLst>
-            <a:outerShdw blurRad="40000" dist="20000" dir="5400000" rotWithShape="0">
-              <a:srgbClr val="000000">
-                <a:alpha val="38000"/>
-              </a:srgbClr>
-            </a:outerShdw>
-          </a:effectLst>
-        </a:effectStyle>
-        <a:effectStyle>
-          <a:effectLst>
-            <a:outerShdw blurRad="40000" dist="23000" dir="5400000" rotWithShape="0">
-              <a:srgbClr val="000000">
-                <a:alpha val="35000"/>
-              </a:srgbClr>
-            </a:outerShdw>
-          </a:effectLst>
-        </a:effectStyle>
-        <a:effectStyle>
-          <a:effectLst>
-            <a:outerShdw blurRad="40000" dist="23000" dir="5400000" rotWithShape="0">
-              <a:srgbClr val="000000">
-                <a:alpha val="35000"/>
-              </a:srgbClr>
-            </a:outerShdw>
-          </a:effectLst>
-          <a:scene3d>
-            <a:camera prst="orthographicFront">
-              <a:rot lat="0" lon="0" rev="0"/>
-            </a:camera>
-            <a:lightRig rig="threePt" dir="t">
-              <a:rot lat="0" lon="0" rev="1200000"/>
-            </a:lightRig>
-          </a:scene3d>
-          <a:sp3d>
-            <a:bevelT w="63500" h="25400"/>
-          </a:sp3d>
-        </a:effectStyle>
-      </a:effectStyleLst>
-      <a:bgFillStyleLst>
-        <a:solidFill>
-          <a:schemeClr val="phClr"/>
-        </a:solidFill>
-        <a:gradFill rotWithShape="1">
-          <a:gsLst>
-            <a:gs pos="0">
-              <a:schemeClr val="phClr">
-                <a:tint val="40000"/>
-                <a:satMod val="350000"/>
-              </a:schemeClr>
-            </a:gs>
-            <a:gs pos="40000">
-              <a:schemeClr val="phClr">
-                <a:tint val="45000"/>
-                <a:shade val="99000"/>
-                <a:satMod val="350000"/>
-              </a:schemeClr>
-            </a:gs>
-            <a:gs pos="100000">
-              <a:schemeClr val="phClr">
-                <a:shade val="20000"/>
-                <a:satMod val="255000"/>
-              </a:schemeClr>
-            </a:gs>
-          </a:gsLst>
-          <a:path path="circle">
-            <a:fillToRect l="50000" t="-80000" r="50000" b="180000"/>
-          </a:path>
-        </a:gradFill>
-        <a:gradFill rotWithShape="1">
-          <a:gsLst>
-            <a:gs pos="0">
-              <a:schemeClr val="phClr">
-                <a:tint val="80000"/>
-                <a:satMod val="300000"/>
-              </a:schemeClr>
-            </a:gs>
-            <a:gs pos="100000">
-              <a:schemeClr val="phClr">
-                <a:shade val="30000"/>
-                <a:satMod val="200000"/>
-              </a:schemeClr>
-            </a:gs>
-          </a:gsLst>
-          <a:path path="circle">
-            <a:fillToRect l="50000" t="50000" r="50000" b="50000"/>
-          </a:path>
-        </a:gradFill>
-      </a:bgFillStyleLst>
-    </a:fmtScheme>
-  </a:themeElements>
+  <a:objectDefaults/>
+  <a:extraClrSchemeLst/>
 </a:theme>
 </file>